--- a/help/data-sheets/assets/StandardSupportDatasheet.pptx
+++ b/help/data-sheets/assets/StandardSupportDatasheet.pptx
@@ -273,30 +273,6 @@
     </pc:docChg>
   </pc:docChgLst>
   <pc:docChgLst>
-    <pc:chgData name="Ankita Sood" userId="S::asood@adobe.com::c93a62e3-2a47-429d-82c6-c2a8fd110ae7" providerId="AD" clId="Web-{50BEA215-43CC-DCCF-058B-AC2C3A37AC06}"/>
-    <pc:docChg chg="modSld">
-      <pc:chgData name="Ankita Sood" userId="S::asood@adobe.com::c93a62e3-2a47-429d-82c6-c2a8fd110ae7" providerId="AD" clId="Web-{50BEA215-43CC-DCCF-058B-AC2C3A37AC06}" dt="2022-01-20T19:40:10.448" v="1"/>
-      <pc:docMkLst>
-        <pc:docMk/>
-      </pc:docMkLst>
-      <pc:sldChg chg="modSp">
-        <pc:chgData name="Ankita Sood" userId="S::asood@adobe.com::c93a62e3-2a47-429d-82c6-c2a8fd110ae7" providerId="AD" clId="Web-{50BEA215-43CC-DCCF-058B-AC2C3A37AC06}" dt="2022-01-20T19:40:10.448" v="1"/>
-        <pc:sldMkLst>
-          <pc:docMk/>
-          <pc:sldMk cId="0" sldId="256"/>
-        </pc:sldMkLst>
-        <pc:graphicFrameChg chg="mod modGraphic">
-          <ac:chgData name="Ankita Sood" userId="S::asood@adobe.com::c93a62e3-2a47-429d-82c6-c2a8fd110ae7" providerId="AD" clId="Web-{50BEA215-43CC-DCCF-058B-AC2C3A37AC06}" dt="2022-01-20T19:40:10.448" v="1"/>
-          <ac:graphicFrameMkLst>
-            <pc:docMk/>
-            <pc:sldMk cId="0" sldId="256"/>
-            <ac:graphicFrameMk id="9" creationId="{00000000-0000-0000-0000-000000000000}"/>
-          </ac:graphicFrameMkLst>
-        </pc:graphicFrameChg>
-      </pc:sldChg>
-    </pc:docChg>
-  </pc:docChgLst>
-  <pc:docChgLst>
     <pc:chgData name="Akilah Johnson" userId="S::akjohnso@adobe.com::2fa3aa60-0c9c-4d06-bae2-795983241227" providerId="AD" clId="Web-{CF46E89E-48FC-BA32-13C5-654DDA452FDC}"/>
     <pc:docChg chg="modSld">
       <pc:chgData name="Akilah Johnson" userId="S::akjohnso@adobe.com::2fa3aa60-0c9c-4d06-bae2-795983241227" providerId="AD" clId="Web-{CF46E89E-48FC-BA32-13C5-654DDA452FDC}" dt="2021-10-12T17:00:50.675" v="21" actId="20577"/>
@@ -371,6 +347,30 @@
             <ac:spMk id="56" creationId="{00000000-0000-0000-0000-000000000000}"/>
           </ac:spMkLst>
         </pc:spChg>
+      </pc:sldChg>
+    </pc:docChg>
+  </pc:docChgLst>
+  <pc:docChgLst>
+    <pc:chgData name="Ankita Sood" userId="S::asood@adobe.com::c93a62e3-2a47-429d-82c6-c2a8fd110ae7" providerId="AD" clId="Web-{50BEA215-43CC-DCCF-058B-AC2C3A37AC06}"/>
+    <pc:docChg chg="modSld">
+      <pc:chgData name="Ankita Sood" userId="S::asood@adobe.com::c93a62e3-2a47-429d-82c6-c2a8fd110ae7" providerId="AD" clId="Web-{50BEA215-43CC-DCCF-058B-AC2C3A37AC06}" dt="2022-01-20T19:40:10.448" v="1"/>
+      <pc:docMkLst>
+        <pc:docMk/>
+      </pc:docMkLst>
+      <pc:sldChg chg="modSp">
+        <pc:chgData name="Ankita Sood" userId="S::asood@adobe.com::c93a62e3-2a47-429d-82c6-c2a8fd110ae7" providerId="AD" clId="Web-{50BEA215-43CC-DCCF-058B-AC2C3A37AC06}" dt="2022-01-20T19:40:10.448" v="1"/>
+        <pc:sldMkLst>
+          <pc:docMk/>
+          <pc:sldMk cId="0" sldId="256"/>
+        </pc:sldMkLst>
+        <pc:graphicFrameChg chg="mod modGraphic">
+          <ac:chgData name="Ankita Sood" userId="S::asood@adobe.com::c93a62e3-2a47-429d-82c6-c2a8fd110ae7" providerId="AD" clId="Web-{50BEA215-43CC-DCCF-058B-AC2C3A37AC06}" dt="2022-01-20T19:40:10.448" v="1"/>
+          <ac:graphicFrameMkLst>
+            <pc:docMk/>
+            <pc:sldMk cId="0" sldId="256"/>
+            <ac:graphicFrameMk id="9" creationId="{00000000-0000-0000-0000-000000000000}"/>
+          </ac:graphicFrameMkLst>
+        </pc:graphicFrameChg>
       </pc:sldChg>
     </pc:docChg>
   </pc:docChgLst>
@@ -515,7 +515,7 @@
           <a:p>
             <a:fld id="{A438815C-EDE5-F947-A55F-7634403F36C4}" type="datetimeFigureOut">
               <a:rPr lang="en-US" smtClean="0"/>
-              <a:t>1/20/2022</a:t>
+              <a:t>2/15/2022</a:t>
             </a:fld>
             <a:endParaRPr lang="en-US"/>
           </a:p>
@@ -1138,7 +1138,7 @@
           <a:p>
             <a:fld id="{1D8BD707-D9CF-40AE-B4C6-C98DA3205C09}" type="datetimeFigureOut">
               <a:rPr lang="en-US"/>
-              <a:t>1/20/2022</a:t>
+              <a:t>2/15/2022</a:t>
             </a:fld>
             <a:endParaRPr lang="en-US"/>
           </a:p>
@@ -1322,7 +1322,7 @@
           <a:p>
             <a:fld id="{1D8BD707-D9CF-40AE-B4C6-C98DA3205C09}" type="datetimeFigureOut">
               <a:rPr lang="en-US"/>
-              <a:t>1/20/2022</a:t>
+              <a:t>2/15/2022</a:t>
             </a:fld>
             <a:endParaRPr lang="en-US"/>
           </a:p>
@@ -1624,7 +1624,7 @@
           <a:p>
             <a:fld id="{1D8BD707-D9CF-40AE-B4C6-C98DA3205C09}" type="datetimeFigureOut">
               <a:rPr lang="en-US"/>
-              <a:t>1/20/2022</a:t>
+              <a:t>2/15/2022</a:t>
             </a:fld>
             <a:endParaRPr lang="en-US"/>
           </a:p>
@@ -1897,7 +1897,7 @@
               </a:spcBef>
             </a:pPr>
             <a:r>
-              <a:rPr sz="1400" b="1" u="heavy" spc="10" dirty="0">
+              <a:rPr lang="es-ES" sz="1400" b="1" u="heavy">
                 <a:solidFill>
                   <a:srgbClr val="020302"/>
                 </a:solidFill>
@@ -1909,87 +1909,8 @@
                 <a:latin typeface="Adobe Clean"/>
                 <a:cs typeface="Adobe Clean"/>
               </a:rPr>
-              <a:t>Service </a:t>
+              <a:t>Destinatarios de nivel de servicio: Respuesta inicial</a:t>
             </a:r>
-            <a:r>
-              <a:rPr sz="1400" b="1" u="heavy" spc="-10" dirty="0">
-                <a:solidFill>
-                  <a:srgbClr val="020302"/>
-                </a:solidFill>
-                <a:uFill>
-                  <a:solidFill>
-                    <a:srgbClr val="020302"/>
-                  </a:solidFill>
-                </a:uFill>
-                <a:latin typeface="Adobe Clean"/>
-                <a:cs typeface="Adobe Clean"/>
-              </a:rPr>
-              <a:t>Level </a:t>
-            </a:r>
-            <a:r>
-              <a:rPr sz="1400" b="1" u="heavy" spc="-45" dirty="0">
-                <a:solidFill>
-                  <a:srgbClr val="020302"/>
-                </a:solidFill>
-                <a:uFill>
-                  <a:solidFill>
-                    <a:srgbClr val="020302"/>
-                  </a:solidFill>
-                </a:uFill>
-                <a:latin typeface="Adobe Clean"/>
-                <a:cs typeface="Adobe Clean"/>
-              </a:rPr>
-              <a:t>Targets: </a:t>
-            </a:r>
-            <a:r>
-              <a:rPr sz="1400" b="1" u="heavy" spc="-10" dirty="0">
-                <a:solidFill>
-                  <a:srgbClr val="020302"/>
-                </a:solidFill>
-                <a:uFill>
-                  <a:solidFill>
-                    <a:srgbClr val="020302"/>
-                  </a:solidFill>
-                </a:uFill>
-                <a:latin typeface="Adobe Clean"/>
-                <a:cs typeface="Adobe Clean"/>
-              </a:rPr>
-              <a:t>Initial</a:t>
-            </a:r>
-            <a:r>
-              <a:rPr lang="en-US" sz="1400" b="1" u="heavy" spc="-10" dirty="0">
-                <a:solidFill>
-                  <a:srgbClr val="020302"/>
-                </a:solidFill>
-                <a:uFill>
-                  <a:solidFill>
-                    <a:srgbClr val="020302"/>
-                  </a:solidFill>
-                </a:uFill>
-                <a:latin typeface="Adobe Clean"/>
-                <a:cs typeface="Adobe Clean"/>
-              </a:rPr>
-              <a:t> </a:t>
-            </a:r>
-            <a:r>
-              <a:rPr sz="1400" b="1" u="heavy" spc="-15" dirty="0">
-                <a:solidFill>
-                  <a:srgbClr val="020302"/>
-                </a:solidFill>
-                <a:uFill>
-                  <a:solidFill>
-                    <a:srgbClr val="020302"/>
-                  </a:solidFill>
-                </a:uFill>
-                <a:latin typeface="Adobe Clean"/>
-                <a:cs typeface="Adobe Clean"/>
-              </a:rPr>
-              <a:t>Response</a:t>
-            </a:r>
-            <a:endParaRPr sz="1400" dirty="0">
-              <a:latin typeface="Adobe Clean"/>
-              <a:cs typeface="Adobe Clean"/>
-            </a:endParaRPr>
           </a:p>
         </p:txBody>
       </p:sp>
@@ -2052,7 +1973,7 @@
               </a:spcBef>
             </a:pPr>
             <a:r>
-              <a:rPr lang="en-US" sz="1200" b="1" dirty="0">
+              <a:rPr lang="es-ES" sz="1200" b="1" dirty="0">
                 <a:solidFill>
                   <a:schemeClr val="bg1"/>
                 </a:solidFill>
@@ -2060,7 +1981,7 @@
               <a:t>Standard</a:t>
             </a:r>
             <a:r>
-              <a:rPr lang="en-US" sz="1200" dirty="0">
+              <a:rPr lang="es-ES" sz="1200" dirty="0">
                 <a:solidFill>
                   <a:schemeClr val="bg1"/>
                 </a:solidFill>
@@ -2069,21 +1990,57 @@
               <a:t> | Enterprise | Elite</a:t>
             </a:r>
             <a:br>
-              <a:rPr lang="en-US" sz="900" dirty="0">
+              <a:rPr lang="es-ES" sz="900" dirty="0">
                 <a:latin typeface="Adobe Clean Light" panose="020B0303020404020204" pitchFamily="34" charset="0"/>
               </a:rPr>
             </a:br>
             <a:r>
-              <a:rPr lang="en-US" sz="900" dirty="0">
+              <a:rPr lang="es-ES" sz="900" dirty="0">
                 <a:solidFill>
                   <a:schemeClr val="bg1"/>
                 </a:solidFill>
                 <a:latin typeface="Adobe Clean SemiLight"/>
               </a:rPr>
-              <a:t>Adobe provides a comprehensive range of technical resources to help support your business included as part of your Experience Cloud license subscription. Online support includes access to personalized learning paths and monitored community forums via the Adobe Experience League. You can take advantage of our detailed and in-depth technical product documentation and current release notes published on </a:t>
+              <a:t>Adobe ofrece una amplia variedad de recursos técnicos para ayudar a su negocio, incluidos como parte de su suscripción de licencia de </a:t>
             </a:r>
             <a:r>
-              <a:rPr lang="en-US" sz="900" u="sng" dirty="0">
+              <a:rPr lang="es-ES" sz="900" dirty="0" err="1">
+                <a:solidFill>
+                  <a:schemeClr val="bg1"/>
+                </a:solidFill>
+                <a:latin typeface="Adobe Clean SemiLight"/>
+              </a:rPr>
+              <a:t>Experience</a:t>
+            </a:r>
+            <a:r>
+              <a:rPr lang="es-ES" sz="900" dirty="0">
+                <a:solidFill>
+                  <a:schemeClr val="bg1"/>
+                </a:solidFill>
+                <a:latin typeface="Adobe Clean SemiLight"/>
+              </a:rPr>
+              <a:t> Cloud. El paquete ONLINE incluye acceso a rutas de aprendizaje personalizadas y foros de la comunidad monitorizados a través de Adobe </a:t>
+            </a:r>
+            <a:r>
+              <a:rPr lang="es-ES" sz="900" dirty="0" err="1">
+                <a:solidFill>
+                  <a:schemeClr val="bg1"/>
+                </a:solidFill>
+                <a:latin typeface="Adobe Clean SemiLight"/>
+              </a:rPr>
+              <a:t>Experience</a:t>
+            </a:r>
+            <a:r>
+              <a:rPr lang="es-ES" sz="900" dirty="0">
+                <a:solidFill>
+                  <a:schemeClr val="bg1"/>
+                </a:solidFill>
+                <a:latin typeface="Adobe Clean SemiLight"/>
+              </a:rPr>
+              <a:t> League. Puede encontrar documentación técnica completa y detallada sobre productos y notas de la versión actual en </a:t>
+            </a:r>
+            <a:r>
+              <a:rPr lang="es-ES" sz="900" u="sng" dirty="0">
                 <a:solidFill>
                   <a:schemeClr val="bg1"/>
                 </a:solidFill>
@@ -2096,24 +2053,42 @@
                   </a:extLst>
                 </a:hlinkClick>
               </a:rPr>
-              <a:t>http://www.adobe.com. </a:t>
+              <a:t>http://www.adobe.com</a:t>
             </a:r>
             <a:r>
-              <a:rPr lang="en-US" sz="900" dirty="0">
+              <a:rPr lang="es-ES" sz="900" dirty="0">
                 <a:solidFill>
                   <a:schemeClr val="bg1"/>
                 </a:solidFill>
                 <a:latin typeface="Adobe Clean SemiLight"/>
               </a:rPr>
-              <a:t>Our Online package also includes access to our technical support teams for any critical P1 product issues via telephone to help protect your business at the most critical times as well as providing the ability to log lower priority requests for assistance via support web portal.</a:t>
+              <a:t>.</a:t>
             </a:r>
-            <a:endParaRPr lang="en-US" sz="900" dirty="0">
-              <a:solidFill>
-                <a:schemeClr val="bg1"/>
-              </a:solidFill>
-              <a:latin typeface="Adobe Clean SemiLight"/>
-              <a:cs typeface="AdobeClean-Light"/>
-            </a:endParaRPr>
+            <a:r>
+              <a:rPr lang="es-ES" sz="900" u="sng" dirty="0">
+                <a:solidFill>
+                  <a:schemeClr val="bg1"/>
+                </a:solidFill>
+                <a:latin typeface="Adobe Clean SemiLight"/>
+                <a:hlinkClick r:id="rId4">
+                  <a:extLst>
+                    <a:ext uri="{A12FA001-AC4F-418D-AE19-62706E023703}">
+                      <ahyp:hlinkClr xmlns:ahyp="http://schemas.microsoft.com/office/drawing/2018/hyperlinkcolor" val="tx"/>
+                    </a:ext>
+                  </a:extLst>
+                </a:hlinkClick>
+              </a:rPr>
+              <a:t> </a:t>
+            </a:r>
+            <a:r>
+              <a:rPr lang="es-ES" sz="900" dirty="0">
+                <a:solidFill>
+                  <a:schemeClr val="bg1"/>
+                </a:solidFill>
+                <a:latin typeface="Adobe Clean SemiLight"/>
+              </a:rPr>
+              <a:t>Nuestro paquete ONLINE también incluye el acceso a nuestros equipos de soporte técnico para problemas de producto de prioridad 1 por vía telefónica para proteger su negocio en los momentos más importantes. Además, podrá registrar solicitudes de prioridad más baja a través del portal de soporte web.</a:t>
+            </a:r>
           </a:p>
         </p:txBody>
       </p:sp>
@@ -2155,14 +2130,14 @@
           <p:nvPr>
             <p:extLst>
               <p:ext uri="{D42A27DB-BD31-4B8C-83A1-F6EECF244321}">
-                <p14:modId xmlns:p14="http://schemas.microsoft.com/office/powerpoint/2010/main" val="2360421745"/>
+                <p14:modId xmlns:p14="http://schemas.microsoft.com/office/powerpoint/2010/main" val="3789171922"/>
               </p:ext>
             </p:extLst>
           </p:nvPr>
         </p:nvGraphicFramePr>
         <p:xfrm>
           <a:off x="0" y="1938946"/>
-          <a:ext cx="7705343" cy="5227197"/>
+          <a:ext cx="7705343" cy="5300593"/>
         </p:xfrm>
         <a:graphic>
           <a:graphicData uri="http://schemas.openxmlformats.org/drawingml/2006/table">
@@ -2178,21 +2153,21 @@
                     </a:ext>
                   </a:extLst>
                 </a:gridCol>
-                <a:gridCol w="2922021">
+                <a:gridCol w="3074421">
                   <a:extLst>
                     <a:ext uri="{9D8B030D-6E8A-4147-A177-3AD203B41FA5}">
                       <a16:colId xmlns:a16="http://schemas.microsoft.com/office/drawing/2014/main" val="20001"/>
                     </a:ext>
                   </a:extLst>
                 </a:gridCol>
-                <a:gridCol w="1219200">
+                <a:gridCol w="1143000">
                   <a:extLst>
                     <a:ext uri="{9D8B030D-6E8A-4147-A177-3AD203B41FA5}">
                       <a16:colId xmlns:a16="http://schemas.microsoft.com/office/drawing/2014/main" val="20002"/>
                     </a:ext>
                   </a:extLst>
                 </a:gridCol>
-                <a:gridCol w="1143000">
+                <a:gridCol w="1066800">
                   <a:extLst>
                     <a:ext uri="{9D8B030D-6E8A-4147-A177-3AD203B41FA5}">
                       <a16:colId xmlns:a16="http://schemas.microsoft.com/office/drawing/2014/main" val="20003"/>
@@ -2242,29 +2217,15 @@
                         </a:spcBef>
                       </a:pPr>
                       <a:r>
-                        <a:rPr lang="en-US" sz="900" spc="0" dirty="0">
+                        <a:rPr lang="es-ES" sz="900">
                           <a:solidFill>
                             <a:srgbClr val="404040"/>
                           </a:solidFill>
                           <a:latin typeface="Adobe Clean"/>
                           <a:cs typeface="Adobe Clean"/>
                         </a:rPr>
-                        <a:t>Standard </a:t>
+                        <a:t>Soporte Standard</a:t>
                       </a:r>
-                      <a:r>
-                        <a:rPr sz="900" spc="0" dirty="0">
-                          <a:solidFill>
-                            <a:srgbClr val="404040"/>
-                          </a:solidFill>
-                          <a:latin typeface="Adobe Clean"/>
-                          <a:cs typeface="Adobe Clean"/>
-                        </a:rPr>
-                        <a:t>Support</a:t>
-                      </a:r>
-                      <a:endParaRPr sz="900" spc="0" dirty="0">
-                        <a:latin typeface="Adobe Clean"/>
-                        <a:cs typeface="Adobe Clean"/>
-                      </a:endParaRPr>
                     </a:p>
                   </a:txBody>
                   <a:tcPr marL="0" marR="0" marT="7620" marB="0" anchor="ctr">
@@ -2299,17 +2260,14 @@
                         </a:spcBef>
                       </a:pPr>
                       <a:r>
-                        <a:rPr lang="en-US" sz="900" spc="0" dirty="0">
+                        <a:rPr lang="es-ES" sz="900">
                           <a:solidFill>
                             <a:srgbClr val="FFFFFF"/>
                           </a:solidFill>
                           <a:latin typeface="Adobe Clean"/>
                         </a:rPr>
-                        <a:t>Enterprise Support</a:t>
+                        <a:t>Soporte Enterprise</a:t>
                       </a:r>
-                      <a:endParaRPr sz="900" spc="0" dirty="0">
-                        <a:latin typeface="Adobe Clean"/>
-                      </a:endParaRPr>
                     </a:p>
                   </a:txBody>
                   <a:tcPr marL="0" marR="0" marT="7620" marB="0" anchor="ctr">
@@ -2350,18 +2308,15 @@
                         </a:spcBef>
                       </a:pPr>
                       <a:r>
-                        <a:rPr lang="en-US" sz="900" spc="0" dirty="0">
+                        <a:rPr lang="es-ES" sz="900">
                           <a:solidFill>
                             <a:srgbClr val="FFFFFF"/>
                           </a:solidFill>
                           <a:latin typeface="Adobe Clean"/>
                           <a:cs typeface="Adobe Clean"/>
                         </a:rPr>
-                        <a:t>Elite Support</a:t>
+                        <a:t>Soporte Elite</a:t>
                       </a:r>
-                      <a:endParaRPr sz="900" spc="0" dirty="0">
-                        <a:latin typeface="Adobe Clean"/>
-                      </a:endParaRPr>
                     </a:p>
                   </a:txBody>
                   <a:tcPr marL="0" marR="0" marT="7620" marB="0" anchor="ctr">
@@ -2426,7 +2381,7 @@
                     <a:bodyPr/>
                     <a:lstStyle/>
                     <a:p>
-                      <a:pPr marL="255904" marR="248920" indent="-25400">
+                      <a:pPr marL="255904" marR="248920" indent="-25400" algn="l" rtl="0">
                         <a:lnSpc>
                           <a:spcPct val="100000"/>
                         </a:lnSpc>
@@ -2471,7 +2426,7 @@
                     <a:bodyPr/>
                     <a:lstStyle/>
                     <a:p>
-                      <a:pPr marL="934085">
+                      <a:pPr marL="934085" algn="l" rtl="0">
                         <a:lnSpc>
                           <a:spcPct val="100000"/>
                         </a:lnSpc>
@@ -2549,22 +2504,15 @@
                         </a:spcBef>
                       </a:pPr>
                       <a:r>
-                        <a:rPr lang="en-US" sz="1000" b="1" i="0" spc="0" dirty="0">
+                        <a:rPr lang="es-ES" sz="1000" b="1" i="0">
                           <a:solidFill>
                             <a:schemeClr val="bg1"/>
                           </a:solidFill>
                           <a:latin typeface="Adobe Clean" panose="020B0503020404020204" pitchFamily="34" charset="0"/>
                           <a:cs typeface="AdobeClean-Light"/>
                         </a:rPr>
-                        <a:t>Assigned Experts</a:t>
+                        <a:t>Expertos asignados</a:t>
                       </a:r>
-                      <a:endParaRPr sz="1000" b="1" i="0" spc="0" dirty="0">
-                        <a:solidFill>
-                          <a:schemeClr val="bg1"/>
-                        </a:solidFill>
-                        <a:latin typeface="Adobe Clean" panose="020B0503020404020204" pitchFamily="34" charset="0"/>
-                        <a:cs typeface="AdobeClean-Light"/>
-                      </a:endParaRPr>
                     </a:p>
                   </a:txBody>
                   <a:tcPr marL="0" marR="0" marT="58419" marB="0" anchor="ctr">
@@ -2611,19 +2559,15 @@
                         </a:spcBef>
                       </a:pPr>
                       <a:r>
-                        <a:rPr sz="900" spc="0" dirty="0">
+                        <a:rPr lang="es-ES" sz="900">
                           <a:solidFill>
                             <a:srgbClr val="020302"/>
                           </a:solidFill>
                           <a:latin typeface="AdobeClean-Light"/>
                           <a:cs typeface="AdobeClean-Light"/>
                         </a:rPr>
-                        <a:t>Account Support Lead</a:t>
+                        <a:t>Responsable de la asistencia técnica de la cuenta</a:t>
                       </a:r>
-                      <a:endParaRPr sz="900" spc="0" dirty="0">
-                        <a:latin typeface="AdobeClean-Light"/>
-                        <a:cs typeface="AdobeClean-Light"/>
-                      </a:endParaRPr>
                     </a:p>
                   </a:txBody>
                   <a:tcPr marL="0" marR="0" marT="58419" marB="0">
@@ -2652,7 +2596,7 @@
                     <a:bodyPr/>
                     <a:lstStyle/>
                     <a:p>
-                      <a:pPr>
+                      <a:pPr algn="l" rtl="0">
                         <a:lnSpc>
                           <a:spcPct val="100000"/>
                         </a:lnSpc>
@@ -2688,7 +2632,7 @@
                     <a:bodyPr/>
                     <a:lstStyle/>
                     <a:p>
-                      <a:pPr algn="ctr">
+                      <a:pPr algn="l" rtl="0">
                         <a:lnSpc>
                           <a:spcPct val="100000"/>
                         </a:lnSpc>
@@ -2716,7 +2660,7 @@
                     <a:bodyPr/>
                     <a:lstStyle/>
                     <a:p>
-                      <a:pPr algn="ctr">
+                      <a:pPr algn="l" rtl="0">
                         <a:lnSpc>
                           <a:spcPct val="100000"/>
                         </a:lnSpc>
@@ -2760,7 +2704,7 @@
                     <a:bodyPr/>
                     <a:lstStyle/>
                     <a:p>
-                      <a:pPr marL="50800">
+                      <a:pPr marL="50800" algn="l" rtl="0">
                         <a:lnSpc>
                           <a:spcPct val="100000"/>
                         </a:lnSpc>
@@ -2806,19 +2750,15 @@
                         </a:spcBef>
                       </a:pPr>
                       <a:r>
-                        <a:rPr sz="900" spc="0" dirty="0">
+                        <a:rPr lang="es-ES" sz="900">
                           <a:solidFill>
                             <a:srgbClr val="020302"/>
                           </a:solidFill>
                           <a:latin typeface="AdobeClean-Light"/>
                           <a:cs typeface="AdobeClean-Light"/>
                         </a:rPr>
-                        <a:t>Named Support Engineer</a:t>
+                        <a:t>Ingeniero de asistencia técnica especializado</a:t>
                       </a:r>
-                      <a:endParaRPr sz="900" spc="0" dirty="0">
-                        <a:latin typeface="AdobeClean-Light"/>
-                        <a:cs typeface="AdobeClean-Light"/>
-                      </a:endParaRPr>
                     </a:p>
                   </a:txBody>
                   <a:tcPr marL="0" marR="0" marT="58419" marB="0">
@@ -2841,7 +2781,7 @@
                     <a:bodyPr/>
                     <a:lstStyle/>
                     <a:p>
-                      <a:pPr>
+                      <a:pPr algn="l" rtl="0">
                         <a:lnSpc>
                           <a:spcPct val="100000"/>
                         </a:lnSpc>
@@ -2880,7 +2820,7 @@
                         </a:spcBef>
                       </a:pPr>
                       <a:r>
-                        <a:rPr sz="900" spc="0" dirty="0">
+                        <a:rPr lang="es-ES" sz="900">
                           <a:solidFill>
                             <a:srgbClr val="020302"/>
                           </a:solidFill>
@@ -2888,9 +2828,6 @@
                         </a:rPr>
                         <a:t></a:t>
                       </a:r>
-                      <a:endParaRPr sz="900" spc="0" dirty="0">
-                        <a:latin typeface="Wingdings"/>
-                      </a:endParaRPr>
                     </a:p>
                   </a:txBody>
                   <a:tcPr marL="0" marR="0" marT="0" marB="0"/>
@@ -2909,7 +2846,7 @@
                         </a:spcBef>
                       </a:pPr>
                       <a:r>
-                        <a:rPr lang="en-US" sz="900" spc="0">
+                        <a:rPr lang="es-ES" sz="900">
                           <a:solidFill>
                             <a:srgbClr val="020302"/>
                           </a:solidFill>
@@ -2918,9 +2855,6 @@
                         </a:rPr>
                         <a:t></a:t>
                       </a:r>
-                      <a:endParaRPr sz="900" spc="0" dirty="0">
-                        <a:latin typeface="Wingdings"/>
-                      </a:endParaRPr>
                     </a:p>
                   </a:txBody>
                   <a:tcPr marL="0" marR="0" marT="59055" marB="0">
@@ -2944,7 +2878,7 @@
                     <a:bodyPr/>
                     <a:lstStyle/>
                     <a:p>
-                      <a:pPr marL="50800">
+                      <a:pPr marL="50800" algn="l" rtl="0">
                         <a:lnSpc>
                           <a:spcPct val="100000"/>
                         </a:lnSpc>
@@ -3002,19 +2936,15 @@
                         </a:spcBef>
                       </a:pPr>
                       <a:r>
-                        <a:rPr sz="900" spc="0" dirty="0">
+                        <a:rPr lang="es-ES" sz="900">
                           <a:solidFill>
                             <a:srgbClr val="020302"/>
                           </a:solidFill>
                           <a:latin typeface="AdobeClean-Light"/>
                           <a:cs typeface="AdobeClean-Light"/>
                         </a:rPr>
-                        <a:t>Technical Account Manager</a:t>
+                        <a:t>Gestor técnico de cuentas</a:t>
                       </a:r>
-                      <a:endParaRPr sz="900" spc="0" dirty="0">
-                        <a:latin typeface="AdobeClean-Light"/>
-                        <a:cs typeface="AdobeClean-Light"/>
-                      </a:endParaRPr>
                     </a:p>
                   </a:txBody>
                   <a:tcPr marL="0" marR="0" marT="63500" marB="0">
@@ -3043,7 +2973,7 @@
                     <a:bodyPr/>
                     <a:lstStyle/>
                     <a:p>
-                      <a:pPr>
+                      <a:pPr algn="l" rtl="0">
                         <a:lnSpc>
                           <a:spcPct val="100000"/>
                         </a:lnSpc>
@@ -3079,7 +3009,7 @@
                     <a:bodyPr/>
                     <a:lstStyle/>
                     <a:p>
-                      <a:pPr>
+                      <a:pPr algn="l" rtl="0">
                         <a:lnSpc>
                           <a:spcPct val="100000"/>
                         </a:lnSpc>
@@ -3110,7 +3040,7 @@
                         </a:lnSpc>
                       </a:pPr>
                       <a:r>
-                        <a:rPr lang="en-US" sz="900" spc="0">
+                        <a:rPr lang="es-ES" sz="900">
                           <a:solidFill>
                             <a:srgbClr val="020302"/>
                           </a:solidFill>
@@ -3119,10 +3049,6 @@
                         </a:rPr>
                         <a:t></a:t>
                       </a:r>
-                      <a:endParaRPr sz="900" spc="0" dirty="0">
-                        <a:latin typeface="Times New Roman"/>
-                        <a:cs typeface="Times New Roman"/>
-                      </a:endParaRPr>
                     </a:p>
                   </a:txBody>
                   <a:tcPr marL="0" marR="0" marT="64135" marB="0">
@@ -3164,22 +3090,15 @@
                         </a:spcBef>
                       </a:pPr>
                       <a:r>
-                        <a:rPr lang="en-US" sz="1000" b="1" i="0" spc="0" dirty="0">
+                        <a:rPr lang="es-ES" sz="1000" b="1" i="0">
                           <a:solidFill>
                             <a:schemeClr val="bg1"/>
                           </a:solidFill>
                           <a:latin typeface="Adobe Clean" panose="020B0503020404020204" pitchFamily="34" charset="0"/>
                           <a:cs typeface="AdobeClean-Light"/>
                         </a:rPr>
-                        <a:t>Support Services</a:t>
+                        <a:t>Servicios de soporte</a:t>
                       </a:r>
-                      <a:endParaRPr sz="1000" b="1" i="0" spc="0" dirty="0">
-                        <a:solidFill>
-                          <a:schemeClr val="bg1"/>
-                        </a:solidFill>
-                        <a:latin typeface="Adobe Clean" panose="020B0503020404020204" pitchFamily="34" charset="0"/>
-                        <a:cs typeface="AdobeClean-Light"/>
-                      </a:endParaRPr>
                     </a:p>
                   </a:txBody>
                   <a:tcPr marL="0" marR="0" marT="57150" marB="0" anchor="ctr">
@@ -3235,29 +3154,15 @@
                         </a:spcBef>
                       </a:pPr>
                       <a:r>
-                        <a:rPr lang="en-US" sz="900" spc="0" dirty="0">
+                        <a:rPr lang="es-ES" sz="900">
                           <a:solidFill>
                             <a:srgbClr val="020302"/>
                           </a:solidFill>
                           <a:latin typeface="AdobeClean-Light"/>
                           <a:cs typeface="AdobeClean-Light"/>
                         </a:rPr>
-                        <a:t>Online </a:t>
+                        <a:t>Soporte Online</a:t>
                       </a:r>
-                      <a:r>
-                        <a:rPr sz="900" spc="0" dirty="0">
-                          <a:solidFill>
-                            <a:srgbClr val="020302"/>
-                          </a:solidFill>
-                          <a:latin typeface="AdobeClean-Light"/>
-                          <a:cs typeface="AdobeClean-Light"/>
-                        </a:rPr>
-                        <a:t> Support</a:t>
-                      </a:r>
-                      <a:endParaRPr sz="900" spc="0" dirty="0">
-                        <a:latin typeface="AdobeClean-Light"/>
-                        <a:cs typeface="AdobeClean-Light"/>
-                      </a:endParaRPr>
                     </a:p>
                   </a:txBody>
                   <a:tcPr marL="0" marR="0" marT="57150" marB="0">
@@ -3295,19 +3200,15 @@
                         </a:spcBef>
                       </a:pPr>
                       <a:r>
-                        <a:rPr sz="800" spc="0" dirty="0">
+                        <a:rPr lang="es-ES" sz="800">
                           <a:solidFill>
                             <a:srgbClr val="020302"/>
                           </a:solidFill>
                           <a:latin typeface="AdobeClean-Light"/>
                           <a:cs typeface="AdobeClean-Light"/>
                         </a:rPr>
-                        <a:t>Business hours</a:t>
+                        <a:t>Horario de trabajo</a:t>
                       </a:r>
-                      <a:endParaRPr sz="800" spc="0" dirty="0">
-                        <a:latin typeface="AdobeClean-Light"/>
-                        <a:cs typeface="AdobeClean-Light"/>
-                      </a:endParaRPr>
                     </a:p>
                   </a:txBody>
                   <a:tcPr marL="0" marR="0" marT="67945" marB="0">
@@ -3344,17 +3245,14 @@
                         </a:spcBef>
                       </a:pPr>
                       <a:r>
-                        <a:rPr sz="800" spc="0" dirty="0">
+                        <a:rPr lang="es-ES" sz="800">
                           <a:solidFill>
                             <a:srgbClr val="020302"/>
                           </a:solidFill>
                           <a:latin typeface="AdobeClean-Light"/>
                         </a:rPr>
-                        <a:t>24X5</a:t>
+                        <a:t>24x5</a:t>
                       </a:r>
-                      <a:endParaRPr sz="800" spc="0" dirty="0">
-                        <a:latin typeface="AdobeClean-Light"/>
-                      </a:endParaRPr>
                     </a:p>
                   </a:txBody>
                   <a:tcPr marL="0" marR="0" marT="67945" marB="0">
@@ -3380,18 +3278,15 @@
                         </a:spcBef>
                       </a:pPr>
                       <a:r>
-                        <a:rPr lang="en-US" sz="800" spc="0">
+                        <a:rPr lang="es-ES" sz="800">
                           <a:solidFill>
                             <a:srgbClr val="020302"/>
                           </a:solidFill>
                           <a:latin typeface="AdobeClean-Light"/>
                           <a:cs typeface="AdobeClean-Light"/>
                         </a:rPr>
-                        <a:t>24X5</a:t>
+                        <a:t>24x5</a:t>
                       </a:r>
-                      <a:endParaRPr sz="800" spc="0" dirty="0">
-                        <a:latin typeface="AdobeClean-Light"/>
-                      </a:endParaRPr>
                     </a:p>
                   </a:txBody>
                   <a:tcPr marL="0" marR="0" marT="67945" marB="0">
@@ -3424,7 +3319,7 @@
                     <a:bodyPr/>
                     <a:lstStyle/>
                     <a:p>
-                      <a:pPr marL="50800">
+                      <a:pPr marL="50800" algn="l" rtl="0">
                         <a:lnSpc>
                           <a:spcPct val="100000"/>
                         </a:lnSpc>
@@ -3473,39 +3368,15 @@
                         </a:spcBef>
                       </a:pPr>
                       <a:r>
-                        <a:rPr sz="900" spc="0" dirty="0">
+                        <a:rPr lang="es-ES" sz="900">
                           <a:solidFill>
                             <a:srgbClr val="020302"/>
                           </a:solidFill>
                           <a:latin typeface="AdobeClean-Light"/>
                           <a:cs typeface="AdobeClean-Light"/>
                         </a:rPr>
-                        <a:t>24x7</a:t>
+                        <a:t>Soporte con problemas P1 24 x 7 x 365</a:t>
                       </a:r>
-                      <a:r>
-                        <a:rPr lang="en-US" sz="900" spc="0" dirty="0">
-                          <a:solidFill>
-                            <a:srgbClr val="020302"/>
-                          </a:solidFill>
-                          <a:latin typeface="AdobeClean-Light"/>
-                          <a:cs typeface="AdobeClean-Light"/>
-                        </a:rPr>
-                        <a:t>x365</a:t>
-                      </a:r>
-                      <a:r>
-                        <a:rPr sz="900" spc="0" dirty="0">
-                          <a:solidFill>
-                            <a:srgbClr val="020302"/>
-                          </a:solidFill>
-                          <a:latin typeface="AdobeClean-Light"/>
-                          <a:cs typeface="AdobeClean-Light"/>
-                        </a:rPr>
-                        <a:t> P1 Issue Support</a:t>
-                      </a:r>
-                      <a:endParaRPr sz="900" spc="0" dirty="0">
-                        <a:latin typeface="AdobeClean-Light"/>
-                        <a:cs typeface="AdobeClean-Light"/>
-                      </a:endParaRPr>
                     </a:p>
                   </a:txBody>
                   <a:tcPr marL="0" marR="0" marT="57785" marB="0">
@@ -3537,7 +3408,7 @@
                         </a:spcBef>
                       </a:pPr>
                       <a:r>
-                        <a:rPr sz="900" spc="0" dirty="0">
+                        <a:rPr lang="es-ES" sz="900">
                           <a:solidFill>
                             <a:srgbClr val="020302"/>
                           </a:solidFill>
@@ -3546,10 +3417,6 @@
                         </a:rPr>
                         <a:t></a:t>
                       </a:r>
-                      <a:endParaRPr sz="900" spc="0">
-                        <a:latin typeface="Wingdings"/>
-                        <a:cs typeface="Wingdings"/>
-                      </a:endParaRPr>
                     </a:p>
                   </a:txBody>
                   <a:tcPr marL="0" marR="0" marT="58419" marB="0">
@@ -3580,7 +3447,7 @@
                         </a:spcBef>
                       </a:pPr>
                       <a:r>
-                        <a:rPr sz="900" spc="0" dirty="0">
+                        <a:rPr lang="es-ES" sz="900">
                           <a:solidFill>
                             <a:srgbClr val="020302"/>
                           </a:solidFill>
@@ -3588,9 +3455,6 @@
                         </a:rPr>
                         <a:t></a:t>
                       </a:r>
-                      <a:endParaRPr sz="900" spc="0" dirty="0">
-                        <a:latin typeface="Wingdings"/>
-                      </a:endParaRPr>
                     </a:p>
                   </a:txBody>
                   <a:tcPr marL="0" marR="0" marT="58419" marB="0"/>
@@ -3609,7 +3473,7 @@
                         </a:spcBef>
                       </a:pPr>
                       <a:r>
-                        <a:rPr lang="en-US" sz="900" spc="0">
+                        <a:rPr lang="es-ES" sz="900">
                           <a:solidFill>
                             <a:srgbClr val="020302"/>
                           </a:solidFill>
@@ -3618,9 +3482,6 @@
                         </a:rPr>
                         <a:t></a:t>
                       </a:r>
-                      <a:endParaRPr sz="900" spc="0" dirty="0">
-                        <a:latin typeface="Wingdings"/>
-                      </a:endParaRPr>
                     </a:p>
                   </a:txBody>
                   <a:tcPr marL="0" marR="0" marT="58419" marB="0">
@@ -3644,7 +3505,7 @@
                     <a:bodyPr/>
                     <a:lstStyle/>
                     <a:p>
-                      <a:pPr marL="50800">
+                      <a:pPr marL="50800" algn="l" rtl="0">
                         <a:lnSpc>
                           <a:spcPct val="100000"/>
                         </a:lnSpc>
@@ -3693,19 +3554,15 @@
                         </a:spcBef>
                       </a:pPr>
                       <a:r>
-                        <a:rPr lang="en-US" sz="900" spc="0" dirty="0">
+                        <a:rPr lang="es-ES" sz="900">
                           <a:solidFill>
                             <a:srgbClr val="020302"/>
                           </a:solidFill>
                           <a:latin typeface="AdobeClean-Light"/>
                           <a:cs typeface="AdobeClean-Light"/>
                         </a:rPr>
-                        <a:t>Named Support Contacts (per product)</a:t>
+                        <a:t>Contactos de soporte particulares (por producto)</a:t>
                       </a:r>
-                      <a:endParaRPr sz="900" spc="0" dirty="0">
-                        <a:latin typeface="AdobeClean-Light"/>
-                        <a:cs typeface="AdobeClean-Light"/>
-                      </a:endParaRPr>
                     </a:p>
                   </a:txBody>
                   <a:tcPr marL="0" marR="0" marT="57785" marB="0">
@@ -3737,7 +3594,7 @@
                         </a:spcBef>
                       </a:pPr>
                       <a:r>
-                        <a:rPr sz="900" spc="0" dirty="0">
+                        <a:rPr lang="es-ES" sz="900">
                           <a:solidFill>
                             <a:srgbClr val="020302"/>
                           </a:solidFill>
@@ -3746,10 +3603,6 @@
                         </a:rPr>
                         <a:t>4</a:t>
                       </a:r>
-                      <a:endParaRPr sz="900" spc="0" dirty="0">
-                        <a:latin typeface="AdobeClean-Light"/>
-                        <a:cs typeface="AdobeClean-Light"/>
-                      </a:endParaRPr>
                     </a:p>
                   </a:txBody>
                   <a:tcPr marL="0" marR="0" marT="57785" marB="0">
@@ -3780,7 +3633,7 @@
                         </a:spcBef>
                       </a:pPr>
                       <a:r>
-                        <a:rPr sz="900" spc="0" dirty="0">
+                        <a:rPr lang="es-ES" sz="900">
                           <a:solidFill>
                             <a:srgbClr val="020302"/>
                           </a:solidFill>
@@ -3788,9 +3641,6 @@
                         </a:rPr>
                         <a:t>10</a:t>
                       </a:r>
-                      <a:endParaRPr sz="900" spc="0" dirty="0">
-                        <a:latin typeface="AdobeClean-Light"/>
-                      </a:endParaRPr>
                     </a:p>
                   </a:txBody>
                   <a:tcPr marL="0" marR="0" marT="57785" marB="0"/>
@@ -3809,7 +3659,7 @@
                         </a:spcBef>
                       </a:pPr>
                       <a:r>
-                        <a:rPr lang="en-US" sz="900" spc="0">
+                        <a:rPr lang="es-ES" sz="900">
                           <a:solidFill>
                             <a:srgbClr val="020302"/>
                           </a:solidFill>
@@ -3818,9 +3668,6 @@
                         </a:rPr>
                         <a:t>15</a:t>
                       </a:r>
-                      <a:endParaRPr sz="900" spc="0" dirty="0">
-                        <a:latin typeface="AdobeClean-Light"/>
-                      </a:endParaRPr>
                     </a:p>
                   </a:txBody>
                   <a:tcPr marL="0" marR="0" marT="57785" marB="0">
@@ -3844,7 +3691,7 @@
                     <a:bodyPr/>
                     <a:lstStyle/>
                     <a:p>
-                      <a:pPr marL="50800">
+                      <a:pPr marL="50800" algn="l" rtl="0">
                         <a:lnSpc>
                           <a:spcPct val="100000"/>
                         </a:lnSpc>
@@ -3893,19 +3740,15 @@
                         </a:spcBef>
                       </a:pPr>
                       <a:r>
-                        <a:rPr lang="en-US" sz="900" spc="0" dirty="0">
+                        <a:rPr lang="es-ES" sz="900">
                           <a:solidFill>
                             <a:srgbClr val="020302"/>
                           </a:solidFill>
                           <a:latin typeface="AdobeClean-Light"/>
                           <a:cs typeface="AdobeClean-Light"/>
                         </a:rPr>
-                        <a:t>Live Telephone Support</a:t>
+                        <a:t>Asistencia telefónica en directo</a:t>
                       </a:r>
-                      <a:endParaRPr sz="900" spc="0" dirty="0">
-                        <a:latin typeface="AdobeClean-Light"/>
-                        <a:cs typeface="AdobeClean-Light"/>
-                      </a:endParaRPr>
                     </a:p>
                   </a:txBody>
                   <a:tcPr marL="0" marR="0" marT="57785" marB="0">
@@ -3928,7 +3771,7 @@
                     <a:bodyPr/>
                     <a:lstStyle/>
                     <a:p>
-                      <a:pPr>
+                      <a:pPr algn="l" rtl="0">
                         <a:lnSpc>
                           <a:spcPct val="100000"/>
                         </a:lnSpc>
@@ -3967,7 +3810,7 @@
                         </a:spcBef>
                       </a:pPr>
                       <a:r>
-                        <a:rPr sz="900" spc="0" dirty="0">
+                        <a:rPr lang="es-ES" sz="900">
                           <a:solidFill>
                             <a:srgbClr val="020302"/>
                           </a:solidFill>
@@ -3975,9 +3818,6 @@
                         </a:rPr>
                         <a:t></a:t>
                       </a:r>
-                      <a:endParaRPr sz="900" spc="0" dirty="0">
-                        <a:latin typeface="Wingdings"/>
-                      </a:endParaRPr>
                     </a:p>
                   </a:txBody>
                   <a:tcPr marL="0" marR="0" marT="59054" marB="0"/>
@@ -3996,7 +3836,7 @@
                         </a:spcBef>
                       </a:pPr>
                       <a:r>
-                        <a:rPr lang="en-US" sz="900" spc="0">
+                        <a:rPr lang="es-ES" sz="900">
                           <a:solidFill>
                             <a:srgbClr val="020302"/>
                           </a:solidFill>
@@ -4005,9 +3845,6 @@
                         </a:rPr>
                         <a:t></a:t>
                       </a:r>
-                      <a:endParaRPr sz="900" spc="0" dirty="0">
-                        <a:latin typeface="Wingdings"/>
-                      </a:endParaRPr>
                     </a:p>
                   </a:txBody>
                   <a:tcPr marL="0" marR="0" marT="59054" marB="0">
@@ -4031,7 +3868,7 @@
                     <a:bodyPr/>
                     <a:lstStyle/>
                     <a:p>
-                      <a:pPr marL="50800">
+                      <a:pPr marL="50800" algn="l" rtl="0">
                         <a:lnSpc>
                           <a:spcPct val="100000"/>
                         </a:lnSpc>
@@ -4080,19 +3917,15 @@
                         </a:spcBef>
                       </a:pPr>
                       <a:r>
-                        <a:rPr sz="900" spc="0" dirty="0">
+                        <a:rPr lang="es-ES" sz="900">
                           <a:solidFill>
                             <a:srgbClr val="020302"/>
                           </a:solidFill>
                           <a:latin typeface="AdobeClean-Light"/>
                           <a:cs typeface="AdobeClean-Light"/>
                         </a:rPr>
-                        <a:t>Escalation Management</a:t>
+                        <a:t>Administración de la escalabilidad</a:t>
                       </a:r>
-                      <a:endParaRPr sz="900" spc="0" dirty="0">
-                        <a:latin typeface="AdobeClean-Light"/>
-                        <a:cs typeface="AdobeClean-Light"/>
-                      </a:endParaRPr>
                     </a:p>
                   </a:txBody>
                   <a:tcPr marL="0" marR="0" marT="58419" marB="0">
@@ -4115,7 +3948,7 @@
                     <a:bodyPr/>
                     <a:lstStyle/>
                     <a:p>
-                      <a:pPr>
+                      <a:pPr algn="l" rtl="0">
                         <a:lnSpc>
                           <a:spcPct val="100000"/>
                         </a:lnSpc>
@@ -4154,7 +3987,7 @@
                         </a:spcBef>
                       </a:pPr>
                       <a:r>
-                        <a:rPr sz="900" spc="0" dirty="0">
+                        <a:rPr lang="es-ES" sz="900">
                           <a:solidFill>
                             <a:srgbClr val="020302"/>
                           </a:solidFill>
@@ -4162,9 +3995,6 @@
                         </a:rPr>
                         <a:t></a:t>
                       </a:r>
-                      <a:endParaRPr sz="900" spc="0" dirty="0">
-                        <a:latin typeface="Wingdings"/>
-                      </a:endParaRPr>
                     </a:p>
                   </a:txBody>
                   <a:tcPr marL="0" marR="0" marT="59690" marB="0"/>
@@ -4183,7 +4013,7 @@
                         </a:spcBef>
                       </a:pPr>
                       <a:r>
-                        <a:rPr lang="en-US" sz="900" spc="0">
+                        <a:rPr lang="es-ES" sz="900">
                           <a:solidFill>
                             <a:srgbClr val="020302"/>
                           </a:solidFill>
@@ -4192,9 +4022,6 @@
                         </a:rPr>
                         <a:t></a:t>
                       </a:r>
-                      <a:endParaRPr sz="900" spc="0" dirty="0">
-                        <a:latin typeface="Wingdings"/>
-                      </a:endParaRPr>
                     </a:p>
                   </a:txBody>
                   <a:tcPr marL="0" marR="0" marT="59690" marB="0">
@@ -4218,7 +4045,7 @@
                     <a:bodyPr/>
                     <a:lstStyle/>
                     <a:p>
-                      <a:pPr marL="50800">
+                      <a:pPr marL="50800" algn="l" rtl="0">
                         <a:lnSpc>
                           <a:spcPct val="100000"/>
                         </a:lnSpc>
@@ -4267,19 +4094,15 @@
                         </a:spcBef>
                       </a:pPr>
                       <a:r>
-                        <a:rPr sz="900" spc="0" dirty="0">
+                        <a:rPr lang="es-ES" sz="900">
                           <a:solidFill>
                             <a:srgbClr val="020302"/>
                           </a:solidFill>
                           <a:latin typeface="AdobeClean-Light"/>
                           <a:cs typeface="AdobeClean-Light"/>
                         </a:rPr>
-                        <a:t>Service Reviews  per Year</a:t>
+                        <a:t>Revisiones de servicio al año</a:t>
                       </a:r>
-                      <a:endParaRPr sz="900" spc="0" dirty="0">
-                        <a:latin typeface="AdobeClean-Light"/>
-                        <a:cs typeface="AdobeClean-Light"/>
-                      </a:endParaRPr>
                     </a:p>
                   </a:txBody>
                   <a:tcPr marL="0" marR="0" marT="57150" marB="0">
@@ -4302,7 +4125,7 @@
                     <a:bodyPr/>
                     <a:lstStyle/>
                     <a:p>
-                      <a:pPr>
+                      <a:pPr algn="l" rtl="0">
                         <a:lnSpc>
                           <a:spcPct val="100000"/>
                         </a:lnSpc>
@@ -4341,7 +4164,7 @@
                         </a:spcBef>
                       </a:pPr>
                       <a:r>
-                        <a:rPr sz="900" spc="0" dirty="0">
+                        <a:rPr lang="es-ES" sz="900">
                           <a:solidFill>
                             <a:srgbClr val="020302"/>
                           </a:solidFill>
@@ -4349,9 +4172,6 @@
                         </a:rPr>
                         <a:t>2</a:t>
                       </a:r>
-                      <a:endParaRPr sz="900" spc="0" dirty="0">
-                        <a:latin typeface="AdobeClean-Light"/>
-                      </a:endParaRPr>
                     </a:p>
                   </a:txBody>
                   <a:tcPr marL="0" marR="0" marT="0" marB="0"/>
@@ -4370,7 +4190,7 @@
                         </a:spcBef>
                       </a:pPr>
                       <a:r>
-                        <a:rPr lang="en-US" sz="900" spc="0">
+                        <a:rPr lang="es-ES" sz="900">
                           <a:solidFill>
                             <a:srgbClr val="020302"/>
                           </a:solidFill>
@@ -4379,9 +4199,6 @@
                         </a:rPr>
                         <a:t>4</a:t>
                       </a:r>
-                      <a:endParaRPr sz="900" spc="0" dirty="0">
-                        <a:latin typeface="AdobeClean-Light"/>
-                      </a:endParaRPr>
                     </a:p>
                   </a:txBody>
                   <a:tcPr marL="0" marR="0" marT="57150" marB="0">
@@ -4424,16 +4241,12 @@
                         </a:spcBef>
                       </a:pPr>
                       <a:r>
-                        <a:rPr lang="en-US" sz="900" spc="0" dirty="0">
+                        <a:rPr lang="es-ES" sz="900">
                           <a:latin typeface="AdobeClean-Light"/>
                           <a:cs typeface="AdobeClean-Light"/>
                         </a:rPr>
-                        <a:t>Expert Sessions per Year</a:t>
+                        <a:t>Sesiones con expertos al año</a:t>
                       </a:r>
-                      <a:endParaRPr sz="900" spc="0" dirty="0">
-                        <a:latin typeface="AdobeClean-Light"/>
-                        <a:cs typeface="AdobeClean-Light"/>
-                      </a:endParaRPr>
                     </a:p>
                   </a:txBody>
                   <a:tcPr marL="0" marR="0" marT="57150" marB="0">
@@ -4462,7 +4275,7 @@
                     <a:bodyPr/>
                     <a:lstStyle/>
                     <a:p>
-                      <a:pPr>
+                      <a:pPr algn="l" rtl="0">
                         <a:lnSpc>
                           <a:spcPct val="100000"/>
                         </a:lnSpc>
@@ -4504,14 +4317,11 @@
                         </a:spcBef>
                       </a:pPr>
                       <a:r>
-                        <a:rPr lang="en-US" sz="900" spc="0" dirty="0">
+                        <a:rPr lang="es-ES" sz="900">
                           <a:latin typeface="AdobeClean-Light"/>
                         </a:rPr>
                         <a:t>2</a:t>
                       </a:r>
-                      <a:endParaRPr sz="900" spc="0" dirty="0">
-                        <a:latin typeface="AdobeClean-Light"/>
-                      </a:endParaRPr>
                     </a:p>
                   </a:txBody>
                   <a:tcPr marL="0" marR="0" marT="0" marB="0"/>
@@ -4530,15 +4340,12 @@
                         </a:spcBef>
                       </a:pPr>
                       <a:r>
-                        <a:rPr lang="en-US" sz="900" spc="0">
+                        <a:rPr lang="es-ES" sz="900">
                           <a:latin typeface="AdobeClean-Light"/>
                           <a:cs typeface="AdobeClean-Light"/>
                         </a:rPr>
                         <a:t>4</a:t>
                       </a:r>
-                      <a:endParaRPr sz="900" spc="0" dirty="0">
-                        <a:latin typeface="AdobeClean-Light"/>
-                      </a:endParaRPr>
                     </a:p>
                   </a:txBody>
                   <a:tcPr marL="0" marR="0" marT="57150" marB="0">
@@ -4581,16 +4388,12 @@
                         </a:spcBef>
                       </a:pPr>
                       <a:r>
-                        <a:rPr lang="en-US" sz="900" spc="0" dirty="0">
+                        <a:rPr lang="es-ES" sz="900">
                           <a:latin typeface="AdobeClean-Light"/>
                           <a:cs typeface="AdobeClean-Light"/>
                         </a:rPr>
-                        <a:t>Case Reviews</a:t>
+                        <a:t>Reseñas de casos</a:t>
                       </a:r>
-                      <a:endParaRPr sz="900" spc="0" dirty="0">
-                        <a:latin typeface="AdobeClean-Light"/>
-                        <a:cs typeface="AdobeClean-Light"/>
-                      </a:endParaRPr>
                     </a:p>
                   </a:txBody>
                   <a:tcPr marL="0" marR="0" marT="57150" marB="0">
@@ -4619,7 +4422,7 @@
                     <a:bodyPr/>
                     <a:lstStyle/>
                     <a:p>
-                      <a:pPr>
+                      <a:pPr algn="l" rtl="0">
                         <a:lnSpc>
                           <a:spcPct val="100000"/>
                         </a:lnSpc>
@@ -4670,7 +4473,7 @@
                         <a:defRPr/>
                       </a:pPr>
                       <a:r>
-                        <a:rPr lang="en-US" sz="900" spc="0" dirty="0">
+                        <a:rPr lang="es-ES" sz="900">
                           <a:solidFill>
                             <a:srgbClr val="020302"/>
                           </a:solidFill>
@@ -4678,9 +4481,6 @@
                         </a:rPr>
                         <a:t></a:t>
                       </a:r>
-                      <a:endParaRPr lang="en-US" sz="900" spc="0" dirty="0">
-                        <a:latin typeface="Wingdings"/>
-                      </a:endParaRPr>
                     </a:p>
                   </a:txBody>
                   <a:tcPr marL="0" marR="0" marT="0" marB="0"/>
@@ -4708,7 +4508,7 @@
                         <a:defRPr/>
                       </a:pPr>
                       <a:r>
-                        <a:rPr lang="en-US" sz="900" spc="0">
+                        <a:rPr lang="es-ES" sz="900">
                           <a:solidFill>
                             <a:srgbClr val="020302"/>
                           </a:solidFill>
@@ -4717,9 +4517,6 @@
                         </a:rPr>
                         <a:t></a:t>
                       </a:r>
-                      <a:endParaRPr lang="en-US" sz="900" spc="0" dirty="0">
-                        <a:latin typeface="Wingdings"/>
-                      </a:endParaRPr>
                     </a:p>
                   </a:txBody>
                   <a:tcPr marL="0" marR="0" marT="57150" marB="0">
@@ -4743,7 +4540,7 @@
                     <a:bodyPr/>
                     <a:lstStyle/>
                     <a:p>
-                      <a:pPr marL="48895">
+                      <a:pPr marL="48895" algn="l" rtl="0">
                         <a:lnSpc>
                           <a:spcPct val="100000"/>
                         </a:lnSpc>
@@ -4792,19 +4589,15 @@
                         </a:spcBef>
                       </a:pPr>
                       <a:r>
-                        <a:rPr sz="900" spc="0" dirty="0">
+                        <a:rPr lang="es-ES" sz="900">
                           <a:solidFill>
                             <a:srgbClr val="020302"/>
                           </a:solidFill>
                           <a:latin typeface="AdobeClean-Light"/>
                           <a:cs typeface="AdobeClean-Light"/>
                         </a:rPr>
-                        <a:t>Event Management</a:t>
+                        <a:t>Gestión de eventos</a:t>
                       </a:r>
-                      <a:endParaRPr sz="900" spc="0" dirty="0">
-                        <a:latin typeface="AdobeClean-Light"/>
-                        <a:cs typeface="AdobeClean-Light"/>
-                      </a:endParaRPr>
                     </a:p>
                   </a:txBody>
                   <a:tcPr marL="0" marR="0" marT="58419" marB="0">
@@ -4827,7 +4620,7 @@
                     <a:bodyPr/>
                     <a:lstStyle/>
                     <a:p>
-                      <a:pPr>
+                      <a:pPr algn="l" rtl="0">
                         <a:lnSpc>
                           <a:spcPct val="100000"/>
                         </a:lnSpc>
@@ -4857,7 +4650,7 @@
                     <a:bodyPr/>
                     <a:lstStyle/>
                     <a:p>
-                      <a:pPr>
+                      <a:pPr algn="l" rtl="0">
                         <a:lnSpc>
                           <a:spcPct val="100000"/>
                         </a:lnSpc>
@@ -4881,7 +4674,7 @@
                         </a:lnSpc>
                       </a:pPr>
                       <a:r>
-                        <a:rPr lang="en-US" sz="900" spc="0">
+                        <a:rPr lang="es-ES" sz="900">
                           <a:solidFill>
                             <a:srgbClr val="020302"/>
                           </a:solidFill>
@@ -4890,10 +4683,6 @@
                         </a:rPr>
                         <a:t></a:t>
                       </a:r>
-                      <a:endParaRPr sz="900" spc="0" dirty="0">
-                        <a:latin typeface="Times New Roman"/>
-                        <a:cs typeface="Times New Roman"/>
-                      </a:endParaRPr>
                     </a:p>
                   </a:txBody>
                   <a:tcPr marL="0" marR="0" marT="59055" marB="0">
@@ -4917,7 +4706,7 @@
                     <a:bodyPr/>
                     <a:lstStyle/>
                     <a:p>
-                      <a:pPr marL="48895">
+                      <a:pPr marL="48895" algn="l" rtl="0">
                         <a:lnSpc>
                           <a:spcPct val="100000"/>
                         </a:lnSpc>
@@ -4975,34 +4764,14 @@
                         </a:spcBef>
                       </a:pPr>
                       <a:r>
-                        <a:rPr sz="900" spc="0" dirty="0">
+                        <a:rPr lang="es-ES" sz="900" dirty="0">
                           <a:solidFill>
                             <a:srgbClr val="020302"/>
                           </a:solidFill>
                           <a:latin typeface="AdobeClean-Light"/>
                           <a:cs typeface="AdobeClean-Light"/>
                         </a:rPr>
-                        <a:t>Environment</a:t>
-                      </a:r>
-                      <a:r>
-                        <a:rPr lang="en-US" sz="900" spc="0" dirty="0">
-                          <a:solidFill>
-                            <a:srgbClr val="020302"/>
-                          </a:solidFill>
-                          <a:latin typeface="AdobeClean-Light"/>
-                          <a:cs typeface="AdobeClean-Light"/>
-                        </a:rPr>
-                        <a:t> </a:t>
-                      </a:r>
-                      <a:r>
-                        <a:rPr sz="900" spc="0" dirty="0">
-                          <a:solidFill>
-                            <a:srgbClr val="020302"/>
-                          </a:solidFill>
-                          <a:latin typeface="AdobeClean-Light"/>
-                          <a:cs typeface="AdobeClean-Light"/>
-                        </a:rPr>
-                        <a:t>Review, Maintenance &amp; Monitoring</a:t>
+                        <a:t>Revisión, mantenimiento y monitorización del entorno</a:t>
                       </a:r>
                     </a:p>
                   </a:txBody>
@@ -5032,7 +4801,7 @@
                     <a:bodyPr/>
                     <a:lstStyle/>
                     <a:p>
-                      <a:pPr>
+                      <a:pPr algn="l" rtl="0">
                         <a:lnSpc>
                           <a:spcPct val="100000"/>
                         </a:lnSpc>
@@ -5065,7 +4834,7 @@
                     <a:bodyPr/>
                     <a:lstStyle/>
                     <a:p>
-                      <a:pPr>
+                      <a:pPr algn="l" rtl="0">
                         <a:lnSpc>
                           <a:spcPct val="100000"/>
                         </a:lnSpc>
@@ -5089,7 +4858,7 @@
                         </a:lnSpc>
                       </a:pPr>
                       <a:r>
-                        <a:rPr lang="en-US" sz="900" spc="0">
+                        <a:rPr lang="es-ES" sz="900">
                           <a:solidFill>
                             <a:srgbClr val="020302"/>
                           </a:solidFill>
@@ -5098,10 +4867,6 @@
                         </a:rPr>
                         <a:t></a:t>
                       </a:r>
-                      <a:endParaRPr sz="900" spc="0" dirty="0">
-                        <a:latin typeface="Times New Roman"/>
-                        <a:cs typeface="Times New Roman"/>
-                      </a:endParaRPr>
                     </a:p>
                   </a:txBody>
                   <a:tcPr marL="0" marR="0" marT="60325" marB="0">
@@ -5125,7 +4890,7 @@
                     <a:bodyPr/>
                     <a:lstStyle/>
                     <a:p>
-                      <a:pPr marL="49530">
+                      <a:pPr marL="49530" algn="l" rtl="0">
                         <a:lnSpc>
                           <a:spcPct val="100000"/>
                         </a:lnSpc>
@@ -5174,19 +4939,15 @@
                         </a:spcBef>
                       </a:pPr>
                       <a:r>
-                        <a:rPr sz="900" spc="0" dirty="0">
+                        <a:rPr lang="es-ES" sz="900">
                           <a:solidFill>
                             <a:srgbClr val="020302"/>
                           </a:solidFill>
                           <a:latin typeface="AdobeClean-Light"/>
                           <a:cs typeface="AdobeClean-Light"/>
                         </a:rPr>
-                        <a:t>Release, Migration, Upgrade &amp; Product Roadmap Review</a:t>
+                        <a:t>Lanzamiento, migración, actualización y revisión de la hoja de ruta del producto</a:t>
                       </a:r>
-                      <a:endParaRPr sz="900" spc="0" dirty="0">
-                        <a:latin typeface="AdobeClean-Light"/>
-                        <a:cs typeface="AdobeClean-Light"/>
-                      </a:endParaRPr>
                     </a:p>
                   </a:txBody>
                   <a:tcPr marL="0" marR="0" marT="63500" marB="0">
@@ -5209,7 +4970,7 @@
                     <a:bodyPr/>
                     <a:lstStyle/>
                     <a:p>
-                      <a:pPr>
+                      <a:pPr algn="l" rtl="0">
                         <a:lnSpc>
                           <a:spcPct val="100000"/>
                         </a:lnSpc>
@@ -5239,7 +5000,7 @@
                     <a:bodyPr/>
                     <a:lstStyle/>
                     <a:p>
-                      <a:pPr>
+                      <a:pPr algn="l" rtl="0">
                         <a:lnSpc>
                           <a:spcPct val="100000"/>
                         </a:lnSpc>
@@ -5263,7 +5024,7 @@
                         </a:lnSpc>
                       </a:pPr>
                       <a:r>
-                        <a:rPr lang="en-US" sz="900" spc="0">
+                        <a:rPr lang="es-ES" sz="900">
                           <a:solidFill>
                             <a:srgbClr val="020302"/>
                           </a:solidFill>
@@ -5272,10 +5033,6 @@
                         </a:rPr>
                         <a:t></a:t>
                       </a:r>
-                      <a:endParaRPr sz="900" spc="0" dirty="0">
-                        <a:latin typeface="Times New Roman"/>
-                        <a:cs typeface="Times New Roman"/>
-                      </a:endParaRPr>
                     </a:p>
                   </a:txBody>
                   <a:tcPr marL="0" marR="0" marT="64135" marB="0">
@@ -5299,7 +5056,7 @@
                     <a:bodyPr/>
                     <a:lstStyle/>
                     <a:p>
-                      <a:pPr marL="49530">
+                      <a:pPr marL="49530" algn="l" rtl="0">
                         <a:lnSpc>
                           <a:spcPct val="100000"/>
                         </a:lnSpc>
@@ -5357,11 +5114,25 @@
                         </a:spcBef>
                       </a:pPr>
                       <a:r>
-                        <a:rPr sz="900" spc="0" dirty="0">
+                        <a:rPr lang="es-ES" sz="900" spc="-30" baseline="0" dirty="0">
                           <a:latin typeface="AdobeClean-Light"/>
                           <a:cs typeface="AdobeClean-Light"/>
                         </a:rPr>
-                        <a:t>Cloud Support Activities – Experience Manager as Cloud</a:t>
+                        <a:t>Actividades de asistencia en la nube: </a:t>
+                      </a:r>
+                      <a:r>
+                        <a:rPr lang="es-ES" sz="900" spc="-30" baseline="0" dirty="0" err="1">
+                          <a:latin typeface="AdobeClean-Light"/>
+                          <a:cs typeface="AdobeClean-Light"/>
+                        </a:rPr>
+                        <a:t>Experience</a:t>
+                      </a:r>
+                      <a:r>
+                        <a:rPr lang="es-ES" sz="900" spc="-30" baseline="0" dirty="0">
+                          <a:latin typeface="AdobeClean-Light"/>
+                          <a:cs typeface="AdobeClean-Light"/>
+                        </a:rPr>
+                        <a:t> Manager as Cloud</a:t>
                       </a:r>
                     </a:p>
                   </a:txBody>
@@ -5391,7 +5162,7 @@
                     <a:bodyPr/>
                     <a:lstStyle/>
                     <a:p>
-                      <a:pPr>
+                      <a:pPr algn="l" rtl="0">
                         <a:lnSpc>
                           <a:spcPct val="100000"/>
                         </a:lnSpc>
@@ -5436,7 +5207,7 @@
                         </a:spcBef>
                       </a:pPr>
                       <a:r>
-                        <a:rPr sz="900" spc="0" dirty="0">
+                        <a:rPr lang="es-ES" sz="900">
                           <a:solidFill>
                             <a:srgbClr val="020302"/>
                           </a:solidFill>
@@ -5444,9 +5215,6 @@
                         </a:rPr>
                         <a:t></a:t>
                       </a:r>
-                      <a:endParaRPr sz="900" spc="0" dirty="0">
-                        <a:latin typeface="Wingdings"/>
-                      </a:endParaRPr>
                     </a:p>
                   </a:txBody>
                   <a:tcPr marL="0" marR="0" marT="0" marB="0">
@@ -5472,7 +5240,7 @@
                         </a:spcBef>
                       </a:pPr>
                       <a:r>
-                        <a:rPr lang="en-US" sz="900" spc="0">
+                        <a:rPr lang="es-ES" sz="900">
                           <a:solidFill>
                             <a:srgbClr val="020302"/>
                           </a:solidFill>
@@ -5481,9 +5249,6 @@
                         </a:rPr>
                         <a:t></a:t>
                       </a:r>
-                      <a:endParaRPr sz="900" spc="0" dirty="0">
-                        <a:latin typeface="Wingdings"/>
-                      </a:endParaRPr>
                     </a:p>
                   </a:txBody>
                   <a:tcPr marL="0" marR="0" marT="62230" marB="0">
@@ -5525,22 +5290,15 @@
                         </a:spcBef>
                       </a:pPr>
                       <a:r>
-                        <a:rPr lang="en-US" sz="1000" b="1" i="0" spc="0" dirty="0">
+                        <a:rPr lang="es-ES" sz="1000" b="1" i="0">
                           <a:solidFill>
                             <a:schemeClr val="bg1"/>
                           </a:solidFill>
                           <a:latin typeface="Adobe Clean" panose="020B0503020404020204" pitchFamily="34" charset="0"/>
                           <a:cs typeface="AdobeClean-Light"/>
                         </a:rPr>
-                        <a:t>Field Services</a:t>
+                        <a:t>Servicios de campo</a:t>
                       </a:r>
-                      <a:endParaRPr sz="1000" b="1" i="0" spc="0" dirty="0">
-                        <a:solidFill>
-                          <a:schemeClr val="bg1"/>
-                        </a:solidFill>
-                        <a:latin typeface="Adobe Clean" panose="020B0503020404020204" pitchFamily="34" charset="0"/>
-                        <a:cs typeface="AdobeClean-Light"/>
-                      </a:endParaRPr>
                     </a:p>
                   </a:txBody>
                   <a:tcPr marL="0" marR="0" marT="48260" marB="0" anchor="ctr">
@@ -5593,39 +5351,55 @@
                         </a:spcBef>
                       </a:pPr>
                       <a:r>
-                        <a:rPr sz="900" spc="0" dirty="0">
+                        <a:rPr lang="es-ES" sz="900" dirty="0">
                           <a:solidFill>
                             <a:srgbClr val="020302"/>
                           </a:solidFill>
                           <a:latin typeface="AdobeClean-Light"/>
                           <a:cs typeface="AdobeClean-Light"/>
                         </a:rPr>
-                        <a:t>Launch Advisory Services – First Year of </a:t>
+                        <a:t>Servicios de </a:t>
                       </a:r>
                       <a:r>
-                        <a:rPr lang="en-US" sz="900" spc="0" dirty="0">
+                        <a:rPr lang="es-ES" sz="900" dirty="0" err="1">
                           <a:solidFill>
                             <a:srgbClr val="020302"/>
                           </a:solidFill>
                           <a:latin typeface="AdobeClean-Light"/>
                           <a:cs typeface="AdobeClean-Light"/>
                         </a:rPr>
-                        <a:t>a </a:t>
+                        <a:t>Launch</a:t>
                       </a:r>
                       <a:r>
-                        <a:rPr sz="900" spc="0" dirty="0">
+                        <a:rPr lang="es-ES" sz="900" dirty="0">
                           <a:solidFill>
                             <a:srgbClr val="020302"/>
                           </a:solidFill>
                           <a:latin typeface="AdobeClean-Light"/>
                           <a:cs typeface="AdobeClean-Light"/>
                         </a:rPr>
-                        <a:t>new solution</a:t>
+                        <a:t> </a:t>
                       </a:r>
-                      <a:endParaRPr sz="900" spc="0" dirty="0">
-                        <a:latin typeface="AdobeClean-Light"/>
-                        <a:cs typeface="AdobeClean-Light"/>
-                      </a:endParaRPr>
+                      <a:r>
+                        <a:rPr lang="es-ES" sz="900" dirty="0" err="1">
+                          <a:solidFill>
+                            <a:srgbClr val="020302"/>
+                          </a:solidFill>
+                          <a:latin typeface="AdobeClean-Light"/>
+                          <a:cs typeface="AdobeClean-Light"/>
+                        </a:rPr>
+                        <a:t>Advisory</a:t>
+                      </a:r>
+                      <a:r>
+                        <a:rPr lang="es-ES" sz="900" dirty="0">
+                          <a:solidFill>
+                            <a:srgbClr val="020302"/>
+                          </a:solidFill>
+                          <a:latin typeface="AdobeClean-Light"/>
+                          <a:cs typeface="AdobeClean-Light"/>
+                        </a:rPr>
+                        <a:t>: primer año de la nueva solución</a:t>
+                      </a:r>
                     </a:p>
                     <a:p>
                       <a:pPr marL="48260">
@@ -5637,11 +5411,11 @@
                         </a:spcBef>
                       </a:pPr>
                       <a:r>
-                        <a:rPr sz="900" spc="0" dirty="0">
+                        <a:rPr lang="es-ES" sz="900" dirty="0">
                           <a:latin typeface="AdobeClean-Light"/>
                           <a:cs typeface="AdobeClean-Light"/>
                         </a:rPr>
-                        <a:t>Field Service Activities</a:t>
+                        <a:t>Actividades del servicio de campo</a:t>
                       </a:r>
                     </a:p>
                   </a:txBody>
@@ -5677,7 +5451,7 @@
                     <a:bodyPr/>
                     <a:lstStyle/>
                     <a:p>
-                      <a:pPr>
+                      <a:pPr algn="l" rtl="0">
                         <a:lnSpc>
                           <a:spcPct val="100000"/>
                         </a:lnSpc>
@@ -5722,7 +5496,7 @@
                         </a:spcBef>
                       </a:pPr>
                       <a:r>
-                        <a:rPr sz="900" spc="0" dirty="0">
+                        <a:rPr lang="es-ES" sz="900">
                           <a:solidFill>
                             <a:srgbClr val="020302"/>
                           </a:solidFill>
@@ -5730,9 +5504,6 @@
                         </a:rPr>
                         <a:t></a:t>
                       </a:r>
-                      <a:endParaRPr sz="900" spc="0" dirty="0">
-                        <a:latin typeface="Wingdings"/>
-                      </a:endParaRPr>
                     </a:p>
                   </a:txBody>
                   <a:tcPr marL="0" marR="0" marT="0" marB="0">
@@ -5758,7 +5529,7 @@
                         </a:spcBef>
                       </a:pPr>
                       <a:r>
-                        <a:rPr lang="en-US" sz="900" spc="0">
+                        <a:rPr lang="es-ES" sz="900">
                           <a:solidFill>
                             <a:srgbClr val="020302"/>
                           </a:solidFill>
@@ -5767,9 +5538,6 @@
                         </a:rPr>
                         <a:t></a:t>
                       </a:r>
-                      <a:endParaRPr sz="900" spc="0" dirty="0">
-                        <a:latin typeface="Wingdings"/>
-                      </a:endParaRPr>
                     </a:p>
                   </a:txBody>
                   <a:tcPr marL="0" marR="0" marT="56515" marB="0">
@@ -5847,7 +5615,7 @@
                     <a:bodyPr/>
                     <a:lstStyle/>
                     <a:p>
-                      <a:pPr>
+                      <a:pPr algn="l" rtl="0">
                         <a:lnSpc>
                           <a:spcPct val="100000"/>
                         </a:lnSpc>
@@ -5892,7 +5660,7 @@
                         </a:spcBef>
                       </a:pPr>
                       <a:r>
-                        <a:rPr sz="900" spc="0" dirty="0">
+                        <a:rPr lang="es-ES" sz="900">
                           <a:solidFill>
                             <a:srgbClr val="020302"/>
                           </a:solidFill>
@@ -5900,9 +5668,6 @@
                         </a:rPr>
                         <a:t>2</a:t>
                       </a:r>
-                      <a:endParaRPr sz="900" spc="0" dirty="0">
-                        <a:latin typeface="AdobeClean-Light"/>
-                      </a:endParaRPr>
                     </a:p>
                   </a:txBody>
                   <a:tcPr marL="0" marR="0" marT="0" marB="0">
@@ -5928,7 +5693,7 @@
                         </a:spcBef>
                       </a:pPr>
                       <a:r>
-                        <a:rPr lang="en-US" sz="900" spc="0" dirty="0">
+                        <a:rPr lang="es-ES" sz="900" dirty="0">
                           <a:solidFill>
                             <a:srgbClr val="020302"/>
                           </a:solidFill>
@@ -5937,9 +5702,6 @@
                         </a:rPr>
                         <a:t>4</a:t>
                       </a:r>
-                      <a:endParaRPr sz="900" spc="0" dirty="0">
-                        <a:latin typeface="AdobeClean-Light"/>
-                      </a:endParaRPr>
                     </a:p>
                   </a:txBody>
                   <a:tcPr marL="0" marR="0" marT="50800" marB="0">
@@ -5979,8 +5741,8 @@
         </p:nvSpPr>
         <p:spPr>
           <a:xfrm>
-            <a:off x="5307201" y="9862966"/>
-            <a:ext cx="2270125" cy="132729"/>
+            <a:off x="5307200" y="9862966"/>
+            <a:ext cx="2377440" cy="132729"/>
           </a:xfrm>
           <a:prstGeom prst="rect">
             <a:avLst/>
@@ -6001,24 +5763,40 @@
               </a:spcBef>
             </a:pPr>
             <a:r>
-              <a:rPr spc="-5" dirty="0"/>
-              <a:t>©202</a:t>
+              <a:rPr lang="es-ES" dirty="0"/>
+              <a:t>©2021 Adobe. </a:t>
             </a:r>
             <a:r>
-              <a:rPr lang="en-US" spc="-5" dirty="0"/>
-              <a:t>1</a:t>
+              <a:rPr lang="es-ES" dirty="0" err="1"/>
+              <a:t>All</a:t>
             </a:r>
             <a:r>
-              <a:rPr spc="-5" dirty="0"/>
-              <a:t> Adobe. All Rights Reserved. Adobe</a:t>
-            </a:r>
-            <a:r>
-              <a:rPr spc="60" dirty="0"/>
+              <a:rPr lang="es-ES" dirty="0"/>
               <a:t> </a:t>
             </a:r>
             <a:r>
-              <a:rPr spc="-5" dirty="0"/>
-              <a:t>Confidential.</a:t>
+              <a:rPr lang="es-ES" dirty="0" err="1"/>
+              <a:t>Rights</a:t>
+            </a:r>
+            <a:r>
+              <a:rPr lang="es-ES" dirty="0"/>
+              <a:t> </a:t>
+            </a:r>
+            <a:r>
+              <a:rPr lang="es-ES" dirty="0" err="1"/>
+              <a:t>Reserved</a:t>
+            </a:r>
+            <a:r>
+              <a:rPr lang="es-ES" dirty="0"/>
+              <a:t>. Adobe </a:t>
+            </a:r>
+            <a:r>
+              <a:rPr lang="es-ES" dirty="0" err="1"/>
+              <a:t>Confidential</a:t>
+            </a:r>
+            <a:r>
+              <a:rPr lang="es-ES" dirty="0"/>
+              <a:t>.</a:t>
             </a:r>
           </a:p>
         </p:txBody>
@@ -6032,14 +5810,14 @@
           <p:nvPr>
             <p:extLst>
               <p:ext uri="{D42A27DB-BD31-4B8C-83A1-F6EECF244321}">
-                <p14:modId xmlns:p14="http://schemas.microsoft.com/office/powerpoint/2010/main" val="3124525812"/>
+                <p14:modId xmlns:p14="http://schemas.microsoft.com/office/powerpoint/2010/main" val="2378521807"/>
               </p:ext>
             </p:extLst>
           </p:nvPr>
         </p:nvGraphicFramePr>
         <p:xfrm>
           <a:off x="33527" y="7483227"/>
-          <a:ext cx="7671815" cy="2172787"/>
+          <a:ext cx="7671815" cy="2256991"/>
         </p:xfrm>
         <a:graphic>
           <a:graphicData uri="http://schemas.openxmlformats.org/drawingml/2006/table">
@@ -6092,19 +5870,15 @@
                         </a:spcBef>
                       </a:pPr>
                       <a:r>
-                        <a:rPr sz="900" spc="0" dirty="0">
+                        <a:rPr lang="es-ES" sz="900">
                           <a:solidFill>
                             <a:srgbClr val="020302"/>
                           </a:solidFill>
                           <a:latin typeface="Adobe Clean"/>
                           <a:cs typeface="Adobe Clean"/>
                         </a:rPr>
-                        <a:t>Priority</a:t>
+                        <a:t>Prioridad</a:t>
                       </a:r>
-                      <a:endParaRPr sz="900" spc="0" dirty="0">
-                        <a:latin typeface="Adobe Clean"/>
-                        <a:cs typeface="Adobe Clean"/>
-                      </a:endParaRPr>
                     </a:p>
                   </a:txBody>
                   <a:tcPr marL="0" marR="0" marT="7620" marB="0" anchor="ctr">
@@ -6151,29 +5925,15 @@
                         </a:spcBef>
                       </a:pPr>
                       <a:r>
-                        <a:rPr lang="en-US" sz="900" spc="0" dirty="0">
+                        <a:rPr lang="es-ES" sz="900">
                           <a:solidFill>
                             <a:srgbClr val="020302"/>
                           </a:solidFill>
                           <a:latin typeface="Adobe Clean"/>
                           <a:cs typeface="Adobe Clean"/>
                         </a:rPr>
-                        <a:t>Standard  </a:t>
+                        <a:t>Soporte Standard</a:t>
                       </a:r>
-                      <a:r>
-                        <a:rPr sz="900" spc="0" dirty="0">
-                          <a:solidFill>
-                            <a:srgbClr val="020302"/>
-                          </a:solidFill>
-                          <a:latin typeface="Adobe Clean"/>
-                          <a:cs typeface="Adobe Clean"/>
-                        </a:rPr>
-                        <a:t>Support</a:t>
-                      </a:r>
-                      <a:endParaRPr sz="900" spc="0" dirty="0">
-                        <a:latin typeface="Adobe Clean"/>
-                        <a:cs typeface="Adobe Clean"/>
-                      </a:endParaRPr>
                     </a:p>
                   </a:txBody>
                   <a:tcPr marL="0" marR="0" marT="0" marB="0" anchor="ctr">
@@ -6223,39 +5983,15 @@
                         </a:spcBef>
                       </a:pPr>
                       <a:r>
-                        <a:rPr sz="900" spc="0" dirty="0">
+                        <a:rPr lang="es-ES" sz="900">
                           <a:solidFill>
                             <a:srgbClr val="FFFFFF"/>
                           </a:solidFill>
                           <a:latin typeface="Adobe Clean"/>
                           <a:cs typeface="Adobe Clean"/>
                         </a:rPr>
-                        <a:t>Enterprise </a:t>
+                        <a:t>Soporte Enterprise</a:t>
                       </a:r>
-                      <a:r>
-                        <a:rPr lang="en-US" sz="900" spc="0" dirty="0">
-                          <a:solidFill>
-                            <a:srgbClr val="FFFFFF"/>
-                          </a:solidFill>
-                          <a:latin typeface="Adobe Clean"/>
-                          <a:cs typeface="Adobe Clean"/>
-                        </a:rPr>
-                        <a:t> </a:t>
-                      </a:r>
-                      <a:r>
-                        <a:rPr sz="900" spc="0" dirty="0">
-                          <a:solidFill>
-                            <a:srgbClr val="FFFFFF"/>
-                          </a:solidFill>
-                          <a:latin typeface="Adobe Clean"/>
-                          <a:cs typeface="Adobe Clean"/>
-                        </a:rPr>
-                        <a:t>Support</a:t>
-                      </a:r>
-                      <a:endParaRPr sz="900" spc="0" dirty="0">
-                        <a:latin typeface="Adobe Clean"/>
-                        <a:cs typeface="Adobe Clean"/>
-                      </a:endParaRPr>
                     </a:p>
                   </a:txBody>
                   <a:tcPr marL="0" marR="0" marT="0" marB="0" anchor="ctr">
@@ -6308,39 +6044,15 @@
                         </a:spcBef>
                       </a:pPr>
                       <a:r>
-                        <a:rPr sz="900" spc="0" dirty="0">
+                        <a:rPr lang="es-ES" sz="900">
                           <a:solidFill>
                             <a:srgbClr val="FFFFFF"/>
                           </a:solidFill>
                           <a:latin typeface="Adobe Clean"/>
                           <a:cs typeface="Adobe Clean"/>
                         </a:rPr>
-                        <a:t>Elite</a:t>
+                        <a:t>Soporte Elite</a:t>
                       </a:r>
-                      <a:r>
-                        <a:rPr lang="en-US" sz="900" spc="0" dirty="0">
-                          <a:solidFill>
-                            <a:srgbClr val="FFFFFF"/>
-                          </a:solidFill>
-                          <a:latin typeface="Adobe Clean"/>
-                          <a:cs typeface="Adobe Clean"/>
-                        </a:rPr>
-                        <a:t> </a:t>
-                      </a:r>
-                      <a:r>
-                        <a:rPr sz="900" spc="0" dirty="0">
-                          <a:solidFill>
-                            <a:srgbClr val="FFFFFF"/>
-                          </a:solidFill>
-                          <a:latin typeface="Adobe Clean"/>
-                          <a:cs typeface="Adobe Clean"/>
-                        </a:rPr>
-                        <a:t>Support</a:t>
-                      </a:r>
-                      <a:endParaRPr sz="900" spc="0" dirty="0">
-                        <a:latin typeface="Adobe Clean"/>
-                        <a:cs typeface="Adobe Clean"/>
-                      </a:endParaRPr>
                     </a:p>
                   </a:txBody>
                   <a:tcPr marL="0" marR="0" marT="0" marB="0" anchor="ctr">
@@ -6397,19 +6109,15 @@
                         </a:spcBef>
                       </a:pPr>
                       <a:r>
-                        <a:rPr sz="900" b="1" spc="0" dirty="0">
+                        <a:rPr lang="es-ES" sz="900" b="1" dirty="0">
                           <a:solidFill>
                             <a:srgbClr val="020302"/>
                           </a:solidFill>
                           <a:latin typeface="Adobe Clean"/>
                           <a:cs typeface="Adobe Clean"/>
                         </a:rPr>
-                        <a:t>PRIORITY 1</a:t>
+                        <a:t>PRIORIDAD 1</a:t>
                       </a:r>
-                      <a:endParaRPr sz="900" spc="0" dirty="0">
-                        <a:latin typeface="Adobe Clean"/>
-                        <a:cs typeface="Adobe Clean"/>
-                      </a:endParaRPr>
                     </a:p>
                     <a:p>
                       <a:pPr marL="50800" marR="387985">
@@ -6421,19 +6129,14 @@
                         </a:spcBef>
                       </a:pPr>
                       <a:r>
-                        <a:rPr lang="en-US" sz="900" b="0" i="0" spc="0" dirty="0">
+                        <a:rPr lang="es-ES" sz="850" b="0" i="0" dirty="0">
                           <a:solidFill>
                             <a:srgbClr val="000000"/>
                           </a:solidFill>
-                          <a:effectLst/>
                           <a:latin typeface="Adobe Clean Light" panose="020B0303020404020204" pitchFamily="34" charset="0"/>
                         </a:rPr>
-                        <a:t>Customer's production business functions are down or have significant data loss or service degradation and immediate attention is required to restore functionality and usability. </a:t>
+                        <a:t>Las funciones empresariales de producción del cliente no están activadas o pierden datos o presentan una degradación del servicio significativa, por lo que se requiere atención inmediata para restaurar la funcionalidad y facilidad de uso. </a:t>
                       </a:r>
-                      <a:endParaRPr sz="900" spc="0" dirty="0">
-                        <a:latin typeface="AdobeClean-Light"/>
-                        <a:cs typeface="AdobeClean-Light"/>
-                      </a:endParaRPr>
                     </a:p>
                   </a:txBody>
                   <a:tcPr marL="0" marR="0" marT="0" marB="0" anchor="ctr">
@@ -6473,14 +6176,13 @@
                     <a:p>
                       <a:pPr algn="ctr" fontAlgn="t"/>
                       <a:r>
-                        <a:rPr lang="en-US" sz="900" b="0" i="0" u="none" strike="noStrike" dirty="0">
+                        <a:rPr lang="es-ES" sz="900" b="0" i="0" u="none" strike="noStrike" dirty="0">
                           <a:solidFill>
                             <a:srgbClr val="020302"/>
                           </a:solidFill>
-                          <a:effectLst/>
                           <a:latin typeface="AdobeClean-Light"/>
                         </a:rPr>
-                        <a:t>24x7 / 1 hour</a:t>
+                        <a:t>24x7 / 1 hora</a:t>
                       </a:r>
                     </a:p>
                   </a:txBody>
@@ -6518,14 +6220,13 @@
                     <a:p>
                       <a:pPr algn="ctr" fontAlgn="t"/>
                       <a:r>
-                        <a:rPr lang="en-US" sz="900" b="0" i="0" u="none" strike="noStrike" dirty="0">
+                        <a:rPr lang="es-ES" sz="900" b="0" i="0" u="none" strike="noStrike">
                           <a:solidFill>
                             <a:srgbClr val="020302"/>
                           </a:solidFill>
-                          <a:effectLst/>
                           <a:latin typeface="AdobeClean-Light"/>
                         </a:rPr>
-                        <a:t>24x7 / 30 minutes</a:t>
+                        <a:t>24x7 / 30 minutos</a:t>
                       </a:r>
                     </a:p>
                   </a:txBody>
@@ -6572,14 +6273,13 @@
                     <a:p>
                       <a:pPr algn="ctr" fontAlgn="t"/>
                       <a:r>
-                        <a:rPr lang="en-US" sz="900" b="0" i="0" u="none" strike="noStrike" dirty="0">
+                        <a:rPr lang="es-ES" sz="900" b="0" i="0" u="none" strike="noStrike">
                           <a:solidFill>
                             <a:srgbClr val="020302"/>
                           </a:solidFill>
-                          <a:effectLst/>
                           <a:latin typeface="AdobeClean-Light"/>
                         </a:rPr>
-                        <a:t>24x7 / 15 minutes</a:t>
+                        <a:t>24x7 / 15 minutos</a:t>
                       </a:r>
                     </a:p>
                   </a:txBody>
@@ -6631,19 +6331,15 @@
                         </a:spcBef>
                       </a:pPr>
                       <a:r>
-                        <a:rPr sz="900" b="1" spc="0" dirty="0">
+                        <a:rPr lang="es-ES" sz="900" b="1" dirty="0">
                           <a:solidFill>
                             <a:srgbClr val="020302"/>
                           </a:solidFill>
                           <a:latin typeface="Adobe Clean"/>
                           <a:cs typeface="Adobe Clean"/>
                         </a:rPr>
-                        <a:t>PRIORITY 2</a:t>
+                        <a:t>PRIORIDAD 2</a:t>
                       </a:r>
-                      <a:endParaRPr sz="900" spc="0" dirty="0">
-                        <a:latin typeface="Adobe Clean"/>
-                        <a:cs typeface="Adobe Clean"/>
-                      </a:endParaRPr>
                     </a:p>
                     <a:p>
                       <a:pPr marL="50165" marR="203200" indent="0" defTabSz="914400" eaLnBrk="1" fontAlgn="auto" latinLnBrk="0" hangingPunct="1">
@@ -6664,19 +6360,14 @@
                         <a:defRPr/>
                       </a:pPr>
                       <a:r>
-                        <a:rPr lang="en-US" sz="900" b="0" i="0" spc="0" dirty="0">
+                        <a:rPr lang="es-ES" sz="850" b="0" i="0" dirty="0">
                           <a:solidFill>
                             <a:srgbClr val="000000"/>
                           </a:solidFill>
-                          <a:effectLst/>
                           <a:latin typeface="Adobe Clean Light" panose="020B0303020404020204" pitchFamily="34" charset="0"/>
                         </a:rPr>
-                        <a:t>Customer's business functions have major service degradation or potential data loss, or a major feature is impacted </a:t>
+                        <a:t>Las funciones empresariales del cliente presentan una importante degradación del servicio o hay una posible pérdida de datos, o una función clave se está viendo afectada. </a:t>
                       </a:r>
-                      <a:endParaRPr sz="900" b="0" i="0" spc="0" dirty="0">
-                        <a:latin typeface="Adobe Clean Light" panose="020B0303020404020204" pitchFamily="34" charset="0"/>
-                        <a:cs typeface="AdobeClean-Light"/>
-                      </a:endParaRPr>
                     </a:p>
                   </a:txBody>
                   <a:tcPr marL="0" marR="0" marT="0" marB="0" anchor="ctr">
@@ -6716,113 +6407,127 @@
                     <a:p>
                       <a:pPr algn="ctr" fontAlgn="t"/>
                       <a:r>
-                        <a:rPr lang="en-US" sz="900" b="0" i="0" u="none" strike="noStrike" dirty="0">
+                        <a:rPr lang="es-ES" sz="900" b="0" i="0" u="none" strike="noStrike" dirty="0">
                           <a:solidFill>
                             <a:srgbClr val="020302"/>
                           </a:solidFill>
-                          <a:effectLst/>
                           <a:latin typeface="AdobeClean-Light"/>
                         </a:rPr>
-                        <a:t>Business hours / 4 hours</a:t>
+                        <a:t>Horario de trabajo / </a:t>
                       </a:r>
-                    </a:p>
-                  </a:txBody>
-                  <a:tcPr marL="9525" marR="9525" marT="9525" marB="0" anchor="ctr">
-                    <a:lnL w="3175">
-                      <a:solidFill>
-                        <a:srgbClr val="B7B8B8"/>
-                      </a:solidFill>
-                      <a:prstDash val="solid"/>
-                    </a:lnL>
-                    <a:lnR w="3175">
-                      <a:solidFill>
-                        <a:srgbClr val="B7B8B8"/>
-                      </a:solidFill>
-                      <a:prstDash val="solid"/>
-                    </a:lnR>
-                    <a:lnT w="3175">
-                      <a:solidFill>
-                        <a:srgbClr val="B7B8B8"/>
-                      </a:solidFill>
-                      <a:prstDash val="solid"/>
-                    </a:lnT>
-                    <a:lnB w="3175">
-                      <a:solidFill>
-                        <a:srgbClr val="B7B8B8"/>
-                      </a:solidFill>
-                      <a:prstDash val="solid"/>
-                    </a:lnB>
-                  </a:tcPr>
-                </a:tc>
-                <a:tc>
-                  <a:txBody>
-                    <a:bodyPr/>
-                    <a:lstStyle/>
-                    <a:p>
-                      <a:pPr algn="ctr" fontAlgn="t"/>
-                      <a:r>
-                        <a:rPr lang="en-US" sz="900" b="0" i="0" u="none" strike="noStrike" dirty="0">
+                      <a:br>
+                        <a:rPr lang="es-ES" sz="900" b="0" i="0" u="none" strike="noStrike" dirty="0">
                           <a:solidFill>
                             <a:srgbClr val="020302"/>
                           </a:solidFill>
-                          <a:effectLst/>
                           <a:latin typeface="AdobeClean-Light"/>
                         </a:rPr>
-                        <a:t>24x5 / 1 hour</a:t>
-                      </a:r>
-                    </a:p>
-                  </a:txBody>
-                  <a:tcPr marL="9525" marR="9525" marT="9525" marB="0" anchor="ctr">
-                    <a:lnL w="3175" cap="flat" cmpd="sng" algn="ctr">
-                      <a:solidFill>
-                        <a:srgbClr val="B7B8B8"/>
-                      </a:solidFill>
-                      <a:prstDash val="solid"/>
-                      <a:round/>
-                      <a:headEnd type="none" w="med" len="med"/>
-                      <a:tailEnd type="none" w="med" len="med"/>
-                    </a:lnL>
-                    <a:lnR w="3175">
-                      <a:solidFill>
-                        <a:srgbClr val="B7B8B8"/>
-                      </a:solidFill>
-                      <a:prstDash val="solid"/>
-                    </a:lnR>
-                    <a:lnT w="3175" cap="flat" cmpd="sng" algn="ctr">
-                      <a:solidFill>
-                        <a:srgbClr val="B7B8B8"/>
-                      </a:solidFill>
-                      <a:prstDash val="solid"/>
-                      <a:round/>
-                      <a:headEnd type="none" w="med" len="med"/>
-                      <a:tailEnd type="none" w="med" len="med"/>
-                    </a:lnT>
-                    <a:lnB w="3175" cap="flat" cmpd="sng" algn="ctr">
-                      <a:solidFill>
-                        <a:srgbClr val="B7B8B8"/>
-                      </a:solidFill>
-                      <a:prstDash val="solid"/>
-                      <a:round/>
-                      <a:headEnd type="none" w="med" len="med"/>
-                      <a:tailEnd type="none" w="med" len="med"/>
-                    </a:lnB>
-                  </a:tcPr>
-                </a:tc>
-                <a:tc>
-                  <a:txBody>
-                    <a:bodyPr/>
-                    <a:lstStyle/>
-                    <a:p>
-                      <a:pPr algn="ctr" fontAlgn="t"/>
+                      </a:br>
                       <a:r>
-                        <a:rPr lang="en-US" sz="900" b="0" i="0" u="none" strike="noStrike" dirty="0">
+                        <a:rPr lang="es-ES" sz="900" b="0" i="0" u="none" strike="noStrike" dirty="0">
                           <a:solidFill>
                             <a:srgbClr val="020302"/>
                           </a:solidFill>
-                          <a:effectLst/>
                           <a:latin typeface="AdobeClean-Light"/>
                         </a:rPr>
-                        <a:t>24x5 / 30 minutes</a:t>
+                        <a:t>4 horas</a:t>
+                      </a:r>
+                    </a:p>
+                  </a:txBody>
+                  <a:tcPr marL="9525" marR="9525" marT="9525" marB="0" anchor="ctr">
+                    <a:lnL w="3175">
+                      <a:solidFill>
+                        <a:srgbClr val="B7B8B8"/>
+                      </a:solidFill>
+                      <a:prstDash val="solid"/>
+                    </a:lnL>
+                    <a:lnR w="3175">
+                      <a:solidFill>
+                        <a:srgbClr val="B7B8B8"/>
+                      </a:solidFill>
+                      <a:prstDash val="solid"/>
+                    </a:lnR>
+                    <a:lnT w="3175">
+                      <a:solidFill>
+                        <a:srgbClr val="B7B8B8"/>
+                      </a:solidFill>
+                      <a:prstDash val="solid"/>
+                    </a:lnT>
+                    <a:lnB w="3175">
+                      <a:solidFill>
+                        <a:srgbClr val="B7B8B8"/>
+                      </a:solidFill>
+                      <a:prstDash val="solid"/>
+                    </a:lnB>
+                  </a:tcPr>
+                </a:tc>
+                <a:tc>
+                  <a:txBody>
+                    <a:bodyPr/>
+                    <a:lstStyle/>
+                    <a:p>
+                      <a:pPr algn="ctr" fontAlgn="t"/>
+                      <a:r>
+                        <a:rPr lang="es-ES" sz="900" b="0" i="0" u="none" strike="noStrike">
+                          <a:solidFill>
+                            <a:srgbClr val="020302"/>
+                          </a:solidFill>
+                          <a:latin typeface="AdobeClean-Light"/>
+                        </a:rPr>
+                        <a:t>24x5 / 1 hora</a:t>
+                      </a:r>
+                    </a:p>
+                  </a:txBody>
+                  <a:tcPr marL="9525" marR="9525" marT="9525" marB="0" anchor="ctr">
+                    <a:lnL w="3175" cap="flat" cmpd="sng" algn="ctr">
+                      <a:solidFill>
+                        <a:srgbClr val="B7B8B8"/>
+                      </a:solidFill>
+                      <a:prstDash val="solid"/>
+                      <a:round/>
+                      <a:headEnd type="none" w="med" len="med"/>
+                      <a:tailEnd type="none" w="med" len="med"/>
+                    </a:lnL>
+                    <a:lnR w="3175">
+                      <a:solidFill>
+                        <a:srgbClr val="B7B8B8"/>
+                      </a:solidFill>
+                      <a:prstDash val="solid"/>
+                    </a:lnR>
+                    <a:lnT w="3175" cap="flat" cmpd="sng" algn="ctr">
+                      <a:solidFill>
+                        <a:srgbClr val="B7B8B8"/>
+                      </a:solidFill>
+                      <a:prstDash val="solid"/>
+                      <a:round/>
+                      <a:headEnd type="none" w="med" len="med"/>
+                      <a:tailEnd type="none" w="med" len="med"/>
+                    </a:lnT>
+                    <a:lnB w="3175" cap="flat" cmpd="sng" algn="ctr">
+                      <a:solidFill>
+                        <a:srgbClr val="B7B8B8"/>
+                      </a:solidFill>
+                      <a:prstDash val="solid"/>
+                      <a:round/>
+                      <a:headEnd type="none" w="med" len="med"/>
+                      <a:tailEnd type="none" w="med" len="med"/>
+                    </a:lnB>
+                  </a:tcPr>
+                </a:tc>
+                <a:tc>
+                  <a:txBody>
+                    <a:bodyPr/>
+                    <a:lstStyle/>
+                    <a:p>
+                      <a:pPr algn="ctr" fontAlgn="t"/>
+                      <a:r>
+                        <a:rPr lang="es-ES" sz="900" b="0" i="0" u="none" strike="noStrike">
+                          <a:solidFill>
+                            <a:srgbClr val="020302"/>
+                          </a:solidFill>
+                          <a:latin typeface="AdobeClean-Light"/>
+                        </a:rPr>
+                        <a:t>24x5 / 30 minutos</a:t>
                       </a:r>
                     </a:p>
                   </a:txBody>
@@ -6874,29 +6579,15 @@
                         </a:spcBef>
                       </a:pPr>
                       <a:r>
-                        <a:rPr sz="900" b="1" spc="0" dirty="0">
+                        <a:rPr lang="es-ES" sz="900" b="1" dirty="0">
                           <a:solidFill>
                             <a:srgbClr val="020302"/>
                           </a:solidFill>
                           <a:latin typeface="Adobe Clean"/>
                           <a:cs typeface="Adobe Clean"/>
                         </a:rPr>
-                        <a:t>PRIORITY</a:t>
+                        <a:t>PRIORIDAD 3</a:t>
                       </a:r>
-                      <a:r>
-                        <a:rPr lang="en-US" sz="900" b="1" spc="0" dirty="0">
-                          <a:solidFill>
-                            <a:srgbClr val="020302"/>
-                          </a:solidFill>
-                          <a:latin typeface="Adobe Clean"/>
-                          <a:cs typeface="Adobe Clean"/>
-                        </a:rPr>
-                        <a:t> 3</a:t>
-                      </a:r>
-                      <a:endParaRPr lang="en-US" sz="900" spc="0" dirty="0">
-                        <a:latin typeface="Adobe Clean"/>
-                        <a:cs typeface="Adobe Clean"/>
-                      </a:endParaRPr>
                     </a:p>
                     <a:p>
                       <a:pPr marL="49530" marR="212090" indent="-2540" defTabSz="914400" eaLnBrk="1" fontAlgn="auto" latinLnBrk="0" hangingPunct="1">
@@ -6917,26 +6608,21 @@
                         <a:defRPr/>
                       </a:pPr>
                       <a:r>
-                        <a:rPr kumimoji="0" lang="en-US" sz="900" b="0" i="0" u="none" strike="noStrike" kern="1200" cap="none" spc="0" normalizeH="0" baseline="0" noProof="0" dirty="0">
+                        <a:rPr kumimoji="0" lang="es-ES" sz="850" b="0" i="0" u="none" strike="noStrike" cap="none" normalizeH="0" baseline="0" noProof="0" dirty="0">
                           <a:ln>
                             <a:noFill/>
                           </a:ln>
                           <a:solidFill>
                             <a:srgbClr val="000000"/>
                           </a:solidFill>
-                          <a:effectLst/>
                           <a:uLnTx/>
                           <a:uFillTx/>
                           <a:latin typeface="Adobe Clean Light" panose="020B0303020404020204" pitchFamily="34" charset="0"/>
                           <a:ea typeface="+mn-ea"/>
                           <a:cs typeface="+mn-cs"/>
                         </a:rPr>
-                        <a:t>Customer's business functions have minor service degradation but there exists a solution/workaround allowing business functions to continue normally </a:t>
+                        <a:t>Las funciones empresariales del cliente presentan una menor degradación del servicio, pero existe una solución que permite que las funciones empresariales sigan funcionando con normalidad. </a:t>
                       </a:r>
-                      <a:endParaRPr lang="en-US" sz="900" b="0" i="0" spc="0" dirty="0">
-                        <a:latin typeface="Adobe Clean Light" panose="020B0303020404020204" pitchFamily="34" charset="0"/>
-                        <a:cs typeface="AdobeClean-Light"/>
-                      </a:endParaRPr>
                     </a:p>
                   </a:txBody>
                   <a:tcPr marL="0" marR="0" marT="0" marB="0" anchor="ctr">
@@ -6976,113 +6662,144 @@
                     <a:p>
                       <a:pPr algn="ctr" fontAlgn="t"/>
                       <a:r>
-                        <a:rPr lang="en-US" sz="900" b="0" i="0" u="none" strike="noStrike" dirty="0">
+                        <a:rPr lang="es-ES" sz="900" b="0" i="0" u="none" strike="noStrike" dirty="0">
                           <a:solidFill>
                             <a:srgbClr val="020302"/>
                           </a:solidFill>
-                          <a:effectLst/>
                           <a:latin typeface="AdobeClean-Light"/>
                         </a:rPr>
-                        <a:t>Business hours / 6 hours</a:t>
+                        <a:t>Horario de trabajo / </a:t>
                       </a:r>
-                    </a:p>
-                  </a:txBody>
-                  <a:tcPr marL="9525" marR="9525" marT="9525" marB="0" anchor="ctr">
-                    <a:lnL w="3175">
-                      <a:solidFill>
-                        <a:srgbClr val="B7B8B8"/>
-                      </a:solidFill>
-                      <a:prstDash val="solid"/>
-                    </a:lnL>
-                    <a:lnR w="3175">
-                      <a:solidFill>
-                        <a:srgbClr val="B7B8B8"/>
-                      </a:solidFill>
-                      <a:prstDash val="solid"/>
-                    </a:lnR>
-                    <a:lnT w="3175">
-                      <a:solidFill>
-                        <a:srgbClr val="B7B8B8"/>
-                      </a:solidFill>
-                      <a:prstDash val="solid"/>
-                    </a:lnT>
-                    <a:lnB w="3175">
-                      <a:solidFill>
-                        <a:srgbClr val="B7B8B8"/>
-                      </a:solidFill>
-                      <a:prstDash val="solid"/>
-                    </a:lnB>
-                  </a:tcPr>
-                </a:tc>
-                <a:tc>
-                  <a:txBody>
-                    <a:bodyPr/>
-                    <a:lstStyle/>
-                    <a:p>
-                      <a:pPr algn="ctr" fontAlgn="t"/>
-                      <a:r>
-                        <a:rPr lang="en-US" sz="900" b="0" i="0" u="none" strike="noStrike" dirty="0">
+                      <a:br>
+                        <a:rPr lang="es-ES" sz="900" b="0" i="0" u="none" strike="noStrike" dirty="0">
                           <a:solidFill>
                             <a:srgbClr val="020302"/>
                           </a:solidFill>
-                          <a:effectLst/>
                           <a:latin typeface="AdobeClean-Light"/>
                         </a:rPr>
-                        <a:t>Business hours / 2 hours</a:t>
-                      </a:r>
-                    </a:p>
-                  </a:txBody>
-                  <a:tcPr marL="9525" marR="9525" marT="9525" marB="0" anchor="ctr">
-                    <a:lnL w="3175" cap="flat" cmpd="sng" algn="ctr">
-                      <a:solidFill>
-                        <a:srgbClr val="B7B8B8"/>
-                      </a:solidFill>
-                      <a:prstDash val="solid"/>
-                      <a:round/>
-                      <a:headEnd type="none" w="med" len="med"/>
-                      <a:tailEnd type="none" w="med" len="med"/>
-                    </a:lnL>
-                    <a:lnR w="3175">
-                      <a:solidFill>
-                        <a:srgbClr val="B7B8B8"/>
-                      </a:solidFill>
-                      <a:prstDash val="solid"/>
-                    </a:lnR>
-                    <a:lnT w="3175" cap="flat" cmpd="sng" algn="ctr">
-                      <a:solidFill>
-                        <a:srgbClr val="B7B8B8"/>
-                      </a:solidFill>
-                      <a:prstDash val="solid"/>
-                      <a:round/>
-                      <a:headEnd type="none" w="med" len="med"/>
-                      <a:tailEnd type="none" w="med" len="med"/>
-                    </a:lnT>
-                    <a:lnB w="3175" cap="flat" cmpd="sng" algn="ctr">
-                      <a:solidFill>
-                        <a:srgbClr val="B7B8B8"/>
-                      </a:solidFill>
-                      <a:prstDash val="solid"/>
-                      <a:round/>
-                      <a:headEnd type="none" w="med" len="med"/>
-                      <a:tailEnd type="none" w="med" len="med"/>
-                    </a:lnB>
-                  </a:tcPr>
-                </a:tc>
-                <a:tc>
-                  <a:txBody>
-                    <a:bodyPr/>
-                    <a:lstStyle/>
-                    <a:p>
-                      <a:pPr algn="ctr" fontAlgn="t"/>
+                      </a:br>
                       <a:r>
-                        <a:rPr lang="en-US" sz="900" b="0" i="0" u="none" strike="noStrike" dirty="0">
+                        <a:rPr lang="es-ES" sz="900" b="0" i="0" u="none" strike="noStrike" dirty="0">
                           <a:solidFill>
                             <a:srgbClr val="020302"/>
                           </a:solidFill>
-                          <a:effectLst/>
                           <a:latin typeface="AdobeClean-Light"/>
                         </a:rPr>
-                        <a:t>24x5 / 1 hour</a:t>
+                        <a:t>6 horas</a:t>
+                      </a:r>
+                    </a:p>
+                  </a:txBody>
+                  <a:tcPr marL="9525" marR="9525" marT="9525" marB="0" anchor="ctr">
+                    <a:lnL w="3175">
+                      <a:solidFill>
+                        <a:srgbClr val="B7B8B8"/>
+                      </a:solidFill>
+                      <a:prstDash val="solid"/>
+                    </a:lnL>
+                    <a:lnR w="3175">
+                      <a:solidFill>
+                        <a:srgbClr val="B7B8B8"/>
+                      </a:solidFill>
+                      <a:prstDash val="solid"/>
+                    </a:lnR>
+                    <a:lnT w="3175">
+                      <a:solidFill>
+                        <a:srgbClr val="B7B8B8"/>
+                      </a:solidFill>
+                      <a:prstDash val="solid"/>
+                    </a:lnT>
+                    <a:lnB w="3175">
+                      <a:solidFill>
+                        <a:srgbClr val="B7B8B8"/>
+                      </a:solidFill>
+                      <a:prstDash val="solid"/>
+                    </a:lnB>
+                  </a:tcPr>
+                </a:tc>
+                <a:tc>
+                  <a:txBody>
+                    <a:bodyPr/>
+                    <a:lstStyle/>
+                    <a:p>
+                      <a:pPr algn="ctr" fontAlgn="t"/>
+                      <a:r>
+                        <a:rPr lang="es-ES" sz="900" b="0" i="0" u="none" strike="noStrike" dirty="0">
+                          <a:solidFill>
+                            <a:srgbClr val="020302"/>
+                          </a:solidFill>
+                          <a:latin typeface="AdobeClean-Light"/>
+                        </a:rPr>
+                        <a:t>Horario de trabajo / </a:t>
+                      </a:r>
+                      <a:br>
+                        <a:rPr lang="es-ES" sz="900" b="0" i="0" u="none" strike="noStrike" dirty="0">
+                          <a:solidFill>
+                            <a:srgbClr val="020302"/>
+                          </a:solidFill>
+                          <a:latin typeface="AdobeClean-Light"/>
+                        </a:rPr>
+                      </a:br>
+                      <a:r>
+                        <a:rPr lang="es-ES" sz="900" b="0" i="0" u="none" strike="noStrike" dirty="0">
+                          <a:solidFill>
+                            <a:srgbClr val="020302"/>
+                          </a:solidFill>
+                          <a:latin typeface="AdobeClean-Light"/>
+                        </a:rPr>
+                        <a:t>2 horas</a:t>
+                      </a:r>
+                    </a:p>
+                  </a:txBody>
+                  <a:tcPr marL="9525" marR="9525" marT="9525" marB="0" anchor="ctr">
+                    <a:lnL w="3175" cap="flat" cmpd="sng" algn="ctr">
+                      <a:solidFill>
+                        <a:srgbClr val="B7B8B8"/>
+                      </a:solidFill>
+                      <a:prstDash val="solid"/>
+                      <a:round/>
+                      <a:headEnd type="none" w="med" len="med"/>
+                      <a:tailEnd type="none" w="med" len="med"/>
+                    </a:lnL>
+                    <a:lnR w="3175">
+                      <a:solidFill>
+                        <a:srgbClr val="B7B8B8"/>
+                      </a:solidFill>
+                      <a:prstDash val="solid"/>
+                    </a:lnR>
+                    <a:lnT w="3175" cap="flat" cmpd="sng" algn="ctr">
+                      <a:solidFill>
+                        <a:srgbClr val="B7B8B8"/>
+                      </a:solidFill>
+                      <a:prstDash val="solid"/>
+                      <a:round/>
+                      <a:headEnd type="none" w="med" len="med"/>
+                      <a:tailEnd type="none" w="med" len="med"/>
+                    </a:lnT>
+                    <a:lnB w="3175" cap="flat" cmpd="sng" algn="ctr">
+                      <a:solidFill>
+                        <a:srgbClr val="B7B8B8"/>
+                      </a:solidFill>
+                      <a:prstDash val="solid"/>
+                      <a:round/>
+                      <a:headEnd type="none" w="med" len="med"/>
+                      <a:tailEnd type="none" w="med" len="med"/>
+                    </a:lnB>
+                  </a:tcPr>
+                </a:tc>
+                <a:tc>
+                  <a:txBody>
+                    <a:bodyPr/>
+                    <a:lstStyle/>
+                    <a:p>
+                      <a:pPr algn="ctr" fontAlgn="t"/>
+                      <a:r>
+                        <a:rPr lang="es-ES" sz="900" b="0" i="0" u="none" strike="noStrike">
+                          <a:solidFill>
+                            <a:srgbClr val="020302"/>
+                          </a:solidFill>
+                          <a:latin typeface="AdobeClean-Light"/>
+                        </a:rPr>
+                        <a:t>24x5 / 1 hora</a:t>
                       </a:r>
                     </a:p>
                   </a:txBody>
@@ -7134,19 +6851,15 @@
                         </a:spcBef>
                       </a:pPr>
                       <a:r>
-                        <a:rPr sz="900" b="1" spc="0" dirty="0">
+                        <a:rPr lang="es-ES" sz="900" b="1" dirty="0">
                           <a:solidFill>
                             <a:srgbClr val="020302"/>
                           </a:solidFill>
                           <a:latin typeface="Adobe Clean"/>
                           <a:cs typeface="Adobe Clean"/>
                         </a:rPr>
-                        <a:t>PRIORITY 4</a:t>
+                        <a:t>PRIORIDAD 4</a:t>
                       </a:r>
-                      <a:endParaRPr sz="900" spc="0" dirty="0">
-                        <a:latin typeface="Adobe Clean"/>
-                        <a:cs typeface="Adobe Clean"/>
-                      </a:endParaRPr>
                     </a:p>
                     <a:p>
                       <a:pPr marL="48895" marR="0" indent="0" defTabSz="914400" eaLnBrk="1" fontAlgn="auto" latinLnBrk="0" hangingPunct="1">
@@ -7167,19 +6880,14 @@
                         <a:defRPr/>
                       </a:pPr>
                       <a:r>
-                        <a:rPr lang="en-US" sz="900" b="0" i="0" spc="0" dirty="0">
+                        <a:rPr lang="es-ES" sz="850" b="0" i="0" dirty="0">
                           <a:solidFill>
                             <a:srgbClr val="000000"/>
                           </a:solidFill>
-                          <a:effectLst/>
                           <a:latin typeface="Adobe Clean Light" panose="020B0303020404020204" pitchFamily="34" charset="0"/>
                         </a:rPr>
-                        <a:t>General question regarding current product functionality or an enhancement request </a:t>
+                        <a:t>Pregunta general sobre la funcionalidad actual del producto o una solicitud de mejora. </a:t>
                       </a:r>
-                      <a:endParaRPr sz="900" b="0" i="0" spc="0" dirty="0">
-                        <a:latin typeface="Adobe Clean Light" panose="020B0303020404020204" pitchFamily="34" charset="0"/>
-                        <a:cs typeface="AdobeClean-Light"/>
-                      </a:endParaRPr>
                     </a:p>
                   </a:txBody>
                   <a:tcPr marL="0" marR="0" marT="0" marB="0" anchor="ctr">
@@ -7219,14 +6927,13 @@
                     <a:p>
                       <a:pPr algn="ctr" fontAlgn="t"/>
                       <a:r>
-                        <a:rPr lang="en-US" sz="900" b="0" i="0" u="none" strike="noStrike" dirty="0">
+                        <a:rPr lang="es-ES" sz="900" b="0" i="0" u="none" strike="noStrike">
                           <a:solidFill>
                             <a:srgbClr val="020302"/>
                           </a:solidFill>
-                          <a:effectLst/>
                           <a:latin typeface="AdobeClean-Light"/>
                         </a:rPr>
-                        <a:t>Business days / 3 days</a:t>
+                        <a:t>Días laborables / 3 días</a:t>
                       </a:r>
                     </a:p>
                   </a:txBody>
@@ -7264,14 +6971,13 @@
                     <a:p>
                       <a:pPr algn="ctr" fontAlgn="t"/>
                       <a:r>
-                        <a:rPr lang="en-US" sz="900" b="0" i="0" u="none" strike="noStrike" dirty="0">
+                        <a:rPr lang="es-ES" sz="900" b="0" i="0" u="none" strike="noStrike">
                           <a:solidFill>
                             <a:srgbClr val="020302"/>
                           </a:solidFill>
-                          <a:effectLst/>
                           <a:latin typeface="AdobeClean-Light" panose="020B0503020404020204" pitchFamily="34" charset="0"/>
                         </a:rPr>
-                        <a:t>Business day / 1 day</a:t>
+                        <a:t>Día laborables / 1 día</a:t>
                       </a:r>
                     </a:p>
                   </a:txBody>
@@ -7315,14 +7021,13 @@
                     <a:p>
                       <a:pPr algn="ctr" fontAlgn="t"/>
                       <a:r>
-                        <a:rPr lang="en-US" sz="900" b="0" i="0" u="none" strike="noStrike" dirty="0">
+                        <a:rPr lang="es-ES" sz="900" b="0" i="0" u="none" strike="noStrike" dirty="0">
                           <a:solidFill>
                             <a:srgbClr val="020302"/>
                           </a:solidFill>
-                          <a:effectLst/>
                           <a:latin typeface="AdobeClean-Light" panose="020B0503020404020204" pitchFamily="34" charset="0"/>
                         </a:rPr>
-                        <a:t>Business day / 1 day</a:t>
+                        <a:t>Día laborables / 1 día</a:t>
                       </a:r>
                     </a:p>
                   </a:txBody>
@@ -7403,20 +7108,11 @@
               </a:spcBef>
             </a:pPr>
             <a:r>
-              <a:rPr sz="2300" dirty="0">
+              <a:rPr lang="es-ES" sz="2300" dirty="0">
                 <a:latin typeface="Adobe Clean"/>
               </a:rPr>
-              <a:t>ADOBE </a:t>
+              <a:t>PLANES DE SOPORTE DE ADOBE</a:t>
             </a:r>
-            <a:r>
-              <a:rPr lang="en-US" sz="2300" dirty="0">
-                <a:latin typeface="Adobe Clean"/>
-              </a:rPr>
-              <a:t>SUPPORT PLANS</a:t>
-            </a:r>
-            <a:endParaRPr sz="2300" dirty="0">
-              <a:latin typeface="Adobe Clean" panose="020B0503020404020204" pitchFamily="34" charset="0"/>
-            </a:endParaRPr>
           </a:p>
         </p:txBody>
       </p:sp>
@@ -7449,7 +7145,7 @@
           <a:lstStyle/>
           <a:p>
             <a:r>
-              <a:rPr lang="en-US" sz="700" i="1" dirty="0">
+              <a:rPr lang="es-ES" sz="700" i="1">
                 <a:solidFill>
                   <a:schemeClr val="bg1"/>
                 </a:solidFill>
@@ -7707,406 +7403,32 @@
               </a:spcBef>
             </a:pPr>
             <a:r>
-              <a:rPr lang="en-US" sz="1000" spc="-20" dirty="0">
+              <a:rPr lang="es-ES" sz="1000" dirty="0">
                 <a:solidFill>
                   <a:srgbClr val="020302"/>
                 </a:solidFill>
                 <a:latin typeface="AdobeClean-Light"/>
                 <a:cs typeface="AdobeClean-Light"/>
               </a:rPr>
-              <a:t>Adobe Customer Support offers a</a:t>
+              <a:t>El servicio de asistencia al cliente de Adobe ofrece acceso a recursos en línea para documentación, participación con otros expertos y clientes en prácticas recomendadas y series de seminarios web (horario de oficina) para obtener sugerencias y ver trucos para solucionar problemas. También hay varios canales disponibles</a:t>
             </a:r>
             <a:r>
-              <a:rPr sz="1000" spc="-20" dirty="0">
+              <a:rPr lang="es-ES" sz="1000" dirty="0">
+                <a:latin typeface="AdobeClean-Light"/>
+                <a:cs typeface="AdobeClean-Light"/>
+              </a:rPr>
+              <a:t> </a:t>
+            </a:r>
+            <a:r>
+              <a:rPr lang="es-ES" sz="1000" dirty="0">
                 <a:solidFill>
                   <a:srgbClr val="020302"/>
                 </a:solidFill>
                 <a:latin typeface="AdobeClean-Light"/>
                 <a:cs typeface="AdobeClean-Light"/>
               </a:rPr>
-              <a:t>ccess</a:t>
+              <a:t>para formular preguntas y enviar casos.</a:t>
             </a:r>
-            <a:r>
-              <a:rPr sz="1000" spc="-90" dirty="0">
-                <a:solidFill>
-                  <a:srgbClr val="020302"/>
-                </a:solidFill>
-                <a:latin typeface="AdobeClean-Light"/>
-                <a:cs typeface="AdobeClean-Light"/>
-              </a:rPr>
-              <a:t> </a:t>
-            </a:r>
-            <a:r>
-              <a:rPr sz="1000" spc="-10" dirty="0">
-                <a:solidFill>
-                  <a:srgbClr val="020302"/>
-                </a:solidFill>
-                <a:latin typeface="AdobeClean-Light"/>
-                <a:cs typeface="AdobeClean-Light"/>
-              </a:rPr>
-              <a:t>to</a:t>
-            </a:r>
-            <a:r>
-              <a:rPr sz="1000" spc="10" dirty="0">
-                <a:solidFill>
-                  <a:srgbClr val="020302"/>
-                </a:solidFill>
-                <a:latin typeface="AdobeClean-Light"/>
-                <a:cs typeface="AdobeClean-Light"/>
-              </a:rPr>
-              <a:t> </a:t>
-            </a:r>
-            <a:r>
-              <a:rPr lang="en-US" sz="1000" spc="-20" dirty="0">
-                <a:solidFill>
-                  <a:srgbClr val="020302"/>
-                </a:solidFill>
-                <a:latin typeface="AdobeClean-Light"/>
-                <a:cs typeface="AdobeClean-Light"/>
-              </a:rPr>
-              <a:t>online resources </a:t>
-            </a:r>
-            <a:r>
-              <a:rPr sz="1000" spc="-15" dirty="0">
-                <a:solidFill>
-                  <a:srgbClr val="020302"/>
-                </a:solidFill>
-                <a:latin typeface="AdobeClean-Light"/>
-                <a:cs typeface="AdobeClean-Light"/>
-              </a:rPr>
-              <a:t>for</a:t>
-            </a:r>
-            <a:r>
-              <a:rPr sz="1000" spc="-30" dirty="0">
-                <a:solidFill>
-                  <a:srgbClr val="020302"/>
-                </a:solidFill>
-                <a:latin typeface="AdobeClean-Light"/>
-                <a:cs typeface="AdobeClean-Light"/>
-              </a:rPr>
-              <a:t> </a:t>
-            </a:r>
-            <a:r>
-              <a:rPr sz="1000" spc="-15" dirty="0">
-                <a:solidFill>
-                  <a:srgbClr val="020302"/>
-                </a:solidFill>
-                <a:latin typeface="AdobeClean-Light"/>
-                <a:cs typeface="AdobeClean-Light"/>
-              </a:rPr>
-              <a:t>documentation,</a:t>
-            </a:r>
-            <a:r>
-              <a:rPr lang="en-US" sz="1000" spc="-15" dirty="0">
-                <a:solidFill>
-                  <a:srgbClr val="020302"/>
-                </a:solidFill>
-                <a:latin typeface="AdobeClean-Light"/>
-                <a:cs typeface="AdobeClean-Light"/>
-              </a:rPr>
-              <a:t> </a:t>
-            </a:r>
-            <a:r>
-              <a:rPr sz="1000" spc="-15" dirty="0">
-                <a:solidFill>
-                  <a:srgbClr val="020302"/>
-                </a:solidFill>
-                <a:latin typeface="AdobeClean-Light"/>
-                <a:cs typeface="AdobeClean-Light"/>
-              </a:rPr>
-              <a:t>engagement</a:t>
-            </a:r>
-            <a:r>
-              <a:rPr lang="en-US" sz="1000" spc="-15" dirty="0">
-                <a:solidFill>
-                  <a:srgbClr val="020302"/>
-                </a:solidFill>
-                <a:latin typeface="AdobeClean-Light"/>
-                <a:cs typeface="AdobeClean-Light"/>
-              </a:rPr>
-              <a:t> </a:t>
-            </a:r>
-            <a:r>
-              <a:rPr sz="1000" spc="-15" dirty="0">
-                <a:solidFill>
-                  <a:srgbClr val="020302"/>
-                </a:solidFill>
-                <a:latin typeface="AdobeClean-Light"/>
-                <a:cs typeface="AdobeClean-Light"/>
-              </a:rPr>
-              <a:t>with</a:t>
-            </a:r>
-            <a:r>
-              <a:rPr sz="1000" spc="-35" dirty="0">
-                <a:solidFill>
-                  <a:srgbClr val="020302"/>
-                </a:solidFill>
-                <a:latin typeface="AdobeClean-Light"/>
-                <a:cs typeface="AdobeClean-Light"/>
-              </a:rPr>
-              <a:t> </a:t>
-            </a:r>
-            <a:r>
-              <a:rPr sz="1000" spc="-20" dirty="0">
-                <a:solidFill>
-                  <a:srgbClr val="020302"/>
-                </a:solidFill>
-                <a:latin typeface="AdobeClean-Light"/>
-                <a:cs typeface="AdobeClean-Light"/>
-              </a:rPr>
-              <a:t>other experts </a:t>
-            </a:r>
-            <a:r>
-              <a:rPr sz="1000" spc="-15" dirty="0">
-                <a:solidFill>
-                  <a:srgbClr val="020302"/>
-                </a:solidFill>
-                <a:latin typeface="AdobeClean-Light"/>
-                <a:cs typeface="AdobeClean-Light"/>
-              </a:rPr>
-              <a:t>and </a:t>
-            </a:r>
-            <a:r>
-              <a:rPr sz="1000" spc="-20" dirty="0">
-                <a:solidFill>
-                  <a:srgbClr val="020302"/>
-                </a:solidFill>
-                <a:latin typeface="AdobeClean-Light"/>
-                <a:cs typeface="AdobeClean-Light"/>
-              </a:rPr>
-              <a:t>customers </a:t>
-            </a:r>
-            <a:r>
-              <a:rPr sz="1000" spc="-15" dirty="0">
-                <a:solidFill>
-                  <a:srgbClr val="020302"/>
-                </a:solidFill>
-                <a:latin typeface="AdobeClean-Light"/>
-                <a:cs typeface="AdobeClean-Light"/>
-              </a:rPr>
-              <a:t>for best </a:t>
-            </a:r>
-            <a:r>
-              <a:rPr sz="1000" spc="-20" dirty="0">
-                <a:solidFill>
-                  <a:srgbClr val="020302"/>
-                </a:solidFill>
-                <a:latin typeface="AdobeClean-Light"/>
-                <a:cs typeface="AdobeClean-Light"/>
-              </a:rPr>
-              <a:t>practices, </a:t>
-            </a:r>
-            <a:r>
-              <a:rPr sz="1000" spc="-15" dirty="0">
-                <a:solidFill>
-                  <a:srgbClr val="020302"/>
-                </a:solidFill>
-                <a:latin typeface="AdobeClean-Light"/>
-                <a:cs typeface="AdobeClean-Light"/>
-              </a:rPr>
-              <a:t>and </a:t>
-            </a:r>
-            <a:r>
-              <a:rPr sz="1000" spc="-20" dirty="0">
-                <a:solidFill>
-                  <a:srgbClr val="020302"/>
-                </a:solidFill>
-                <a:latin typeface="AdobeClean-Light"/>
-                <a:cs typeface="AdobeClean-Light"/>
-              </a:rPr>
-              <a:t>webinar series (Office </a:t>
-            </a:r>
-            <a:r>
-              <a:rPr sz="1000" spc="-15" dirty="0">
-                <a:solidFill>
-                  <a:srgbClr val="020302"/>
-                </a:solidFill>
-                <a:latin typeface="AdobeClean-Light"/>
-                <a:cs typeface="AdobeClean-Light"/>
-              </a:rPr>
-              <a:t>Hours) for </a:t>
-            </a:r>
-            <a:r>
-              <a:rPr sz="1000" spc="-20" dirty="0">
-                <a:solidFill>
-                  <a:srgbClr val="020302"/>
-                </a:solidFill>
-                <a:latin typeface="AdobeClean-Light"/>
-                <a:cs typeface="AdobeClean-Light"/>
-              </a:rPr>
-              <a:t>troubleshooting </a:t>
-            </a:r>
-            <a:r>
-              <a:rPr sz="1000" spc="-15" dirty="0">
-                <a:solidFill>
-                  <a:srgbClr val="020302"/>
-                </a:solidFill>
-                <a:latin typeface="AdobeClean-Light"/>
-                <a:cs typeface="AdobeClean-Light"/>
-              </a:rPr>
-              <a:t>tips and </a:t>
-            </a:r>
-            <a:r>
-              <a:rPr sz="1000" spc="-20" dirty="0">
-                <a:solidFill>
-                  <a:srgbClr val="020302"/>
-                </a:solidFill>
-                <a:latin typeface="AdobeClean-Light"/>
-                <a:cs typeface="AdobeClean-Light"/>
-              </a:rPr>
-              <a:t>tricks. Several channels </a:t>
-            </a:r>
-            <a:r>
-              <a:rPr lang="en-US" sz="1000" spc="-15" dirty="0">
-                <a:solidFill>
-                  <a:srgbClr val="020302"/>
-                </a:solidFill>
-                <a:latin typeface="AdobeClean-Light"/>
-                <a:cs typeface="AdobeClean-Light"/>
-              </a:rPr>
-              <a:t>are </a:t>
-            </a:r>
-            <a:r>
-              <a:rPr lang="en-US" sz="1000" spc="-20" dirty="0">
-                <a:solidFill>
-                  <a:srgbClr val="020302"/>
-                </a:solidFill>
-                <a:latin typeface="AdobeClean-Light"/>
-                <a:cs typeface="AdobeClean-Light"/>
-              </a:rPr>
-              <a:t>also</a:t>
-            </a:r>
-            <a:r>
-              <a:rPr lang="en-US" sz="1000" dirty="0">
-                <a:latin typeface="AdobeClean-Light"/>
-                <a:cs typeface="AdobeClean-Light"/>
-              </a:rPr>
-              <a:t> </a:t>
-            </a:r>
-            <a:r>
-              <a:rPr sz="1000" spc="-25" dirty="0">
-                <a:solidFill>
-                  <a:srgbClr val="020302"/>
-                </a:solidFill>
-                <a:latin typeface="AdobeClean-Light"/>
-                <a:cs typeface="AdobeClean-Light"/>
-              </a:rPr>
-              <a:t>available</a:t>
-            </a:r>
-            <a:r>
-              <a:rPr sz="1000" spc="-65" dirty="0">
-                <a:solidFill>
-                  <a:srgbClr val="020302"/>
-                </a:solidFill>
-                <a:latin typeface="AdobeClean-Light"/>
-                <a:cs typeface="AdobeClean-Light"/>
-              </a:rPr>
-              <a:t> </a:t>
-            </a:r>
-            <a:r>
-              <a:rPr sz="1000" spc="-15" dirty="0">
-                <a:solidFill>
-                  <a:srgbClr val="020302"/>
-                </a:solidFill>
-                <a:latin typeface="AdobeClean-Light"/>
-                <a:cs typeface="AdobeClean-Light"/>
-              </a:rPr>
-              <a:t>for</a:t>
-            </a:r>
-            <a:r>
-              <a:rPr sz="1000" spc="-25" dirty="0">
-                <a:solidFill>
-                  <a:srgbClr val="020302"/>
-                </a:solidFill>
-                <a:latin typeface="AdobeClean-Light"/>
-                <a:cs typeface="AdobeClean-Light"/>
-              </a:rPr>
-              <a:t> </a:t>
-            </a:r>
-            <a:r>
-              <a:rPr sz="1000" spc="-20" dirty="0">
-                <a:solidFill>
-                  <a:srgbClr val="020302"/>
-                </a:solidFill>
-                <a:latin typeface="AdobeClean-Light"/>
-                <a:cs typeface="AdobeClean-Light"/>
-              </a:rPr>
-              <a:t>questions</a:t>
-            </a:r>
-            <a:r>
-              <a:rPr sz="1000" spc="-114" dirty="0">
-                <a:solidFill>
-                  <a:srgbClr val="020302"/>
-                </a:solidFill>
-                <a:latin typeface="AdobeClean-Light"/>
-                <a:cs typeface="AdobeClean-Light"/>
-              </a:rPr>
-              <a:t> </a:t>
-            </a:r>
-            <a:r>
-              <a:rPr sz="1000" spc="-15" dirty="0">
-                <a:solidFill>
-                  <a:srgbClr val="020302"/>
-                </a:solidFill>
-                <a:latin typeface="AdobeClean-Light"/>
-                <a:cs typeface="AdobeClean-Light"/>
-              </a:rPr>
-              <a:t>and</a:t>
-            </a:r>
-            <a:r>
-              <a:rPr sz="1000" spc="-45" dirty="0">
-                <a:solidFill>
-                  <a:srgbClr val="020302"/>
-                </a:solidFill>
-                <a:latin typeface="AdobeClean-Light"/>
-                <a:cs typeface="AdobeClean-Light"/>
-              </a:rPr>
-              <a:t> </a:t>
-            </a:r>
-            <a:r>
-              <a:rPr sz="1000" spc="-20" dirty="0">
-                <a:solidFill>
-                  <a:srgbClr val="020302"/>
-                </a:solidFill>
-                <a:latin typeface="AdobeClean-Light"/>
-                <a:cs typeface="AdobeClean-Light"/>
-              </a:rPr>
-              <a:t>case</a:t>
-            </a:r>
-            <a:r>
-              <a:rPr sz="1000" spc="-35" dirty="0">
-                <a:solidFill>
-                  <a:srgbClr val="020302"/>
-                </a:solidFill>
-                <a:latin typeface="AdobeClean-Light"/>
-                <a:cs typeface="AdobeClean-Light"/>
-              </a:rPr>
-              <a:t> </a:t>
-            </a:r>
-            <a:r>
-              <a:rPr sz="1000" spc="-20" dirty="0">
-                <a:solidFill>
-                  <a:srgbClr val="020302"/>
-                </a:solidFill>
-                <a:latin typeface="AdobeClean-Light"/>
-                <a:cs typeface="AdobeClean-Light"/>
-              </a:rPr>
-              <a:t>submissions</a:t>
-            </a:r>
-            <a:r>
-              <a:rPr lang="en-US" sz="1000" spc="-20" dirty="0">
-                <a:solidFill>
-                  <a:srgbClr val="020302"/>
-                </a:solidFill>
-                <a:latin typeface="AdobeClean-Light"/>
-                <a:cs typeface="AdobeClean-Light"/>
-              </a:rPr>
-              <a:t>.</a:t>
-            </a:r>
-            <a:endParaRPr sz="1000" dirty="0">
-              <a:latin typeface="AdobeClean-Light"/>
-              <a:cs typeface="AdobeClean-Light"/>
-            </a:endParaRPr>
           </a:p>
         </p:txBody>
       </p:sp>
@@ -8140,174 +7462,14 @@
               </a:tabLst>
             </a:pPr>
             <a:r>
-              <a:rPr sz="900" spc="-20" dirty="0">
+              <a:rPr lang="es-ES" sz="900" dirty="0">
                 <a:solidFill>
                   <a:srgbClr val="020302"/>
                 </a:solidFill>
                 <a:latin typeface="AdobeClean-Light"/>
                 <a:cs typeface="AdobeClean-Light"/>
               </a:rPr>
-              <a:t>Start </a:t>
-            </a:r>
-            <a:r>
-              <a:rPr sz="900" dirty="0">
-                <a:solidFill>
-                  <a:srgbClr val="020302"/>
-                </a:solidFill>
-                <a:latin typeface="AdobeClean-Light"/>
-                <a:cs typeface="AdobeClean-Light"/>
-              </a:rPr>
-              <a:t>a </a:t>
-            </a:r>
-            <a:r>
-              <a:rPr sz="900" spc="-15" dirty="0">
-                <a:solidFill>
-                  <a:srgbClr val="020302"/>
-                </a:solidFill>
-                <a:latin typeface="AdobeClean-Light"/>
-                <a:cs typeface="AdobeClean-Light"/>
-              </a:rPr>
-              <a:t>chat </a:t>
-            </a:r>
-            <a:r>
-              <a:rPr sz="900" spc="-10" dirty="0">
-                <a:solidFill>
-                  <a:srgbClr val="020302"/>
-                </a:solidFill>
-                <a:latin typeface="AdobeClean-Light"/>
-                <a:cs typeface="AdobeClean-Light"/>
-              </a:rPr>
-              <a:t>session </a:t>
-            </a:r>
-            <a:r>
-              <a:rPr sz="900" spc="-5" dirty="0">
-                <a:solidFill>
-                  <a:srgbClr val="020302"/>
-                </a:solidFill>
-                <a:latin typeface="AdobeClean-Light"/>
-                <a:cs typeface="AdobeClean-Light"/>
-              </a:rPr>
-              <a:t>to </a:t>
-            </a:r>
-            <a:r>
-              <a:rPr sz="900" spc="-10" dirty="0">
-                <a:solidFill>
-                  <a:srgbClr val="020302"/>
-                </a:solidFill>
-                <a:latin typeface="AdobeClean-Light"/>
-                <a:cs typeface="AdobeClean-Light"/>
-              </a:rPr>
-              <a:t>get</a:t>
-            </a:r>
-            <a:r>
-              <a:rPr lang="en-US" sz="900" spc="-10" dirty="0">
-                <a:solidFill>
-                  <a:srgbClr val="020302"/>
-                </a:solidFill>
-                <a:latin typeface="AdobeClean-Light"/>
-                <a:cs typeface="AdobeClean-Light"/>
-              </a:rPr>
-              <a:t> </a:t>
-            </a:r>
-            <a:r>
-              <a:rPr sz="900" spc="30" dirty="0">
-                <a:solidFill>
-                  <a:srgbClr val="020302"/>
-                </a:solidFill>
-                <a:latin typeface="AdobeClean-Light"/>
-                <a:cs typeface="AdobeClean-Light"/>
-              </a:rPr>
-              <a:t> </a:t>
-            </a:r>
-            <a:r>
-              <a:rPr sz="900" spc="-20" dirty="0">
-                <a:solidFill>
-                  <a:srgbClr val="020302"/>
-                </a:solidFill>
-                <a:latin typeface="AdobeClean-Light"/>
-                <a:cs typeface="AdobeClean-Light"/>
-              </a:rPr>
-              <a:t>answers</a:t>
-            </a:r>
-            <a:r>
-              <a:rPr lang="en-US" sz="900" spc="-45" dirty="0">
-                <a:solidFill>
-                  <a:srgbClr val="020302"/>
-                </a:solidFill>
-                <a:latin typeface="AdobeClean-Light"/>
-                <a:cs typeface="AdobeClean-Light"/>
-              </a:rPr>
-              <a:t> </a:t>
-            </a:r>
-            <a:r>
-              <a:rPr lang="en-US" sz="900" dirty="0">
-                <a:solidFill>
-                  <a:srgbClr val="020302"/>
-                </a:solidFill>
-                <a:latin typeface="AdobeClean-Light"/>
-                <a:cs typeface="AdobeClean-Light"/>
-              </a:rPr>
-              <a:t>&amp; </a:t>
-            </a:r>
-            <a:r>
-              <a:rPr sz="900" spc="-15" dirty="0">
-                <a:solidFill>
-                  <a:srgbClr val="020302"/>
-                </a:solidFill>
-                <a:latin typeface="AdobeClean-Light"/>
-                <a:cs typeface="AdobeClean-Light"/>
-              </a:rPr>
-              <a:t>help </a:t>
-            </a:r>
-            <a:r>
-              <a:rPr sz="900" spc="-10" dirty="0">
-                <a:solidFill>
-                  <a:srgbClr val="020302"/>
-                </a:solidFill>
-                <a:latin typeface="AdobeClean-Light"/>
-                <a:cs typeface="AdobeClean-Light"/>
-              </a:rPr>
-              <a:t>with</a:t>
-            </a:r>
-            <a:r>
-              <a:rPr sz="900" spc="85" dirty="0">
-                <a:solidFill>
-                  <a:srgbClr val="020302"/>
-                </a:solidFill>
-                <a:latin typeface="AdobeClean-Light"/>
-                <a:cs typeface="AdobeClean-Light"/>
-              </a:rPr>
-              <a:t> </a:t>
-            </a:r>
-            <a:r>
-              <a:rPr sz="900" spc="-10" dirty="0">
-                <a:solidFill>
-                  <a:srgbClr val="020302"/>
-                </a:solidFill>
-                <a:latin typeface="AdobeClean-Light"/>
-                <a:cs typeface="AdobeClean-Light"/>
-              </a:rPr>
-              <a:t>case </a:t>
-            </a:r>
-            <a:r>
-              <a:rPr sz="900" spc="-20" dirty="0">
-                <a:solidFill>
-                  <a:srgbClr val="020302"/>
-                </a:solidFill>
-                <a:latin typeface="AdobeClean-Light"/>
-                <a:cs typeface="AdobeClean-Light"/>
-              </a:rPr>
-              <a:t>submission</a:t>
-            </a:r>
-            <a:r>
-              <a:rPr lang="en-US" sz="900" spc="-20" dirty="0">
-                <a:solidFill>
-                  <a:srgbClr val="020302"/>
-                </a:solidFill>
-                <a:latin typeface="AdobeClean-Light"/>
-                <a:cs typeface="AdobeClean-Light"/>
-              </a:rPr>
-              <a:t>.</a:t>
+              <a:t>Inicie una sesión de chat para obtener respuestas y ayuda con el envío de casos.</a:t>
             </a:r>
           </a:p>
           <a:p>
@@ -8323,29 +7485,15 @@
               </a:tabLst>
             </a:pPr>
             <a:r>
-              <a:rPr sz="900" i="1" spc="-10" dirty="0">
+              <a:rPr lang="es-ES" sz="900" i="1" dirty="0">
                 <a:solidFill>
                   <a:srgbClr val="7A7A7A"/>
                 </a:solidFill>
                 <a:latin typeface="AdobeClean-LightIt"/>
                 <a:cs typeface="AdobeClean-LightIt"/>
               </a:rPr>
-              <a:t>*Not all </a:t>
+              <a:t>* No todos los productos ofrecen la opción de disfrutar de asistencia mediante chat en directo.  </a:t>
             </a:r>
-            <a:r>
-              <a:rPr sz="900" i="1" spc="-20" dirty="0">
-                <a:solidFill>
-                  <a:srgbClr val="7A7A7A"/>
-                </a:solidFill>
-                <a:latin typeface="AdobeClean-LightIt"/>
-                <a:cs typeface="AdobeClean-LightIt"/>
-              </a:rPr>
-              <a:t>products have live chat support.  </a:t>
-            </a:r>
-            <a:endParaRPr sz="900" dirty="0">
-              <a:latin typeface="AdobeClean-Light"/>
-              <a:cs typeface="AdobeClean-Light"/>
-            </a:endParaRPr>
           </a:p>
         </p:txBody>
       </p:sp>
@@ -8414,19 +7562,15 @@
               </a:spcBef>
             </a:pPr>
             <a:r>
-              <a:rPr lang="en-US" sz="1400" b="1" spc="-10" dirty="0">
+              <a:rPr lang="es-ES" sz="1400" b="1">
                 <a:solidFill>
                   <a:srgbClr val="020302"/>
                 </a:solidFill>
                 <a:latin typeface="Adobe Clean"/>
                 <a:cs typeface="Adobe Clean"/>
               </a:rPr>
-              <a:t>Standard Support</a:t>
+              <a:t>Soporte Standard</a:t>
             </a:r>
-            <a:endParaRPr lang="en-US" sz="1400" dirty="0">
-              <a:latin typeface="Adobe Clean"/>
-              <a:cs typeface="Adobe Clean"/>
-            </a:endParaRPr>
           </a:p>
         </p:txBody>
       </p:sp>
@@ -8473,12 +7617,12 @@
               <a:defRPr/>
             </a:pPr>
             <a:r>
-              <a:rPr lang="en-US" sz="1200" dirty="0">
+              <a:rPr lang="es-ES" sz="1200">
                 <a:solidFill>
                   <a:srgbClr val="000000"/>
                 </a:solidFill>
               </a:rPr>
-              <a:t>Community Forums</a:t>
+              <a:t>Foros de la comunidad</a:t>
             </a:r>
           </a:p>
         </p:txBody>
@@ -8521,12 +7665,12 @@
               </a:spcAft>
             </a:pPr>
             <a:r>
-              <a:rPr lang="en-US" sz="1200" b="1" dirty="0">
+              <a:rPr lang="es-ES" sz="1200" b="1">
                 <a:latin typeface="+mj-lt"/>
                 <a:ea typeface="Open Sans" pitchFamily="34" charset="0"/>
                 <a:cs typeface="Open Sans" pitchFamily="34" charset="0"/>
               </a:rPr>
-              <a:t>Online Forums</a:t>
+              <a:t>Foros en línea</a:t>
             </a:r>
           </a:p>
         </p:txBody>
@@ -8559,13 +7703,13 @@
           <a:lstStyle/>
           <a:p>
             <a:r>
-              <a:rPr lang="en-US" sz="1000" dirty="0">
+              <a:rPr lang="es-ES" sz="1000" dirty="0">
                 <a:solidFill>
                   <a:srgbClr val="000000"/>
                 </a:solidFill>
                 <a:latin typeface="Adobe Clean Light" panose="020B0303020404020204" pitchFamily="34" charset="0"/>
               </a:rPr>
-              <a:t>Continuous online access to a growing database of technical solutions, product documentation, FAQs and more. Connect with practitioners and other customers on Adobe Community to share best practices and lessons learned.</a:t>
+              <a:t>Acceso continuo en línea a una base de datos donde encontrará cada vez más soluciones técnicas, documentación de productos, preguntas frecuentes y mucho más. Hable con profesionales y otros clientes en la Comunidad de Adobe para compartir prácticas recomendadas y lecciones aprendidas.</a:t>
             </a:r>
           </a:p>
         </p:txBody>
@@ -8613,7 +7757,7 @@
               <a:defRPr/>
             </a:pPr>
             <a:r>
-              <a:rPr lang="en-US" sz="1200" dirty="0">
+              <a:rPr lang="es-ES" sz="1200">
                 <a:solidFill>
                   <a:srgbClr val="000000"/>
                 </a:solidFill>
@@ -8661,12 +7805,12 @@
               </a:spcAft>
             </a:pPr>
             <a:r>
-              <a:rPr lang="en-US" sz="1200" b="1" dirty="0">
+              <a:rPr lang="es-ES" sz="1200" b="1">
                 <a:latin typeface="+mj-lt"/>
                 <a:ea typeface="Open Sans" pitchFamily="34" charset="0"/>
                 <a:cs typeface="Open Sans" pitchFamily="34" charset="0"/>
               </a:rPr>
-              <a:t>Self-guided Journeys</a:t>
+              <a:t>Recorridos autoguiados</a:t>
             </a:r>
           </a:p>
         </p:txBody>
@@ -8699,13 +7843,67 @@
           <a:lstStyle/>
           <a:p>
             <a:r>
-              <a:rPr lang="en-US" sz="1000" dirty="0">
+              <a:rPr lang="es-ES" sz="1000" dirty="0">
                 <a:solidFill>
                   <a:srgbClr val="000000"/>
                 </a:solidFill>
                 <a:latin typeface="Adobe Clean Light" panose="020B0303020404020204" pitchFamily="34" charset="0"/>
               </a:rPr>
-              <a:t>Experience Makers are made with Experience League. Customers can kickstart their Customer Experience Management abilities with personalized learning to develop skills, engage with a global community of peers, and earn career advancing recognition. </a:t>
+              <a:t>Los </a:t>
+            </a:r>
+            <a:r>
+              <a:rPr lang="es-ES" sz="1000" dirty="0" err="1">
+                <a:solidFill>
+                  <a:srgbClr val="000000"/>
+                </a:solidFill>
+                <a:latin typeface="Adobe Clean Light" panose="020B0303020404020204" pitchFamily="34" charset="0"/>
+              </a:rPr>
+              <a:t>experience</a:t>
+            </a:r>
+            <a:r>
+              <a:rPr lang="es-ES" sz="1000" dirty="0">
+                <a:solidFill>
+                  <a:srgbClr val="000000"/>
+                </a:solidFill>
+                <a:latin typeface="Adobe Clean Light" panose="020B0303020404020204" pitchFamily="34" charset="0"/>
+              </a:rPr>
+              <a:t> </a:t>
+            </a:r>
+            <a:r>
+              <a:rPr lang="es-ES" sz="1000" dirty="0" err="1">
+                <a:solidFill>
+                  <a:srgbClr val="000000"/>
+                </a:solidFill>
+                <a:latin typeface="Adobe Clean Light" panose="020B0303020404020204" pitchFamily="34" charset="0"/>
+              </a:rPr>
+              <a:t>makers</a:t>
+            </a:r>
+            <a:r>
+              <a:rPr lang="es-ES" sz="1000" dirty="0">
+                <a:solidFill>
+                  <a:srgbClr val="000000"/>
+                </a:solidFill>
+                <a:latin typeface="Adobe Clean Light" panose="020B0303020404020204" pitchFamily="34" charset="0"/>
+              </a:rPr>
+              <a:t> se realizan con </a:t>
+            </a:r>
+            <a:r>
+              <a:rPr lang="es-ES" sz="1000" dirty="0" err="1">
+                <a:solidFill>
+                  <a:srgbClr val="000000"/>
+                </a:solidFill>
+                <a:latin typeface="Adobe Clean Light" panose="020B0303020404020204" pitchFamily="34" charset="0"/>
+              </a:rPr>
+              <a:t>Experience</a:t>
+            </a:r>
+            <a:r>
+              <a:rPr lang="es-ES" sz="1000" dirty="0">
+                <a:solidFill>
+                  <a:srgbClr val="000000"/>
+                </a:solidFill>
+                <a:latin typeface="Adobe Clean Light" panose="020B0303020404020204" pitchFamily="34" charset="0"/>
+              </a:rPr>
+              <a:t> League. Los clientes pueden aplicar sus conocimientos de administración de la experiencia del cliente con aprendizaje personalizado para desarrollar habilidades, interactuar con la comunidad internacional de compañeros y obtener reconocimiento en su trayectoria profesional. </a:t>
             </a:r>
           </a:p>
         </p:txBody>
@@ -8753,12 +7951,12 @@
               <a:defRPr/>
             </a:pPr>
             <a:r>
-              <a:rPr lang="en-US" sz="1200" dirty="0">
+              <a:rPr lang="es-ES" sz="1200">
                 <a:solidFill>
                   <a:srgbClr val="000000"/>
                 </a:solidFill>
               </a:rPr>
-              <a:t>Office Hours</a:t>
+              <a:t>Horario de oficina</a:t>
             </a:r>
           </a:p>
         </p:txBody>
@@ -8801,12 +7999,12 @@
               </a:spcAft>
             </a:pPr>
             <a:r>
-              <a:rPr lang="en-US" sz="1200" b="1" dirty="0">
+              <a:rPr lang="es-ES" sz="1200" b="1">
                 <a:latin typeface="+mj-lt"/>
                 <a:ea typeface="Open Sans" pitchFamily="34" charset="0"/>
                 <a:cs typeface="Open Sans" pitchFamily="34" charset="0"/>
               </a:rPr>
-              <a:t>Webinars</a:t>
+              <a:t>Seminarios web</a:t>
             </a:r>
           </a:p>
         </p:txBody>
@@ -8839,13 +8037,13 @@
           <a:lstStyle/>
           <a:p>
             <a:r>
-              <a:rPr lang="en-US" sz="1000" dirty="0">
+              <a:rPr lang="es-ES" sz="1000" dirty="0">
                 <a:solidFill>
                   <a:srgbClr val="000000"/>
                 </a:solidFill>
                 <a:latin typeface="Adobe Clean Light" panose="020B0303020404020204" pitchFamily="34" charset="0"/>
               </a:rPr>
-              <a:t>Office  Hours  led  by  the  Adobe  Customer Support  team  includes  sessions  designed to  inform  as  well  as  help  participants troubleshoot  problems  and  provide  tips and  tricks  for  success  with  Adobe  solutions.</a:t>
+              <a:t>En el horario de oficina del equipo de asistencia al cliente de Adobe se incluyen sesiones diseñadas para informar y ayudar a los participantes a solucionar problemas, así como para proporcionar consejos y trucos para que los participantes logren el éxito con las soluciones de Adobe.</a:t>
             </a:r>
           </a:p>
         </p:txBody>
@@ -8893,12 +8091,12 @@
               <a:defRPr/>
             </a:pPr>
             <a:r>
-              <a:rPr lang="en-US" sz="1200" dirty="0">
+              <a:rPr lang="es-ES" sz="1200">
                 <a:solidFill>
                   <a:srgbClr val="000000"/>
                 </a:solidFill>
               </a:rPr>
-              <a:t>Self-help Portals</a:t>
+              <a:t>Portales de autoayuda</a:t>
             </a:r>
           </a:p>
         </p:txBody>
@@ -8941,12 +8139,12 @@
               </a:spcAft>
             </a:pPr>
             <a:r>
-              <a:rPr lang="en-US" sz="1200" b="1" dirty="0">
+              <a:rPr lang="es-ES" sz="1200" b="1">
                 <a:latin typeface="+mj-lt"/>
                 <a:ea typeface="Open Sans" pitchFamily="34" charset="0"/>
                 <a:cs typeface="Open Sans" pitchFamily="34" charset="0"/>
               </a:rPr>
-              <a:t>24/7 Support Portal</a:t>
+              <a:t>Portal de asistencia 24/7</a:t>
             </a:r>
           </a:p>
         </p:txBody>
@@ -8966,7 +8164,7 @@
         <p:spPr>
           <a:xfrm>
             <a:off x="3849036" y="6132567"/>
-            <a:ext cx="3413002" cy="497572"/>
+            <a:ext cx="3413002" cy="651460"/>
           </a:xfrm>
           <a:prstGeom prst="rect">
             <a:avLst/>
@@ -8979,13 +8177,30 @@
           <a:lstStyle/>
           <a:p>
             <a:r>
-              <a:rPr lang="en-US" sz="1000" dirty="0">
+              <a:rPr lang="es-ES" sz="1000" dirty="0">
                 <a:solidFill>
                   <a:srgbClr val="000000"/>
                 </a:solidFill>
                 <a:latin typeface="Adobe Clean Light" panose="020B0303020404020204" pitchFamily="34" charset="0"/>
               </a:rPr>
-              <a:t>On-demand access to the online Self-help Support Portal to submit support requests, review case status, and browse other resources, like our knowledgebase, news and alerts, featured tips, and more.</a:t>
+              <a:t>Acceso al portal de asistencia de autoayuda en línea previa solicitud para enviar solicitudes de asistencia, revisar el estado de los casos </a:t>
+            </a:r>
+            <a:br>
+              <a:rPr lang="es-ES" sz="1000" dirty="0">
+                <a:solidFill>
+                  <a:srgbClr val="000000"/>
+                </a:solidFill>
+                <a:latin typeface="Adobe Clean Light" panose="020B0303020404020204" pitchFamily="34" charset="0"/>
+              </a:rPr>
+            </a:br>
+            <a:r>
+              <a:rPr lang="es-ES" sz="1000" dirty="0">
+                <a:solidFill>
+                  <a:srgbClr val="000000"/>
+                </a:solidFill>
+                <a:latin typeface="Adobe Clean Light" panose="020B0303020404020204" pitchFamily="34" charset="0"/>
+              </a:rPr>
+              <a:t>y examinar otros recursos, como la base de conocimiento, noticias y alertas, sugerencias destacadas, y mucho más.</a:t>
             </a:r>
           </a:p>
         </p:txBody>
@@ -9033,12 +8248,12 @@
               <a:defRPr/>
             </a:pPr>
             <a:r>
-              <a:rPr lang="en-US" sz="1200" dirty="0">
+              <a:rPr lang="es-ES" sz="1200">
                 <a:solidFill>
                   <a:srgbClr val="000000"/>
                 </a:solidFill>
               </a:rPr>
-              <a:t>Live Chat  Support*</a:t>
+              <a:t>Asistencia mediante chat en directo*</a:t>
             </a:r>
           </a:p>
         </p:txBody>
@@ -9081,12 +8296,12 @@
               </a:spcAft>
             </a:pPr>
             <a:r>
-              <a:rPr lang="en-US" sz="1200" b="1" dirty="0">
+              <a:rPr lang="es-ES" sz="1200" b="1">
                 <a:latin typeface="+mj-lt"/>
                 <a:ea typeface="Open Sans" pitchFamily="34" charset="0"/>
                 <a:cs typeface="Open Sans" pitchFamily="34" charset="0"/>
               </a:rPr>
-              <a:t>Chat Support</a:t>
+              <a:t>Asistencia mediante chat</a:t>
             </a:r>
           </a:p>
         </p:txBody>
@@ -9134,12 +8349,12 @@
               <a:defRPr/>
             </a:pPr>
             <a:r>
-              <a:rPr lang="en-US" sz="1200" dirty="0">
+              <a:rPr lang="es-ES" sz="1200">
                 <a:solidFill>
                   <a:srgbClr val="000000"/>
                 </a:solidFill>
               </a:rPr>
-              <a:t>24 X 7 X 365 P1 </a:t>
+              <a:t>24x7x365 en P1 </a:t>
             </a:r>
           </a:p>
         </p:txBody>
@@ -9182,12 +8397,12 @@
               </a:spcAft>
             </a:pPr>
             <a:r>
-              <a:rPr lang="en-US" sz="1200" b="1" dirty="0">
+              <a:rPr lang="es-ES" sz="1200" b="1">
                 <a:latin typeface="+mj-lt"/>
                 <a:ea typeface="Open Sans" pitchFamily="34" charset="0"/>
                 <a:cs typeface="Open Sans" pitchFamily="34" charset="0"/>
               </a:rPr>
-              <a:t>Phone  Support</a:t>
+              <a:t>Asistencia telefónica</a:t>
             </a:r>
           </a:p>
         </p:txBody>
@@ -9220,26 +8435,20 @@
           <a:lstStyle/>
           <a:p>
             <a:r>
-              <a:rPr lang="en-US" sz="1000" dirty="0">
+              <a:rPr lang="es-ES" sz="1000" dirty="0">
                 <a:solidFill>
                   <a:srgbClr val="020302"/>
                 </a:solidFill>
                 <a:latin typeface="AdobeClean-Light"/>
               </a:rPr>
-              <a:t>Authorized users or Named Support Contacts </a:t>
+              <a:t>Los usuarios autorizados o los contactos de soporte particulares</a:t>
             </a:r>
             <a:r>
-              <a:rPr lang="en-US" sz="1000" dirty="0">
+              <a:rPr lang="es-ES" sz="1000" dirty="0">
                 <a:latin typeface="Adobe Clean Light" panose="020B0303020404020204" pitchFamily="34" charset="0"/>
               </a:rPr>
-              <a:t>can submit issues through all available  channels (including phone for P1) and interact with our technical support team on behalf of your company. </a:t>
+              <a:t> pueden enviar problemas a través de todos los canales disponibles (incluido el teléfono en el caso de los problemas P1) y hablar con nuestro equipo de asistencia en nombre de su empresa. </a:t>
             </a:r>
-            <a:endParaRPr lang="en-US" sz="1000" dirty="0">
-              <a:solidFill>
-                <a:srgbClr val="000000"/>
-              </a:solidFill>
-              <a:latin typeface="Adobe Clean Light" panose="020B0303020404020204" pitchFamily="34" charset="0"/>
-            </a:endParaRPr>
           </a:p>
         </p:txBody>
       </p:sp>
@@ -9261,8 +8470,8 @@
         </p:nvSpPr>
         <p:spPr>
           <a:xfrm>
-            <a:off x="5253416" y="9862966"/>
-            <a:ext cx="2270125" cy="132729"/>
+            <a:off x="5253415" y="9862966"/>
+            <a:ext cx="2377440" cy="132729"/>
           </a:xfrm>
           <a:prstGeom prst="rect">
             <a:avLst/>
@@ -9283,24 +8492,40 @@
               </a:spcBef>
             </a:pPr>
             <a:r>
-              <a:rPr spc="-5" dirty="0"/>
-              <a:t>©202</a:t>
+              <a:rPr lang="es-ES" dirty="0"/>
+              <a:t>©2021 Adobe. </a:t>
             </a:r>
             <a:r>
-              <a:rPr lang="en-US" spc="-5" dirty="0"/>
-              <a:t>1</a:t>
+              <a:rPr lang="es-ES" dirty="0" err="1"/>
+              <a:t>All</a:t>
             </a:r>
             <a:r>
-              <a:rPr spc="-5" dirty="0"/>
-              <a:t> Adobe. All Rights Reserved. Adobe</a:t>
-            </a:r>
-            <a:r>
-              <a:rPr spc="60" dirty="0"/>
+              <a:rPr lang="es-ES" dirty="0"/>
               <a:t> </a:t>
             </a:r>
             <a:r>
-              <a:rPr spc="-5" dirty="0"/>
-              <a:t>Confidential.</a:t>
+              <a:rPr lang="es-ES" dirty="0" err="1"/>
+              <a:t>Rights</a:t>
+            </a:r>
+            <a:r>
+              <a:rPr lang="es-ES" dirty="0"/>
+              <a:t> </a:t>
+            </a:r>
+            <a:r>
+              <a:rPr lang="es-ES" dirty="0" err="1"/>
+              <a:t>Reserved</a:t>
+            </a:r>
+            <a:r>
+              <a:rPr lang="es-ES" dirty="0"/>
+              <a:t>. Adobe </a:t>
+            </a:r>
+            <a:r>
+              <a:rPr lang="es-ES" dirty="0" err="1"/>
+              <a:t>Confidential</a:t>
+            </a:r>
+            <a:r>
+              <a:rPr lang="es-ES" dirty="0"/>
+              <a:t>.</a:t>
             </a:r>
           </a:p>
         </p:txBody>
@@ -9591,49 +8816,15 @@
               </a:lnSpc>
             </a:pPr>
             <a:r>
-              <a:rPr sz="500" spc="-5" dirty="0">
+              <a:rPr lang="es-ES" sz="500">
                 <a:solidFill>
                   <a:srgbClr val="6C6C6C"/>
                 </a:solidFill>
                 <a:latin typeface="Adobe Clean"/>
                 <a:cs typeface="Adobe Clean"/>
               </a:rPr>
-              <a:t>©2020 Adobe. All Rights Reserved. </a:t>
+              <a:t>©2020 Adobe. All Rights Reserved. Adobe Confidential.</a:t>
             </a:r>
-            <a:r>
-              <a:rPr sz="500" dirty="0">
-                <a:solidFill>
-                  <a:srgbClr val="6C6C6C"/>
-                </a:solidFill>
-                <a:latin typeface="Adobe Clean"/>
-                <a:cs typeface="Adobe Clean"/>
-              </a:rPr>
-              <a:t>Adobe</a:t>
-            </a:r>
-            <a:r>
-              <a:rPr sz="500" spc="5" dirty="0">
-                <a:solidFill>
-                  <a:srgbClr val="6C6C6C"/>
-                </a:solidFill>
-                <a:latin typeface="Adobe Clean"/>
-                <a:cs typeface="Adobe Clean"/>
-              </a:rPr>
-              <a:t> </a:t>
-            </a:r>
-            <a:r>
-              <a:rPr sz="500" spc="-5" dirty="0">
-                <a:solidFill>
-                  <a:srgbClr val="6C6C6C"/>
-                </a:solidFill>
-                <a:latin typeface="Adobe Clean"/>
-                <a:cs typeface="Adobe Clean"/>
-              </a:rPr>
-              <a:t>Confidential.</a:t>
-            </a:r>
-            <a:endParaRPr sz="500">
-              <a:latin typeface="Adobe Clean"/>
-              <a:cs typeface="Adobe Clean"/>
-            </a:endParaRPr>
           </a:p>
           <a:p>
             <a:pPr>
@@ -9659,39 +8850,15 @@
               </a:spcBef>
             </a:pPr>
             <a:r>
-              <a:rPr sz="800" spc="-5" dirty="0">
+              <a:rPr lang="es-ES" sz="800">
                 <a:solidFill>
                   <a:srgbClr val="6D6D6D"/>
                 </a:solidFill>
                 <a:latin typeface="Adobe Clean"/>
                 <a:cs typeface="Adobe Clean"/>
               </a:rPr>
-              <a:t>©2020 Adobe. All Rights Reserved. Adobe</a:t>
+              <a:t>©2020 Adobe. All Rights Reserved. Adobe Confidential.</a:t>
             </a:r>
-            <a:r>
-              <a:rPr sz="800" spc="75" dirty="0">
-                <a:solidFill>
-                  <a:srgbClr val="6D6D6D"/>
-                </a:solidFill>
-                <a:latin typeface="Adobe Clean"/>
-                <a:cs typeface="Adobe Clean"/>
-              </a:rPr>
-              <a:t> </a:t>
-            </a:r>
-            <a:r>
-              <a:rPr sz="800" spc="-5" dirty="0">
-                <a:solidFill>
-                  <a:srgbClr val="6D6D6D"/>
-                </a:solidFill>
-                <a:latin typeface="Adobe Clean"/>
-                <a:cs typeface="Adobe Clean"/>
-              </a:rPr>
-              <a:t>Confidential.</a:t>
-            </a:r>
-            <a:endParaRPr sz="800">
-              <a:latin typeface="Adobe Clean"/>
-              <a:cs typeface="Adobe Clean"/>
-            </a:endParaRPr>
           </a:p>
         </p:txBody>
       </p:sp>
@@ -9775,19 +8942,15 @@
               </a:spcBef>
             </a:pPr>
             <a:r>
-              <a:rPr lang="en-US" sz="1400" b="1" spc="-15" dirty="0">
+              <a:rPr lang="es-ES" sz="1400" b="1">
                 <a:solidFill>
                   <a:srgbClr val="020302"/>
                 </a:solidFill>
                 <a:latin typeface="Adobe Clean"/>
                 <a:cs typeface="Adobe Clean"/>
               </a:rPr>
-              <a:t>Resources</a:t>
+              <a:t>Recursos</a:t>
             </a:r>
-            <a:endParaRPr sz="1400" dirty="0">
-              <a:latin typeface="Adobe Clean"/>
-              <a:cs typeface="Adobe Clean"/>
-            </a:endParaRPr>
           </a:p>
         </p:txBody>
       </p:sp>
@@ -9821,7 +8984,7 @@
               </a:spcBef>
             </a:pPr>
             <a:r>
-              <a:rPr sz="800" spc="-15" dirty="0">
+              <a:rPr lang="es-ES" sz="800">
                 <a:solidFill>
                   <a:srgbClr val="777879"/>
                 </a:solidFill>
@@ -9830,10 +8993,6 @@
               </a:rPr>
               <a:t>Adobe</a:t>
             </a:r>
-            <a:endParaRPr sz="800">
-              <a:latin typeface="Adobe Clean"/>
-              <a:cs typeface="Adobe Clean"/>
-            </a:endParaRPr>
           </a:p>
           <a:p>
             <a:pPr marL="12700">
@@ -9842,29 +9001,15 @@
               </a:lnSpc>
             </a:pPr>
             <a:r>
-              <a:rPr sz="800" spc="-15" dirty="0">
+              <a:rPr lang="es-ES" sz="800">
                 <a:solidFill>
                   <a:srgbClr val="777879"/>
                 </a:solidFill>
                 <a:latin typeface="Adobe Clean"/>
                 <a:cs typeface="Adobe Clean"/>
               </a:rPr>
-              <a:t>345 </a:t>
+              <a:t>345 Park Avenue</a:t>
             </a:r>
-            <a:r>
-              <a:rPr lang="en-US" sz="800" spc="-15" dirty="0">
-                <a:solidFill>
-                  <a:srgbClr val="777879"/>
-                </a:solidFill>
-                <a:latin typeface="Adobe Clean"/>
-                <a:cs typeface="Adobe Clean"/>
-              </a:rPr>
-              <a:t>Park Avenue</a:t>
-            </a:r>
-            <a:endParaRPr sz="800" dirty="0">
-              <a:latin typeface="Adobe Clean"/>
-              <a:cs typeface="Adobe Clean"/>
-            </a:endParaRPr>
           </a:p>
           <a:p>
             <a:pPr marL="12700">
@@ -9873,49 +9018,15 @@
               </a:lnSpc>
             </a:pPr>
             <a:r>
-              <a:rPr sz="800" spc="-10" dirty="0">
+              <a:rPr lang="es-ES" sz="800">
                 <a:solidFill>
                   <a:srgbClr val="777879"/>
                 </a:solidFill>
                 <a:latin typeface="Adobe Clean"/>
                 <a:cs typeface="Adobe Clean"/>
               </a:rPr>
-              <a:t>San </a:t>
+              <a:t>San José, CA95110-2704</a:t>
             </a:r>
-            <a:r>
-              <a:rPr sz="800" spc="-15" dirty="0">
-                <a:solidFill>
-                  <a:srgbClr val="777879"/>
-                </a:solidFill>
-                <a:latin typeface="Adobe Clean"/>
-                <a:cs typeface="Adobe Clean"/>
-              </a:rPr>
-              <a:t>Jose,</a:t>
-            </a:r>
-            <a:r>
-              <a:rPr sz="800" spc="-140" dirty="0">
-                <a:solidFill>
-                  <a:srgbClr val="777879"/>
-                </a:solidFill>
-                <a:latin typeface="Adobe Clean"/>
-                <a:cs typeface="Adobe Clean"/>
-              </a:rPr>
-              <a:t> </a:t>
-            </a:r>
-            <a:r>
-              <a:rPr sz="800" spc="-20" dirty="0">
-                <a:solidFill>
-                  <a:srgbClr val="777879"/>
-                </a:solidFill>
-                <a:latin typeface="Adobe Clean"/>
-                <a:cs typeface="Adobe Clean"/>
-              </a:rPr>
-              <a:t>CA95110-2704</a:t>
-            </a:r>
-            <a:endParaRPr sz="800">
-              <a:latin typeface="Adobe Clean"/>
-              <a:cs typeface="Adobe Clean"/>
-            </a:endParaRPr>
           </a:p>
           <a:p>
             <a:pPr marL="12700">
@@ -9927,19 +9038,15 @@
               </a:spcBef>
             </a:pPr>
             <a:r>
-              <a:rPr sz="800" spc="-10" dirty="0">
+              <a:rPr lang="es-ES" sz="800">
                 <a:solidFill>
                   <a:srgbClr val="777879"/>
                 </a:solidFill>
                 <a:latin typeface="Adobe Clean"/>
                 <a:cs typeface="Adobe Clean"/>
               </a:rPr>
-              <a:t>USA</a:t>
+              <a:t>EE. UU.</a:t>
             </a:r>
-            <a:endParaRPr sz="800">
-              <a:latin typeface="Adobe Clean"/>
-              <a:cs typeface="Adobe Clean"/>
-            </a:endParaRPr>
           </a:p>
           <a:p>
             <a:pPr marL="12700">
@@ -9951,7 +9058,7 @@
               </a:spcBef>
             </a:pPr>
             <a:r>
-              <a:rPr sz="800" u="sng" spc="-25" dirty="0">
+              <a:rPr lang="es-ES" sz="800" u="sng">
                 <a:solidFill>
                   <a:srgbClr val="5F5F5F"/>
                 </a:solidFill>
@@ -9966,10 +9073,6 @@
               </a:rPr>
               <a:t>www.adobe.com</a:t>
             </a:r>
-            <a:endParaRPr sz="800">
-              <a:latin typeface="Adobe Clean"/>
-              <a:cs typeface="Adobe Clean"/>
-            </a:endParaRPr>
           </a:p>
         </p:txBody>
       </p:sp>
@@ -10144,449 +9247,15 @@
               </a:spcBef>
             </a:pPr>
             <a:r>
-              <a:rPr sz="1100" i="1" spc="-10" dirty="0">
+              <a:rPr lang="es-ES" sz="1100" i="1">
                 <a:solidFill>
                   <a:srgbClr val="777879"/>
                 </a:solidFill>
                 <a:latin typeface="AdobeClean-LightIt"/>
                 <a:cs typeface="AdobeClean-LightIt"/>
               </a:rPr>
-              <a:t>To</a:t>
+              <a:t>Para saber más sobre las ofertas de asistencia de Adobe y el nivel adecuado para usted, póngase en contacto con su administrador de cuentas (NAM) o con su Customer Success Manager (CSM)</a:t>
             </a:r>
-            <a:r>
-              <a:rPr sz="1100" i="1" spc="-50" dirty="0">
-                <a:solidFill>
-                  <a:srgbClr val="777879"/>
-                </a:solidFill>
-                <a:latin typeface="AdobeClean-LightIt"/>
-                <a:cs typeface="AdobeClean-LightIt"/>
-              </a:rPr>
-              <a:t> </a:t>
-            </a:r>
-            <a:r>
-              <a:rPr sz="1100" i="1" spc="-15" dirty="0">
-                <a:solidFill>
-                  <a:srgbClr val="777879"/>
-                </a:solidFill>
-                <a:latin typeface="AdobeClean-LightIt"/>
-                <a:cs typeface="AdobeClean-LightIt"/>
-              </a:rPr>
-              <a:t>learn</a:t>
-            </a:r>
-            <a:r>
-              <a:rPr sz="1100" i="1" spc="-40" dirty="0">
-                <a:solidFill>
-                  <a:srgbClr val="777879"/>
-                </a:solidFill>
-                <a:latin typeface="AdobeClean-LightIt"/>
-                <a:cs typeface="AdobeClean-LightIt"/>
-              </a:rPr>
-              <a:t> </a:t>
-            </a:r>
-            <a:r>
-              <a:rPr sz="1100" i="1" spc="-15" dirty="0">
-                <a:solidFill>
-                  <a:srgbClr val="777879"/>
-                </a:solidFill>
-                <a:latin typeface="AdobeClean-LightIt"/>
-                <a:cs typeface="AdobeClean-LightIt"/>
-              </a:rPr>
-              <a:t>more</a:t>
-            </a:r>
-            <a:r>
-              <a:rPr sz="1100" i="1" spc="-45" dirty="0">
-                <a:solidFill>
-                  <a:srgbClr val="777879"/>
-                </a:solidFill>
-                <a:latin typeface="AdobeClean-LightIt"/>
-                <a:cs typeface="AdobeClean-LightIt"/>
-              </a:rPr>
-              <a:t> </a:t>
-            </a:r>
-            <a:r>
-              <a:rPr sz="1100" i="1" spc="-15" dirty="0">
-                <a:solidFill>
-                  <a:srgbClr val="777879"/>
-                </a:solidFill>
-                <a:latin typeface="AdobeClean-LightIt"/>
-                <a:cs typeface="AdobeClean-LightIt"/>
-              </a:rPr>
-              <a:t>about</a:t>
-            </a:r>
-            <a:r>
-              <a:rPr sz="1100" i="1" spc="-45" dirty="0">
-                <a:solidFill>
-                  <a:srgbClr val="777879"/>
-                </a:solidFill>
-                <a:latin typeface="AdobeClean-LightIt"/>
-                <a:cs typeface="AdobeClean-LightIt"/>
-              </a:rPr>
-              <a:t> </a:t>
-            </a:r>
-            <a:r>
-              <a:rPr sz="1100" i="1" spc="-15" dirty="0">
-                <a:solidFill>
-                  <a:srgbClr val="777879"/>
-                </a:solidFill>
-                <a:latin typeface="AdobeClean-LightIt"/>
-                <a:cs typeface="AdobeClean-LightIt"/>
-              </a:rPr>
-              <a:t>Adobe</a:t>
-            </a:r>
-            <a:r>
-              <a:rPr sz="1100" i="1" spc="-60" dirty="0">
-                <a:solidFill>
-                  <a:srgbClr val="777879"/>
-                </a:solidFill>
-                <a:latin typeface="AdobeClean-LightIt"/>
-                <a:cs typeface="AdobeClean-LightIt"/>
-              </a:rPr>
-              <a:t> </a:t>
-            </a:r>
-            <a:r>
-              <a:rPr sz="1100" i="1" spc="-15" dirty="0">
-                <a:solidFill>
-                  <a:srgbClr val="777879"/>
-                </a:solidFill>
-                <a:latin typeface="AdobeClean-LightIt"/>
-                <a:cs typeface="AdobeClean-LightIt"/>
-              </a:rPr>
-              <a:t>Support</a:t>
-            </a:r>
-            <a:r>
-              <a:rPr lang="en-US" sz="1100" i="1" spc="-15" dirty="0">
-                <a:solidFill>
-                  <a:srgbClr val="777879"/>
-                </a:solidFill>
-                <a:latin typeface="AdobeClean-LightIt"/>
-                <a:cs typeface="AdobeClean-LightIt"/>
-              </a:rPr>
-              <a:t> Offerings</a:t>
-            </a:r>
-            <a:r>
-              <a:rPr sz="1100" i="1" spc="-75" dirty="0">
-                <a:solidFill>
-                  <a:srgbClr val="777879"/>
-                </a:solidFill>
-                <a:latin typeface="AdobeClean-LightIt"/>
-                <a:cs typeface="AdobeClean-LightIt"/>
-              </a:rPr>
-              <a:t> </a:t>
-            </a:r>
-            <a:r>
-              <a:rPr sz="1100" i="1" spc="-15" dirty="0">
-                <a:solidFill>
-                  <a:srgbClr val="777879"/>
-                </a:solidFill>
-                <a:latin typeface="AdobeClean-LightIt"/>
-                <a:cs typeface="AdobeClean-LightIt"/>
-              </a:rPr>
-              <a:t>and</a:t>
-            </a:r>
-            <a:r>
-              <a:rPr sz="1100" i="1" spc="-50" dirty="0">
-                <a:solidFill>
-                  <a:srgbClr val="777879"/>
-                </a:solidFill>
-                <a:latin typeface="AdobeClean-LightIt"/>
-                <a:cs typeface="AdobeClean-LightIt"/>
-              </a:rPr>
-              <a:t> </a:t>
-            </a:r>
-            <a:r>
-              <a:rPr sz="1100" i="1" spc="-15" dirty="0">
-                <a:solidFill>
-                  <a:srgbClr val="777879"/>
-                </a:solidFill>
-                <a:latin typeface="AdobeClean-LightIt"/>
-                <a:cs typeface="AdobeClean-LightIt"/>
-              </a:rPr>
-              <a:t>the</a:t>
-            </a:r>
-            <a:r>
-              <a:rPr sz="1100" i="1" spc="-55" dirty="0">
-                <a:solidFill>
-                  <a:srgbClr val="777879"/>
-                </a:solidFill>
-                <a:latin typeface="AdobeClean-LightIt"/>
-                <a:cs typeface="AdobeClean-LightIt"/>
-              </a:rPr>
-              <a:t> </a:t>
-            </a:r>
-            <a:r>
-              <a:rPr sz="1100" i="1" spc="-15" dirty="0">
-                <a:solidFill>
-                  <a:srgbClr val="777879"/>
-                </a:solidFill>
-                <a:latin typeface="AdobeClean-LightIt"/>
-                <a:cs typeface="AdobeClean-LightIt"/>
-              </a:rPr>
-              <a:t>right</a:t>
-            </a:r>
-            <a:r>
-              <a:rPr sz="1100" i="1" spc="-95" dirty="0">
-                <a:solidFill>
-                  <a:srgbClr val="777879"/>
-                </a:solidFill>
-                <a:latin typeface="AdobeClean-LightIt"/>
-                <a:cs typeface="AdobeClean-LightIt"/>
-              </a:rPr>
-              <a:t> </a:t>
-            </a:r>
-            <a:r>
-              <a:rPr sz="1100" i="1" spc="-15" dirty="0">
-                <a:solidFill>
-                  <a:srgbClr val="777879"/>
-                </a:solidFill>
-                <a:latin typeface="AdobeClean-LightIt"/>
-                <a:cs typeface="AdobeClean-LightIt"/>
-              </a:rPr>
-              <a:t>level</a:t>
-            </a:r>
-            <a:r>
-              <a:rPr sz="1100" i="1" spc="-55" dirty="0">
-                <a:solidFill>
-                  <a:srgbClr val="777879"/>
-                </a:solidFill>
-                <a:latin typeface="AdobeClean-LightIt"/>
-                <a:cs typeface="AdobeClean-LightIt"/>
-              </a:rPr>
-              <a:t> </a:t>
-            </a:r>
-            <a:r>
-              <a:rPr sz="1100" i="1" spc="-15" dirty="0">
-                <a:solidFill>
-                  <a:srgbClr val="777879"/>
-                </a:solidFill>
-                <a:latin typeface="AdobeClean-LightIt"/>
-                <a:cs typeface="AdobeClean-LightIt"/>
-              </a:rPr>
-              <a:t>for</a:t>
-            </a:r>
-            <a:r>
-              <a:rPr sz="1100" i="1" spc="-85" dirty="0">
-                <a:solidFill>
-                  <a:srgbClr val="777879"/>
-                </a:solidFill>
-                <a:latin typeface="AdobeClean-LightIt"/>
-                <a:cs typeface="AdobeClean-LightIt"/>
-              </a:rPr>
-              <a:t> </a:t>
-            </a:r>
-            <a:r>
-              <a:rPr sz="1100" i="1" spc="-15" dirty="0">
-                <a:solidFill>
-                  <a:srgbClr val="777879"/>
-                </a:solidFill>
-                <a:latin typeface="AdobeClean-LightIt"/>
-                <a:cs typeface="AdobeClean-LightIt"/>
-              </a:rPr>
-              <a:t>you,</a:t>
-            </a:r>
-            <a:r>
-              <a:rPr sz="1100" i="1" spc="-65" dirty="0">
-                <a:solidFill>
-                  <a:srgbClr val="777879"/>
-                </a:solidFill>
-                <a:latin typeface="AdobeClean-LightIt"/>
-                <a:cs typeface="AdobeClean-LightIt"/>
-              </a:rPr>
-              <a:t> </a:t>
-            </a:r>
-            <a:r>
-              <a:rPr sz="1100" i="1" spc="-15" dirty="0">
-                <a:solidFill>
-                  <a:srgbClr val="777879"/>
-                </a:solidFill>
-                <a:latin typeface="AdobeClean-LightIt"/>
-                <a:cs typeface="AdobeClean-LightIt"/>
-              </a:rPr>
-              <a:t>contact</a:t>
-            </a:r>
-            <a:r>
-              <a:rPr sz="1100" i="1" spc="-85" dirty="0">
-                <a:solidFill>
-                  <a:srgbClr val="777879"/>
-                </a:solidFill>
-                <a:latin typeface="AdobeClean-LightIt"/>
-                <a:cs typeface="AdobeClean-LightIt"/>
-              </a:rPr>
-              <a:t> </a:t>
-            </a:r>
-            <a:r>
-              <a:rPr sz="1100" i="1" spc="-15" dirty="0">
-                <a:solidFill>
-                  <a:srgbClr val="777879"/>
-                </a:solidFill>
-                <a:latin typeface="AdobeClean-LightIt"/>
-                <a:cs typeface="AdobeClean-LightIt"/>
-              </a:rPr>
-              <a:t>your</a:t>
-            </a:r>
-            <a:r>
-              <a:rPr sz="1100" i="1" spc="-70" dirty="0">
-                <a:solidFill>
-                  <a:srgbClr val="777879"/>
-                </a:solidFill>
-                <a:latin typeface="AdobeClean-LightIt"/>
-                <a:cs typeface="AdobeClean-LightIt"/>
-              </a:rPr>
-              <a:t> </a:t>
-            </a:r>
-            <a:r>
-              <a:rPr sz="1100" i="1" spc="-15" dirty="0">
-                <a:solidFill>
-                  <a:srgbClr val="777879"/>
-                </a:solidFill>
-                <a:latin typeface="AdobeClean-LightIt"/>
-                <a:cs typeface="AdobeClean-LightIt"/>
-              </a:rPr>
-              <a:t>Named</a:t>
-            </a:r>
-            <a:r>
-              <a:rPr sz="1100" i="1" spc="-55" dirty="0">
-                <a:solidFill>
-                  <a:srgbClr val="777879"/>
-                </a:solidFill>
-                <a:latin typeface="AdobeClean-LightIt"/>
-                <a:cs typeface="AdobeClean-LightIt"/>
-              </a:rPr>
-              <a:t> </a:t>
-            </a:r>
-            <a:r>
-              <a:rPr sz="1100" i="1" spc="-25" dirty="0">
-                <a:solidFill>
-                  <a:srgbClr val="777879"/>
-                </a:solidFill>
-                <a:latin typeface="AdobeClean-LightIt"/>
-                <a:cs typeface="AdobeClean-LightIt"/>
-              </a:rPr>
-              <a:t>Account</a:t>
-            </a:r>
-            <a:r>
-              <a:rPr sz="1100" i="1" spc="-120" dirty="0">
-                <a:solidFill>
-                  <a:srgbClr val="777879"/>
-                </a:solidFill>
-                <a:latin typeface="AdobeClean-LightIt"/>
-                <a:cs typeface="AdobeClean-LightIt"/>
-              </a:rPr>
-              <a:t> </a:t>
-            </a:r>
-            <a:r>
-              <a:rPr sz="1100" i="1" spc="-20" dirty="0">
-                <a:solidFill>
-                  <a:srgbClr val="777879"/>
-                </a:solidFill>
-                <a:latin typeface="AdobeClean-LightIt"/>
-                <a:cs typeface="AdobeClean-LightIt"/>
-              </a:rPr>
-              <a:t>Manager</a:t>
-            </a:r>
-            <a:r>
-              <a:rPr lang="en-US" sz="1100" i="1" spc="-20" dirty="0">
-                <a:solidFill>
-                  <a:srgbClr val="777879"/>
-                </a:solidFill>
-                <a:latin typeface="AdobeClean-LightIt"/>
-                <a:cs typeface="AdobeClean-LightIt"/>
-              </a:rPr>
-              <a:t> </a:t>
-            </a:r>
-            <a:r>
-              <a:rPr sz="1100" i="1" spc="-20" dirty="0">
-                <a:solidFill>
-                  <a:srgbClr val="777879"/>
-                </a:solidFill>
-                <a:latin typeface="AdobeClean-LightIt"/>
-                <a:cs typeface="AdobeClean-LightIt"/>
-              </a:rPr>
-              <a:t> </a:t>
-            </a:r>
-            <a:r>
-              <a:rPr sz="1100" i="1" spc="-15" dirty="0">
-                <a:solidFill>
-                  <a:srgbClr val="777879"/>
-                </a:solidFill>
-                <a:latin typeface="AdobeClean-LightIt"/>
-                <a:cs typeface="AdobeClean-LightIt"/>
-              </a:rPr>
-              <a:t>(NAM) </a:t>
-            </a:r>
-            <a:r>
-              <a:rPr sz="1100" i="1" spc="-10" dirty="0">
-                <a:solidFill>
-                  <a:srgbClr val="777879"/>
-                </a:solidFill>
-                <a:latin typeface="AdobeClean-LightIt"/>
-                <a:cs typeface="AdobeClean-LightIt"/>
-              </a:rPr>
-              <a:t>or </a:t>
-            </a:r>
-            <a:r>
-              <a:rPr sz="1100" i="1" spc="-15" dirty="0">
-                <a:solidFill>
-                  <a:srgbClr val="777879"/>
-                </a:solidFill>
-                <a:latin typeface="AdobeClean-LightIt"/>
-                <a:cs typeface="AdobeClean-LightIt"/>
-              </a:rPr>
-              <a:t>Customer </a:t>
-            </a:r>
-            <a:r>
-              <a:rPr sz="1100" i="1" spc="-20" dirty="0">
-                <a:solidFill>
-                  <a:srgbClr val="777879"/>
-                </a:solidFill>
-                <a:latin typeface="AdobeClean-LightIt"/>
-                <a:cs typeface="AdobeClean-LightIt"/>
-              </a:rPr>
-              <a:t>Success</a:t>
-            </a:r>
-            <a:r>
-              <a:rPr lang="en-US" sz="1100" i="1" spc="-20" dirty="0">
-                <a:solidFill>
-                  <a:srgbClr val="777879"/>
-                </a:solidFill>
-                <a:latin typeface="AdobeClean-LightIt"/>
-                <a:cs typeface="AdobeClean-LightIt"/>
-              </a:rPr>
-              <a:t> </a:t>
-            </a:r>
-            <a:r>
-              <a:rPr sz="1100" i="1" spc="-15" dirty="0">
-                <a:solidFill>
-                  <a:srgbClr val="777879"/>
-                </a:solidFill>
-                <a:latin typeface="AdobeClean-LightIt"/>
-                <a:cs typeface="AdobeClean-LightIt"/>
-              </a:rPr>
-              <a:t>Manager</a:t>
-            </a:r>
-            <a:r>
-              <a:rPr lang="en-US" sz="1100" i="1" spc="-15" dirty="0">
-                <a:solidFill>
-                  <a:srgbClr val="777879"/>
-                </a:solidFill>
-                <a:latin typeface="AdobeClean-LightIt"/>
-                <a:cs typeface="AdobeClean-LightIt"/>
-              </a:rPr>
-              <a:t> </a:t>
-            </a:r>
-            <a:r>
-              <a:rPr sz="1100" i="1" spc="-15" dirty="0">
-                <a:solidFill>
-                  <a:srgbClr val="777879"/>
-                </a:solidFill>
-                <a:latin typeface="AdobeClean-LightIt"/>
-                <a:cs typeface="AdobeClean-LightIt"/>
-              </a:rPr>
-              <a:t>(CSM)</a:t>
-            </a:r>
-            <a:endParaRPr sz="1100" dirty="0">
-              <a:latin typeface="AdobeClean-LightIt"/>
-              <a:cs typeface="AdobeClean-LightIt"/>
-            </a:endParaRPr>
           </a:p>
           <a:p>
             <a:pPr marL="34290">
@@ -10598,59 +9267,15 @@
               </a:spcBef>
             </a:pPr>
             <a:r>
-              <a:rPr sz="800" spc="-5" dirty="0">
+              <a:rPr lang="es-ES" sz="800">
                 <a:solidFill>
                   <a:srgbClr val="6D6D6D"/>
                 </a:solidFill>
                 <a:latin typeface="Adobe Clean"/>
                 <a:cs typeface="Adobe Clean"/>
               </a:rPr>
-              <a:t>©202</a:t>
+              <a:t>©2021 Adobe. All Rights Reserved. Adobe Confidential.</a:t>
             </a:r>
-            <a:r>
-              <a:rPr lang="en-US" sz="800" spc="-5" dirty="0">
-                <a:solidFill>
-                  <a:srgbClr val="6D6D6D"/>
-                </a:solidFill>
-                <a:latin typeface="Adobe Clean"/>
-                <a:cs typeface="Adobe Clean"/>
-              </a:rPr>
-              <a:t>1</a:t>
-            </a:r>
-            <a:r>
-              <a:rPr sz="800" spc="-5" dirty="0">
-                <a:solidFill>
-                  <a:srgbClr val="6D6D6D"/>
-                </a:solidFill>
-                <a:latin typeface="Adobe Clean"/>
-                <a:cs typeface="Adobe Clean"/>
-              </a:rPr>
-              <a:t> Adobe. All Rights Reserved. Adobe</a:t>
-            </a:r>
-            <a:r>
-              <a:rPr sz="800" spc="75" dirty="0">
-                <a:solidFill>
-                  <a:srgbClr val="6D6D6D"/>
-                </a:solidFill>
-                <a:latin typeface="Adobe Clean"/>
-                <a:cs typeface="Adobe Clean"/>
-              </a:rPr>
-              <a:t> </a:t>
-            </a:r>
-            <a:r>
-              <a:rPr sz="800" spc="-5" dirty="0">
-                <a:solidFill>
-                  <a:srgbClr val="6D6D6D"/>
-                </a:solidFill>
-                <a:latin typeface="Adobe Clean"/>
-                <a:cs typeface="Adobe Clean"/>
-              </a:rPr>
-              <a:t>Confidential.</a:t>
-            </a:r>
-            <a:endParaRPr sz="800" dirty="0">
-              <a:latin typeface="Adobe Clean"/>
-              <a:cs typeface="Adobe Clean"/>
-            </a:endParaRPr>
           </a:p>
         </p:txBody>
       </p:sp>
@@ -10668,8 +9293,8 @@
         </p:nvSpPr>
         <p:spPr>
           <a:xfrm>
-            <a:off x="171129" y="5057379"/>
-            <a:ext cx="6476646" cy="755976"/>
+            <a:off x="171128" y="5057379"/>
+            <a:ext cx="7144071" cy="755976"/>
           </a:xfrm>
           <a:prstGeom prst="rect">
             <a:avLst/>
@@ -10687,14 +9312,14 @@
               </a:spcBef>
             </a:pPr>
             <a:r>
-              <a:rPr lang="en-US" sz="1400" b="1" spc="-15" dirty="0">
+              <a:rPr lang="es-ES" sz="1400" b="1" dirty="0">
                 <a:solidFill>
                   <a:srgbClr val="020302"/>
                 </a:solidFill>
                 <a:latin typeface="Adobe Clean"/>
                 <a:cs typeface="Adobe Clean"/>
               </a:rPr>
-              <a:t>Regional scope of Adobe Support, Local Hours Of Operation And Language Support</a:t>
+              <a:t>Alcance regional del Soporte de Adobe, horas locales de trabajo y compatibilidad de idioma</a:t>
             </a:r>
           </a:p>
           <a:p>
@@ -10704,13 +9329,13 @@
               </a:spcBef>
             </a:pPr>
             <a:r>
-              <a:rPr lang="en-US" sz="1000" spc="-15" dirty="0">
+              <a:rPr lang="es-ES" sz="1000" dirty="0">
                 <a:solidFill>
                   <a:srgbClr val="1F1F1F"/>
                 </a:solidFill>
                 <a:latin typeface="AdobeClean-Light"/>
               </a:rPr>
-              <a:t>The Regional scope of Adobe Support is established by aligning the customer's billing address (via the Sales Order or other Adobe Support purchasing document) to one of the following regions:</a:t>
+              <a:t>El alcance regional del Soporte de Adobe se establece asignando la dirección de facturación del cliente (mediante la orden de venta o el documento de compra de Soporte de Adobe) con una de estas regiones:</a:t>
             </a:r>
           </a:p>
         </p:txBody>
@@ -10730,7 +9355,7 @@
           <p:nvPr>
             <p:extLst>
               <p:ext uri="{D42A27DB-BD31-4B8C-83A1-F6EECF244321}">
-                <p14:modId xmlns:p14="http://schemas.microsoft.com/office/powerpoint/2010/main" val="2846210228"/>
+                <p14:modId xmlns:p14="http://schemas.microsoft.com/office/powerpoint/2010/main" val="1808621891"/>
               </p:ext>
             </p:extLst>
           </p:nvPr>
@@ -10783,13 +9408,13 @@
                     <a:p>
                       <a:pPr algn="ctr"/>
                       <a:r>
-                        <a:rPr lang="en-US" sz="1100" dirty="0">
+                        <a:rPr lang="es-ES" sz="1100">
                           <a:solidFill>
                             <a:schemeClr val="tx1"/>
                           </a:solidFill>
                           <a:latin typeface="Adobe Clean" panose="020B0503020404020204" pitchFamily="34" charset="0"/>
                         </a:rPr>
-                        <a:t>Americas</a:t>
+                        <a:t>América</a:t>
                       </a:r>
                     </a:p>
                   </a:txBody>
@@ -10848,78 +9473,30 @@
                     <a:p>
                       <a:pPr algn="ctr"/>
                       <a:r>
-                        <a:rPr lang="en-US" sz="1100" dirty="0">
+                        <a:rPr lang="es-ES" sz="1100" dirty="0">
                           <a:solidFill>
                             <a:schemeClr val="tx1"/>
                           </a:solidFill>
                           <a:latin typeface="Adobe Clean" panose="020B0503020404020204" pitchFamily="34" charset="0"/>
                         </a:rPr>
-                        <a:t>Europe, Middle East &amp; Africa</a:t>
+                        <a:t>Europa, Oriente Medio </a:t>
                       </a:r>
-                    </a:p>
-                  </a:txBody>
-                  <a:tcPr anchor="ctr">
-                    <a:lnL w="12700" cap="flat" cmpd="sng" algn="ctr">
-                      <a:solidFill>
-                        <a:schemeClr val="bg1">
-                          <a:lumMod val="85000"/>
-                        </a:schemeClr>
-                      </a:solidFill>
-                      <a:prstDash val="solid"/>
-                      <a:round/>
-                      <a:headEnd type="none" w="med" len="med"/>
-                      <a:tailEnd type="none" w="med" len="med"/>
-                    </a:lnL>
-                    <a:lnR w="12700" cap="flat" cmpd="sng" algn="ctr">
-                      <a:solidFill>
-                        <a:schemeClr val="bg1">
-                          <a:lumMod val="85000"/>
-                        </a:schemeClr>
-                      </a:solidFill>
-                      <a:prstDash val="solid"/>
-                      <a:round/>
-                      <a:headEnd type="none" w="med" len="med"/>
-                      <a:tailEnd type="none" w="med" len="med"/>
-                    </a:lnR>
-                    <a:lnT w="12700" cap="flat" cmpd="sng" algn="ctr">
-                      <a:solidFill>
-                        <a:schemeClr val="bg1">
-                          <a:lumMod val="85000"/>
-                        </a:schemeClr>
-                      </a:solidFill>
-                      <a:prstDash val="solid"/>
-                      <a:round/>
-                      <a:headEnd type="none" w="med" len="med"/>
-                      <a:tailEnd type="none" w="med" len="med"/>
-                    </a:lnT>
-                    <a:lnB w="12700" cap="flat" cmpd="sng" algn="ctr">
-                      <a:solidFill>
-                        <a:schemeClr val="bg1">
-                          <a:lumMod val="85000"/>
-                        </a:schemeClr>
-                      </a:solidFill>
-                      <a:prstDash val="solid"/>
-                      <a:round/>
-                      <a:headEnd type="none" w="med" len="med"/>
-                      <a:tailEnd type="none" w="med" len="med"/>
-                    </a:lnB>
-                    <a:noFill/>
-                  </a:tcPr>
-                </a:tc>
-                <a:tc>
-                  <a:txBody>
-                    <a:bodyPr/>
-                    <a:lstStyle/>
-                    <a:p>
-                      <a:pPr algn="ctr"/>
-                      <a:r>
-                        <a:rPr lang="en-US" sz="1100" dirty="0">
+                      <a:br>
+                        <a:rPr lang="es-ES" sz="1100" dirty="0">
                           <a:solidFill>
                             <a:schemeClr val="tx1"/>
                           </a:solidFill>
                           <a:latin typeface="Adobe Clean" panose="020B0503020404020204" pitchFamily="34" charset="0"/>
                         </a:rPr>
-                        <a:t>Asia Pacific</a:t>
+                      </a:br>
+                      <a:r>
+                        <a:rPr lang="es-ES" sz="1100" dirty="0">
+                          <a:solidFill>
+                            <a:schemeClr val="tx1"/>
+                          </a:solidFill>
+                          <a:latin typeface="Adobe Clean" panose="020B0503020404020204" pitchFamily="34" charset="0"/>
+                        </a:rPr>
+                        <a:t>y África</a:t>
                       </a:r>
                     </a:p>
                   </a:txBody>
@@ -10978,16 +9555,81 @@
                     <a:p>
                       <a:pPr algn="ctr"/>
                       <a:r>
-                        <a:rPr lang="en-US" sz="1100" dirty="0">
+                        <a:rPr lang="es-ES" sz="1100">
+                          <a:solidFill>
+                            <a:schemeClr val="tx1"/>
+                          </a:solidFill>
+                          <a:latin typeface="Adobe Clean" panose="020B0503020404020204" pitchFamily="34" charset="0"/>
+                        </a:rPr>
+                        <a:t>Asia-Pacífico</a:t>
+                      </a:r>
+                    </a:p>
+                  </a:txBody>
+                  <a:tcPr anchor="ctr">
+                    <a:lnL w="12700" cap="flat" cmpd="sng" algn="ctr">
+                      <a:solidFill>
+                        <a:schemeClr val="bg1">
+                          <a:lumMod val="85000"/>
+                        </a:schemeClr>
+                      </a:solidFill>
+                      <a:prstDash val="solid"/>
+                      <a:round/>
+                      <a:headEnd type="none" w="med" len="med"/>
+                      <a:tailEnd type="none" w="med" len="med"/>
+                    </a:lnL>
+                    <a:lnR w="12700" cap="flat" cmpd="sng" algn="ctr">
+                      <a:solidFill>
+                        <a:schemeClr val="bg1">
+                          <a:lumMod val="85000"/>
+                        </a:schemeClr>
+                      </a:solidFill>
+                      <a:prstDash val="solid"/>
+                      <a:round/>
+                      <a:headEnd type="none" w="med" len="med"/>
+                      <a:tailEnd type="none" w="med" len="med"/>
+                    </a:lnR>
+                    <a:lnT w="12700" cap="flat" cmpd="sng" algn="ctr">
+                      <a:solidFill>
+                        <a:schemeClr val="bg1">
+                          <a:lumMod val="85000"/>
+                        </a:schemeClr>
+                      </a:solidFill>
+                      <a:prstDash val="solid"/>
+                      <a:round/>
+                      <a:headEnd type="none" w="med" len="med"/>
+                      <a:tailEnd type="none" w="med" len="med"/>
+                    </a:lnT>
+                    <a:lnB w="12700" cap="flat" cmpd="sng" algn="ctr">
+                      <a:solidFill>
+                        <a:schemeClr val="bg1">
+                          <a:lumMod val="85000"/>
+                        </a:schemeClr>
+                      </a:solidFill>
+                      <a:prstDash val="solid"/>
+                      <a:round/>
+                      <a:headEnd type="none" w="med" len="med"/>
+                      <a:tailEnd type="none" w="med" len="med"/>
+                    </a:lnB>
+                    <a:noFill/>
+                  </a:tcPr>
+                </a:tc>
+                <a:tc>
+                  <a:txBody>
+                    <a:bodyPr/>
+                    <a:lstStyle/>
+                    <a:p>
+                      <a:pPr algn="ctr"/>
+                      <a:r>
+                        <a:rPr lang="es-ES" sz="1100">
                           <a:solidFill>
                             <a:schemeClr val="tx1"/>
                           </a:solidFill>
                           <a:latin typeface="Adobe Clean"/>
                         </a:rPr>
-                        <a:t>Japan </a:t>
+                        <a:t>Japón </a:t>
                       </a:r>
                       <a:r>
-                        <a:rPr lang="en-US" sz="1100" baseline="30000" dirty="0">
+                        <a:rPr lang="es-ES" sz="1100" baseline="30000">
                           <a:solidFill>
                             <a:schemeClr val="tx1"/>
                           </a:solidFill>
@@ -10995,12 +9637,6 @@
                         </a:rPr>
                         <a:t>1 </a:t>
                       </a:r>
-                      <a:endParaRPr lang="en-US" sz="1100" dirty="0">
-                        <a:solidFill>
-                          <a:schemeClr val="tx1"/>
-                        </a:solidFill>
-                        <a:latin typeface="Adobe Clean" panose="020B0503020404020204" pitchFamily="34" charset="0"/>
-                      </a:endParaRPr>
                     </a:p>
                   </a:txBody>
                   <a:tcPr anchor="ctr">
@@ -11065,13 +9701,13 @@
                     <a:p>
                       <a:pPr algn="ctr"/>
                       <a:r>
-                        <a:rPr lang="en-US" sz="1100" dirty="0">
+                        <a:rPr lang="es-ES" sz="1100">
                           <a:solidFill>
                             <a:schemeClr val="tx1"/>
                           </a:solidFill>
                           <a:latin typeface="Adobe Clean" panose="020B0503020404020204" pitchFamily="34" charset="0"/>
                         </a:rPr>
-                        <a:t>6 am – 5:30 pm</a:t>
+                        <a:t>06:00 h - 17:30 h</a:t>
                       </a:r>
                     </a:p>
                   </a:txBody>
@@ -11130,13 +9766,13 @@
                     <a:p>
                       <a:pPr algn="ctr"/>
                       <a:r>
-                        <a:rPr lang="en-US" sz="1100" dirty="0">
+                        <a:rPr lang="es-ES" sz="1100" dirty="0">
                           <a:solidFill>
                             <a:schemeClr val="tx1"/>
                           </a:solidFill>
                           <a:latin typeface="Adobe Clean" panose="020B0503020404020204" pitchFamily="34" charset="0"/>
                         </a:rPr>
-                        <a:t>9 am – 5 pm</a:t>
+                        <a:t>09:00 h - 17:00 h</a:t>
                       </a:r>
                     </a:p>
                   </a:txBody>
@@ -11195,13 +9831,13 @@
                     <a:p>
                       <a:pPr algn="ctr"/>
                       <a:r>
-                        <a:rPr lang="en-US" sz="1100" dirty="0">
+                        <a:rPr lang="es-ES" sz="1100">
                           <a:solidFill>
                             <a:schemeClr val="tx1"/>
                           </a:solidFill>
                           <a:latin typeface="Adobe Clean" panose="020B0503020404020204" pitchFamily="34" charset="0"/>
                         </a:rPr>
-                        <a:t>9 am – 5 pm</a:t>
+                        <a:t>09:00 h - 17:00 h</a:t>
                       </a:r>
                     </a:p>
                   </a:txBody>
@@ -11260,13 +9896,13 @@
                     <a:p>
                       <a:pPr algn="ctr"/>
                       <a:r>
-                        <a:rPr lang="en-US" sz="1100" dirty="0">
+                        <a:rPr lang="es-ES" sz="1100">
                           <a:solidFill>
                             <a:schemeClr val="tx1"/>
                           </a:solidFill>
                           <a:latin typeface="Adobe Clean" panose="020B0503020404020204" pitchFamily="34" charset="0"/>
                         </a:rPr>
-                        <a:t>9 am – 5:30 pm</a:t>
+                        <a:t>09:00 h - 17:30 h</a:t>
                       </a:r>
                     </a:p>
                   </a:txBody>
@@ -11346,20 +9982,14 @@
                         <a:buNone/>
                       </a:pPr>
                       <a:r>
-                        <a:rPr lang="en-US" sz="1100" dirty="0">
+                        <a:rPr lang="es-ES" sz="1100" dirty="0">
                           <a:solidFill>
                             <a:schemeClr val="tx1"/>
                           </a:solidFill>
                           <a:latin typeface="Adobe Clean"/>
                         </a:rPr>
-                        <a:t>Language support is only available in English and Japanese.</a:t>
+                        <a:t>Compatibilidad de idioma solo disponible en inglés y japonés</a:t>
                       </a:r>
-                      <a:endParaRPr lang="en-US" sz="1100" dirty="0">
-                        <a:solidFill>
-                          <a:schemeClr val="tx1"/>
-                        </a:solidFill>
-                        <a:latin typeface="Adobe Clean" panose="020B0503020404020204" pitchFamily="34" charset="0"/>
-                      </a:endParaRPr>
                     </a:p>
                     <a:p>
                       <a:pPr marL="0" marR="0" lvl="0" indent="0" algn="ctr" defTabSz="914400" eaLnBrk="1" fontAlgn="auto" latinLnBrk="0" hangingPunct="1">
@@ -11380,17 +10010,17 @@
                         <a:defRPr/>
                       </a:pPr>
                       <a:r>
-                        <a:rPr lang="en-US" sz="1100" i="1" dirty="0">
+                        <a:rPr lang="es-ES" sz="1100" i="1" dirty="0">
                           <a:solidFill>
                             <a:schemeClr val="tx1"/>
                           </a:solidFill>
                           <a:latin typeface="Adobe Clean"/>
                         </a:rPr>
-                        <a:t>*Adobe Commerce excludes Japanese language support.</a:t>
+                        <a:t>*Adobe Commerce no incluye soporte en japonés.</a:t>
                       </a:r>
                     </a:p>
                     <a:p>
-                      <a:pPr algn="ctr"/>
+                      <a:pPr algn="l" rtl="0"/>
                       <a:endParaRPr kumimoji="0" lang="en-US" sz="1100" b="1" i="0" u="none" strike="noStrike" kern="0" cap="none" spc="0" normalizeH="0" baseline="30000" noProof="0" dirty="0">
                         <a:ln>
                           <a:noFill/>
@@ -11409,7 +10039,7 @@
                     <a:p>
                       <a:pPr algn="ctr"/>
                       <a:r>
-                        <a:rPr lang="en-US" sz="1100" i="0" dirty="0">
+                        <a:rPr lang="es-ES" sz="1100" i="0" dirty="0">
                           <a:solidFill>
                             <a:schemeClr val="tx1"/>
                           </a:solidFill>
@@ -11418,7 +10048,7 @@
                         <a:t> </a:t>
                       </a:r>
                       <a:r>
-                        <a:rPr lang="en-US" sz="1100" i="0" baseline="30000" dirty="0">
+                        <a:rPr lang="es-ES" sz="1100" i="0" baseline="30000" dirty="0">
                           <a:solidFill>
                             <a:schemeClr val="tx1"/>
                           </a:solidFill>
@@ -11427,23 +10057,17 @@
                         <a:t>1 </a:t>
                       </a:r>
                       <a:r>
-                        <a:rPr lang="en-US" sz="1100" i="0" dirty="0">
+                        <a:rPr lang="es-ES" sz="1100" i="0" dirty="0">
                           <a:solidFill>
                             <a:schemeClr val="tx1"/>
                           </a:solidFill>
                           <a:latin typeface="Adobe Clean"/>
                         </a:rPr>
-                        <a:t>P2, P3, P4 cases are limited to business hours only in Japan.</a:t>
+                        <a:t>Los casos de P2, P3, P4 se limitan únicamente al horario laboral en Japón.</a:t>
                       </a:r>
-                      <a:endParaRPr lang="en-US" sz="1100" b="1" i="0" dirty="0">
-                        <a:solidFill>
-                          <a:schemeClr val="tx1"/>
-                        </a:solidFill>
-                        <a:latin typeface="Adobe Clean"/>
-                      </a:endParaRPr>
-                    </a:p>
-                    <a:p>
-                      <a:pPr algn="ctr"/>
+                    </a:p>
+                    <a:p>
+                      <a:pPr algn="l" rtl="0"/>
                       <a:endParaRPr lang="en-US" sz="1100" dirty="0">
                         <a:solidFill>
                           <a:schemeClr val="tx1"/>
@@ -11804,7 +10428,7 @@
           </a:bodyPr>
           <a:lstStyle/>
           <a:p>
-            <a:pPr marL="139065" marR="5080" indent="-139065">
+            <a:pPr marR="5080" algn="ctr">
               <a:lnSpc>
                 <a:spcPts val="1390"/>
               </a:lnSpc>
@@ -11813,129 +10437,15 @@
               </a:spcBef>
             </a:pPr>
             <a:r>
-              <a:rPr sz="1200" b="1" spc="-15" dirty="0">
+              <a:rPr lang="es-ES" sz="1200" b="1" dirty="0">
                 <a:solidFill>
                   <a:srgbClr val="FFFFFF"/>
                 </a:solidFill>
                 <a:latin typeface="Adobe Clean"/>
                 <a:cs typeface="Adobe Clean"/>
               </a:rPr>
-              <a:t>U</a:t>
+              <a:t>Experiencia sin igual</a:t>
             </a:r>
-            <a:r>
-              <a:rPr sz="1200" b="1" spc="-20" dirty="0">
-                <a:solidFill>
-                  <a:srgbClr val="FFFFFF"/>
-                </a:solidFill>
-                <a:latin typeface="Adobe Clean"/>
-                <a:cs typeface="Adobe Clean"/>
-              </a:rPr>
-              <a:t>n</a:t>
-            </a:r>
-            <a:r>
-              <a:rPr sz="1200" b="1" spc="-25" dirty="0">
-                <a:solidFill>
-                  <a:srgbClr val="FFFFFF"/>
-                </a:solidFill>
-                <a:latin typeface="Adobe Clean"/>
-                <a:cs typeface="Adobe Clean"/>
-              </a:rPr>
-              <a:t>p</a:t>
-            </a:r>
-            <a:r>
-              <a:rPr sz="1200" b="1" spc="-15" dirty="0">
-                <a:solidFill>
-                  <a:srgbClr val="FFFFFF"/>
-                </a:solidFill>
-                <a:latin typeface="Adobe Clean"/>
-                <a:cs typeface="Adobe Clean"/>
-              </a:rPr>
-              <a:t>a</a:t>
-            </a:r>
-            <a:r>
-              <a:rPr sz="1200" b="1" spc="-25" dirty="0">
-                <a:solidFill>
-                  <a:srgbClr val="FFFFFF"/>
-                </a:solidFill>
-                <a:latin typeface="Adobe Clean"/>
-                <a:cs typeface="Adobe Clean"/>
-              </a:rPr>
-              <a:t>r</a:t>
-            </a:r>
-            <a:r>
-              <a:rPr sz="1200" b="1" spc="-15" dirty="0">
-                <a:solidFill>
-                  <a:srgbClr val="FFFFFF"/>
-                </a:solidFill>
-                <a:latin typeface="Adobe Clean"/>
-                <a:cs typeface="Adobe Clean"/>
-              </a:rPr>
-              <a:t>a</a:t>
-            </a:r>
-            <a:r>
-              <a:rPr sz="1200" b="1" spc="-30" dirty="0">
-                <a:solidFill>
-                  <a:srgbClr val="FFFFFF"/>
-                </a:solidFill>
-                <a:latin typeface="Adobe Clean"/>
-                <a:cs typeface="Adobe Clean"/>
-              </a:rPr>
-              <a:t>ll</a:t>
-            </a:r>
-            <a:r>
-              <a:rPr sz="1200" b="1" spc="-25" dirty="0">
-                <a:solidFill>
-                  <a:srgbClr val="FFFFFF"/>
-                </a:solidFill>
-                <a:latin typeface="Adobe Clean"/>
-                <a:cs typeface="Adobe Clean"/>
-              </a:rPr>
-              <a:t>e</a:t>
-            </a:r>
-            <a:r>
-              <a:rPr sz="1200" b="1" spc="-30" dirty="0">
-                <a:solidFill>
-                  <a:srgbClr val="FFFFFF"/>
-                </a:solidFill>
-                <a:latin typeface="Adobe Clean"/>
-                <a:cs typeface="Adobe Clean"/>
-              </a:rPr>
-              <a:t>l</a:t>
-            </a:r>
-            <a:r>
-              <a:rPr sz="1200" b="1" spc="-25" dirty="0">
-                <a:solidFill>
-                  <a:srgbClr val="FFFFFF"/>
-                </a:solidFill>
-                <a:latin typeface="Adobe Clean"/>
-                <a:cs typeface="Adobe Clean"/>
-              </a:rPr>
-              <a:t>e</a:t>
-            </a:r>
-            <a:r>
-              <a:rPr sz="1200" b="1" dirty="0">
-                <a:solidFill>
-                  <a:srgbClr val="FFFFFF"/>
-                </a:solidFill>
-                <a:latin typeface="Adobe Clean"/>
-                <a:cs typeface="Adobe Clean"/>
-              </a:rPr>
-              <a:t>d  </a:t>
-            </a:r>
-            <a:r>
-              <a:rPr sz="1200" b="1" spc="-25" dirty="0">
-                <a:solidFill>
-                  <a:srgbClr val="FFFFFF"/>
-                </a:solidFill>
-                <a:latin typeface="Adobe Clean"/>
-                <a:cs typeface="Adobe Clean"/>
-              </a:rPr>
-              <a:t>Expertise</a:t>
-            </a:r>
-            <a:endParaRPr sz="1200" dirty="0">
-              <a:latin typeface="Adobe Clean"/>
-              <a:cs typeface="Adobe Clean"/>
-            </a:endParaRPr>
           </a:p>
         </p:txBody>
       </p:sp>
@@ -11966,7 +10476,7 @@
           </a:bodyPr>
           <a:lstStyle/>
           <a:p>
-            <a:pPr marL="139065" marR="5080" indent="-139065">
+            <a:pPr marR="5080" algn="ctr">
               <a:lnSpc>
                 <a:spcPts val="1390"/>
               </a:lnSpc>
@@ -11975,19 +10485,15 @@
               </a:spcBef>
             </a:pPr>
             <a:r>
-              <a:rPr lang="en-US" sz="1200" b="1" spc="-15" dirty="0">
+              <a:rPr lang="es-ES" sz="1200" b="1" dirty="0">
                 <a:solidFill>
                   <a:srgbClr val="FFFFFF"/>
                 </a:solidFill>
                 <a:latin typeface="Adobe Clean"/>
                 <a:cs typeface="Adobe Clean"/>
               </a:rPr>
-              <a:t>Accelerated Support</a:t>
+              <a:t>Asistencia ágil</a:t>
             </a:r>
-            <a:endParaRPr sz="1200" dirty="0">
-              <a:latin typeface="Adobe Clean"/>
-              <a:cs typeface="Adobe Clean"/>
-            </a:endParaRPr>
           </a:p>
         </p:txBody>
       </p:sp>
@@ -12005,8 +10511,8 @@
         </p:nvSpPr>
         <p:spPr>
           <a:xfrm>
-            <a:off x="6624119" y="8543943"/>
-            <a:ext cx="510540" cy="385445"/>
+            <a:off x="6553200" y="8543943"/>
+            <a:ext cx="810895" cy="385445"/>
           </a:xfrm>
           <a:prstGeom prst="rect">
             <a:avLst/>
@@ -12018,7 +10524,7 @@
           </a:bodyPr>
           <a:lstStyle/>
           <a:p>
-            <a:pPr marL="50800" marR="5080" indent="-51435">
+            <a:pPr marR="5080" algn="ctr">
               <a:lnSpc>
                 <a:spcPts val="1390"/>
               </a:lnSpc>
@@ -12027,109 +10533,15 @@
               </a:spcBef>
             </a:pPr>
             <a:r>
-              <a:rPr sz="1200" b="1" spc="-50" dirty="0">
+              <a:rPr lang="es-ES" sz="1200" b="1" dirty="0">
                 <a:solidFill>
                   <a:srgbClr val="FFFFFF"/>
                 </a:solidFill>
                 <a:latin typeface="Adobe Clean"/>
                 <a:cs typeface="Adobe Clean"/>
               </a:rPr>
-              <a:t>S</a:t>
+              <a:t>Asesoría estratégica</a:t>
             </a:r>
-            <a:r>
-              <a:rPr sz="1200" b="1" spc="-20" dirty="0">
-                <a:solidFill>
-                  <a:srgbClr val="FFFFFF"/>
-                </a:solidFill>
-                <a:latin typeface="Adobe Clean"/>
-                <a:cs typeface="Adobe Clean"/>
-              </a:rPr>
-              <a:t>t</a:t>
-            </a:r>
-            <a:r>
-              <a:rPr sz="1200" b="1" spc="-75" dirty="0">
-                <a:solidFill>
-                  <a:srgbClr val="FFFFFF"/>
-                </a:solidFill>
-                <a:latin typeface="Adobe Clean"/>
-                <a:cs typeface="Adobe Clean"/>
-              </a:rPr>
-              <a:t>r</a:t>
-            </a:r>
-            <a:r>
-              <a:rPr sz="1200" b="1" spc="-90" dirty="0">
-                <a:solidFill>
-                  <a:srgbClr val="FFFFFF"/>
-                </a:solidFill>
-                <a:latin typeface="Adobe Clean"/>
-                <a:cs typeface="Adobe Clean"/>
-              </a:rPr>
-              <a:t>a</a:t>
-            </a:r>
-            <a:r>
-              <a:rPr sz="1200" b="1" spc="-55" dirty="0">
-                <a:solidFill>
-                  <a:srgbClr val="FFFFFF"/>
-                </a:solidFill>
-                <a:latin typeface="Adobe Clean"/>
-                <a:cs typeface="Adobe Clean"/>
-              </a:rPr>
-              <a:t>t</a:t>
-            </a:r>
-            <a:r>
-              <a:rPr sz="1200" b="1" spc="-100" dirty="0">
-                <a:solidFill>
-                  <a:srgbClr val="FFFFFF"/>
-                </a:solidFill>
-                <a:latin typeface="Adobe Clean"/>
-                <a:cs typeface="Adobe Clean"/>
-              </a:rPr>
-              <a:t>e</a:t>
-            </a:r>
-            <a:r>
-              <a:rPr sz="1200" b="1" spc="-80" dirty="0">
-                <a:solidFill>
-                  <a:srgbClr val="FFFFFF"/>
-                </a:solidFill>
-                <a:latin typeface="Adobe Clean"/>
-                <a:cs typeface="Adobe Clean"/>
-              </a:rPr>
-              <a:t>g</a:t>
-            </a:r>
-            <a:r>
-              <a:rPr sz="1200" b="1" spc="-35" dirty="0">
-                <a:solidFill>
-                  <a:srgbClr val="FFFFFF"/>
-                </a:solidFill>
-                <a:latin typeface="Adobe Clean"/>
-                <a:cs typeface="Adobe Clean"/>
-              </a:rPr>
-              <a:t>i</a:t>
-            </a:r>
-            <a:r>
-              <a:rPr sz="1200" b="1" dirty="0">
-                <a:solidFill>
-                  <a:srgbClr val="FFFFFF"/>
-                </a:solidFill>
-                <a:latin typeface="Adobe Clean"/>
-                <a:cs typeface="Adobe Clean"/>
-              </a:rPr>
-              <a:t>c  </a:t>
-            </a:r>
-            <a:r>
-              <a:rPr sz="1200" b="1" spc="-45" dirty="0">
-                <a:solidFill>
-                  <a:srgbClr val="FFFFFF"/>
-                </a:solidFill>
-                <a:latin typeface="Adobe Clean"/>
-                <a:cs typeface="Adobe Clean"/>
-              </a:rPr>
-              <a:t>Advice</a:t>
-            </a:r>
-            <a:endParaRPr sz="1200" dirty="0">
-              <a:latin typeface="Adobe Clean"/>
-              <a:cs typeface="Adobe Clean"/>
-            </a:endParaRPr>
           </a:p>
         </p:txBody>
       </p:sp>
@@ -12155,7 +10567,7 @@
         </p:nvGraphicFramePr>
         <p:xfrm>
           <a:off x="194236" y="1059345"/>
-          <a:ext cx="7368291" cy="3235960"/>
+          <a:ext cx="7368291" cy="3388360"/>
         </p:xfrm>
         <a:graphic>
           <a:graphicData uri="http://schemas.openxmlformats.org/drawingml/2006/table">
@@ -12186,7 +10598,7 @@
                     <a:lstStyle/>
                     <a:p>
                       <a:r>
-                        <a:rPr lang="en-US" sz="1100" b="0" dirty="0">
+                        <a:rPr lang="es-ES" sz="1100" b="0" dirty="0" err="1">
                           <a:solidFill>
                             <a:schemeClr val="tx1"/>
                           </a:solidFill>
@@ -12195,16 +10607,20 @@
                           <a:cs typeface="+mn-cs"/>
                           <a:hlinkClick r:id="rId7"/>
                         </a:rPr>
-                        <a:t>Experience League</a:t>
+                        <a:t>Experience</a:t>
                       </a:r>
-                      <a:endParaRPr lang="en-US" sz="1100" b="0" dirty="0">
-                        <a:solidFill>
-                          <a:schemeClr val="tx1"/>
-                        </a:solidFill>
-                        <a:latin typeface="Adobe Clean" panose="020B0503020404020204" pitchFamily="34" charset="0"/>
-                        <a:ea typeface="+mn-ea"/>
-                        <a:cs typeface="+mn-cs"/>
-                      </a:endParaRPr>
+                      <a:r>
+                        <a:rPr lang="es-ES" sz="1100" b="0" dirty="0">
+                          <a:solidFill>
+                            <a:schemeClr val="tx1"/>
+                          </a:solidFill>
+                          <a:latin typeface="Adobe Clean" panose="020B0503020404020204" pitchFamily="34" charset="0"/>
+                          <a:ea typeface="+mn-ea"/>
+                          <a:cs typeface="+mn-cs"/>
+                          <a:hlinkClick r:id="rId7"/>
+                        </a:rPr>
+                        <a:t> League</a:t>
+                      </a:r>
                     </a:p>
                   </a:txBody>
                   <a:tcPr marL="47625" marR="47625" marT="0" marB="0" anchor="ctr">
@@ -12278,7 +10694,7 @@
                         <a:defRPr/>
                       </a:pPr>
                       <a:r>
-                        <a:rPr lang="en-US" sz="1000" b="0" kern="1200" dirty="0">
+                        <a:rPr lang="es-ES" sz="1000" b="0" dirty="0" err="1">
                           <a:solidFill>
                             <a:srgbClr val="000000"/>
                           </a:solidFill>
@@ -12286,7 +10702,18 @@
                           <a:ea typeface="+mn-ea"/>
                           <a:cs typeface="+mn-cs"/>
                         </a:rPr>
-                        <a:t>Experience League is how Adobe helps businesses achieve the value they expect from their Adobe investment. It’s the unified place where customers can learn, connect, and grow along a personalized path to success that includes self-help tutorials, product documentation, instructor-led training, community and technical support. </a:t>
+                        <a:t>Experience</a:t>
+                      </a:r>
+                      <a:r>
+                        <a:rPr lang="es-ES" sz="1000" b="0" dirty="0">
+                          <a:solidFill>
+                            <a:srgbClr val="000000"/>
+                          </a:solidFill>
+                          <a:latin typeface="Adobe Clean Light" panose="020B0303020404020204" pitchFamily="34" charset="0"/>
+                          <a:ea typeface="+mn-ea"/>
+                          <a:cs typeface="+mn-cs"/>
+                        </a:rPr>
+                        <a:t> League permite a Adobe ayudar a las empresas a alcanzar el valor que esperan de su inversión en Adobe. Es el lugar unificado en el que los clientes pueden aprender, dialogar y crecer siguiendo un camino personalizado hacia el éxito que incluye tutoriales de autoayuda, documentación de productos, formación dirigida por instructores, y asistencia técnica y comunitaria. </a:t>
                       </a:r>
                     </a:p>
                   </a:txBody>
@@ -12368,39 +10795,28 @@
                         <a:defRPr/>
                       </a:pPr>
                       <a:r>
-                        <a:rPr lang="en-US" sz="1100" dirty="0">
+                        <a:rPr lang="es-ES" sz="1100">
                           <a:solidFill>
                             <a:schemeClr val="dk1"/>
                           </a:solidFill>
-                          <a:effectLst/>
                           <a:latin typeface="Adobe Clean" panose="020B0503020404020204" pitchFamily="34" charset="0"/>
                           <a:ea typeface="+mn-ea"/>
                           <a:cs typeface="+mn-cs"/>
                           <a:hlinkClick r:id="rId8"/>
                         </a:rPr>
-                        <a:t>Training</a:t>
+                        <a:t>Formación</a:t>
                       </a:r>
                       <a:r>
-                        <a:rPr lang="en-US" sz="1100" dirty="0">
+                        <a:rPr lang="es-ES" sz="1100">
                           <a:solidFill>
                             <a:schemeClr val="dk1"/>
                           </a:solidFill>
-                          <a:effectLst/>
                           <a:latin typeface="Adobe Clean" panose="020B0503020404020204" pitchFamily="34" charset="0"/>
                           <a:ea typeface="+mn-ea"/>
                           <a:cs typeface="+mn-cs"/>
                         </a:rPr>
                         <a:t> </a:t>
                       </a:r>
-                      <a:endParaRPr lang="en-US" sz="1100" dirty="0">
-                        <a:solidFill>
-                          <a:schemeClr val="tx1"/>
-                        </a:solidFill>
-                        <a:effectLst/>
-                        <a:latin typeface="Adobe Clean" panose="020B0503020404020204" pitchFamily="34" charset="0"/>
-                        <a:ea typeface="+mn-ea"/>
-                        <a:cs typeface="+mn-cs"/>
-                      </a:endParaRPr>
                     </a:p>
                   </a:txBody>
                   <a:tcPr anchor="ctr">
@@ -12474,7 +10890,7 @@
                         <a:defRPr/>
                       </a:pPr>
                       <a:r>
-                        <a:rPr lang="en-US" sz="1000" kern="1200" dirty="0">
+                        <a:rPr lang="es-ES" sz="1000" dirty="0">
                           <a:solidFill>
                             <a:srgbClr val="000000"/>
                           </a:solidFill>
@@ -12482,7 +10898,73 @@
                           <a:ea typeface="+mn-ea"/>
                           <a:cs typeface="+mn-cs"/>
                         </a:rPr>
-                        <a:t>Adobe Digital Learning Services courses are accessible from Experience League. Learning courses integrate both on-demand and instructor-led lessons.  Here you can accrue skills that have recognized market value and position them to drive success in your organizations.</a:t>
+                        <a:t>Puede acceder a los cursos de Adobe Digital </a:t>
+                      </a:r>
+                      <a:r>
+                        <a:rPr lang="es-ES" sz="1000" dirty="0" err="1">
+                          <a:solidFill>
+                            <a:srgbClr val="000000"/>
+                          </a:solidFill>
+                          <a:latin typeface="Adobe Clean Light" panose="020B0303020404020204" pitchFamily="34" charset="0"/>
+                          <a:ea typeface="+mn-ea"/>
+                          <a:cs typeface="+mn-cs"/>
+                        </a:rPr>
+                        <a:t>Learning</a:t>
+                      </a:r>
+                      <a:r>
+                        <a:rPr lang="es-ES" sz="1000" dirty="0">
+                          <a:solidFill>
+                            <a:srgbClr val="000000"/>
+                          </a:solidFill>
+                          <a:latin typeface="Adobe Clean Light" panose="020B0303020404020204" pitchFamily="34" charset="0"/>
+                          <a:ea typeface="+mn-ea"/>
+                          <a:cs typeface="+mn-cs"/>
+                        </a:rPr>
+                        <a:t> </a:t>
+                      </a:r>
+                      <a:r>
+                        <a:rPr lang="es-ES" sz="1000" dirty="0" err="1">
+                          <a:solidFill>
+                            <a:srgbClr val="000000"/>
+                          </a:solidFill>
+                          <a:latin typeface="Adobe Clean Light" panose="020B0303020404020204" pitchFamily="34" charset="0"/>
+                          <a:ea typeface="+mn-ea"/>
+                          <a:cs typeface="+mn-cs"/>
+                        </a:rPr>
+                        <a:t>Services</a:t>
+                      </a:r>
+                      <a:r>
+                        <a:rPr lang="es-ES" sz="1000" dirty="0">
+                          <a:solidFill>
+                            <a:srgbClr val="000000"/>
+                          </a:solidFill>
+                          <a:latin typeface="Adobe Clean Light" panose="020B0303020404020204" pitchFamily="34" charset="0"/>
+                          <a:ea typeface="+mn-ea"/>
+                          <a:cs typeface="+mn-cs"/>
+                        </a:rPr>
+                        <a:t> desde </a:t>
+                      </a:r>
+                      <a:r>
+                        <a:rPr lang="es-ES" sz="1000" dirty="0" err="1">
+                          <a:solidFill>
+                            <a:srgbClr val="000000"/>
+                          </a:solidFill>
+                          <a:latin typeface="Adobe Clean Light" panose="020B0303020404020204" pitchFamily="34" charset="0"/>
+                          <a:ea typeface="+mn-ea"/>
+                          <a:cs typeface="+mn-cs"/>
+                        </a:rPr>
+                        <a:t>Experience</a:t>
+                      </a:r>
+                      <a:r>
+                        <a:rPr lang="es-ES" sz="1000" dirty="0">
+                          <a:solidFill>
+                            <a:srgbClr val="000000"/>
+                          </a:solidFill>
+                          <a:latin typeface="Adobe Clean Light" panose="020B0303020404020204" pitchFamily="34" charset="0"/>
+                          <a:ea typeface="+mn-ea"/>
+                          <a:cs typeface="+mn-cs"/>
+                        </a:rPr>
+                        <a:t> League. Los cursos de formación incluyen desde lecciones bajo demanda hasta lecciones impartidas por instructores.  Aquí puede aprender habilidades con valor de mercado reconocido para impulsar el éxito en su organización.</a:t>
                       </a:r>
                     </a:p>
                   </a:txBody>
@@ -12564,27 +11046,17 @@
                         <a:defRPr/>
                       </a:pPr>
                       <a:r>
-                        <a:rPr lang="en-US" sz="1100" dirty="0">
+                        <a:rPr lang="es-ES" sz="1100">
                           <a:solidFill>
                             <a:schemeClr val="tx1"/>
                           </a:solidFill>
-                          <a:effectLst/>
                           <a:latin typeface="Adobe Clean" panose="020B0503020404020204" pitchFamily="34" charset="0"/>
                           <a:ea typeface="+mn-ea"/>
                           <a:cs typeface="+mn-cs"/>
                           <a:hlinkClick r:id="rId9"/>
                         </a:rPr>
-                        <a:t>Production Issues &amp; System Outages</a:t>
+                        <a:t>Problemas de producción e interrupciones del sistema</a:t>
                       </a:r>
-                      <a:endParaRPr lang="en-US" sz="1100" dirty="0">
-                        <a:solidFill>
-                          <a:schemeClr val="tx1"/>
-                        </a:solidFill>
-                        <a:effectLst/>
-                        <a:latin typeface="Adobe Clean" panose="020B0503020404020204" pitchFamily="34" charset="0"/>
-                        <a:ea typeface="+mn-ea"/>
-                        <a:cs typeface="+mn-cs"/>
-                      </a:endParaRPr>
                     </a:p>
                   </a:txBody>
                   <a:tcPr anchor="ctr">
@@ -12658,7 +11130,7 @@
                         <a:defRPr/>
                       </a:pPr>
                       <a:r>
-                        <a:rPr lang="en-US" sz="1000" kern="1200" dirty="0">
+                        <a:rPr lang="es-ES" sz="1000" dirty="0">
                           <a:solidFill>
                             <a:srgbClr val="000000"/>
                           </a:solidFill>
@@ -12666,7 +11138,7 @@
                           <a:ea typeface="+mn-ea"/>
                           <a:cs typeface="+mn-cs"/>
                         </a:rPr>
-                        <a:t>Status.adobe.com conveys the health information of all Adobe products and services that are deployed in multi-tenant environments. Customers can choose their subscription preferences to get email notifications whenever Adobe creates, updates or resolves a product event. This can include scheduled maintenance or service issues of varying levels of severity. </a:t>
+                        <a:t>Status.adobe.com transmite la información de estado de todos los productos y servicios de Adobe implementados en entornos de varios inquilinos. Los clientes pueden elegir sus preferencias de suscripción para recibir notificaciones por correo electrónico cada vez que Adobe cree, actualice o resuelva un evento de producto. Esto puede incluir problemas de mantenimiento o servicio programados de diversos niveles de gravedad. </a:t>
                       </a:r>
                     </a:p>
                   </a:txBody>
@@ -12748,27 +11220,17 @@
                         <a:defRPr/>
                       </a:pPr>
                       <a:r>
-                        <a:rPr lang="en-US" sz="1100" dirty="0">
+                        <a:rPr lang="es-ES" sz="1100">
                           <a:solidFill>
                             <a:schemeClr val="tx1"/>
                           </a:solidFill>
-                          <a:effectLst/>
                           <a:latin typeface="Adobe Clean" panose="020B0503020404020204" pitchFamily="34" charset="0"/>
                           <a:ea typeface="+mn-ea"/>
                           <a:cs typeface="+mn-cs"/>
                           <a:hlinkClick r:id="rId10"/>
                         </a:rPr>
-                        <a:t>Terms and Conditions</a:t>
+                        <a:t>Términos y condiciones</a:t>
                       </a:r>
-                      <a:endParaRPr lang="en-US" sz="1100" dirty="0">
-                        <a:solidFill>
-                          <a:schemeClr val="tx1"/>
-                        </a:solidFill>
-                        <a:effectLst/>
-                        <a:latin typeface="Adobe Clean" panose="020B0503020404020204" pitchFamily="34" charset="0"/>
-                        <a:ea typeface="+mn-ea"/>
-                        <a:cs typeface="+mn-cs"/>
-                      </a:endParaRPr>
                     </a:p>
                   </a:txBody>
                   <a:tcPr anchor="ctr">
@@ -12825,7 +11287,7 @@
                     <a:lstStyle/>
                     <a:p>
                       <a:r>
-                        <a:rPr lang="en-US" sz="1000" kern="1200" dirty="0">
+                        <a:rPr lang="es-ES" sz="1000" dirty="0">
                           <a:solidFill>
                             <a:srgbClr val="000000"/>
                           </a:solidFill>
@@ -12833,7 +11295,7 @@
                           <a:ea typeface="+mn-ea"/>
                           <a:cs typeface="+mn-cs"/>
                         </a:rPr>
-                        <a:t>Terms and conditions detailing Support Services offerings.</a:t>
+                        <a:t>Términos y condiciones de las ofertas de los servicios de soporte.</a:t>
                       </a:r>
                     </a:p>
                   </a:txBody>
@@ -13604,9 +12066,12 @@
 </file>
 
 <file path=customXml/item1.xml><?xml version="1.0" encoding="utf-8"?>
-<p:properties xmlns:p="http://schemas.microsoft.com/office/2006/metadata/properties" xmlns:xsi="http://www.w3.org/2001/XMLSchema-instance" xmlns:pc="http://schemas.microsoft.com/office/infopath/2007/PartnerControls">
-  <documentManagement/>
-</p:properties>
+<?mso-contentType ?>
+<FormTemplates xmlns="http://schemas.microsoft.com/sharepoint/v3/contenttype/forms">
+  <Display>DocumentLibraryForm</Display>
+  <Edit>DocumentLibraryForm</Edit>
+  <New>DocumentLibraryForm</New>
+</FormTemplates>
 </file>
 
 <file path=customXml/item2.xml><?xml version="1.0" encoding="utf-8"?>
@@ -13815,27 +12280,15 @@
 </file>
 
 <file path=customXml/item3.xml><?xml version="1.0" encoding="utf-8"?>
-<?mso-contentType ?>
-<FormTemplates xmlns="http://schemas.microsoft.com/sharepoint/v3/contenttype/forms">
-  <Display>DocumentLibraryForm</Display>
-  <Edit>DocumentLibraryForm</Edit>
-  <New>DocumentLibraryForm</New>
-</FormTemplates>
+<p:properties xmlns:p="http://schemas.microsoft.com/office/2006/metadata/properties" xmlns:xsi="http://www.w3.org/2001/XMLSchema-instance" xmlns:pc="http://schemas.microsoft.com/office/infopath/2007/PartnerControls">
+  <documentManagement/>
+</p:properties>
 </file>
 
 <file path=customXml/itemProps1.xml><?xml version="1.0" encoding="utf-8"?>
-<ds:datastoreItem xmlns:ds="http://schemas.openxmlformats.org/officeDocument/2006/customXml" ds:itemID="{8D12BD98-169B-4BEE-86DF-4C9641DF23C4}">
+<ds:datastoreItem xmlns:ds="http://schemas.openxmlformats.org/officeDocument/2006/customXml" ds:itemID="{AC92E7FA-19A2-4675-9C77-2C92D8A268D1}">
   <ds:schemaRefs>
-    <ds:schemaRef ds:uri="http://schemas.microsoft.com/office/2006/documentManagement/types"/>
-    <ds:schemaRef ds:uri="http://purl.org/dc/dcmitype/"/>
-    <ds:schemaRef ds:uri="http://schemas.openxmlformats.org/package/2006/metadata/core-properties"/>
-    <ds:schemaRef ds:uri="http://schemas.microsoft.com/office/infopath/2007/PartnerControls"/>
-    <ds:schemaRef ds:uri="http://www.w3.org/XML/1998/namespace"/>
-    <ds:schemaRef ds:uri="http://schemas.microsoft.com/office/2006/metadata/properties"/>
-    <ds:schemaRef ds:uri="8a053bff-88be-49e4-9a87-e748e18b8b62"/>
-    <ds:schemaRef ds:uri="6c8368ec-3776-49b5-a5bb-90648cf9530f"/>
-    <ds:schemaRef ds:uri="http://purl.org/dc/terms/"/>
-    <ds:schemaRef ds:uri="http://purl.org/dc/elements/1.1/"/>
+    <ds:schemaRef ds:uri="http://schemas.microsoft.com/sharepoint/v3/contenttype/forms"/>
   </ds:schemaRefs>
 </ds:datastoreItem>
 </file>
@@ -13860,9 +12313,18 @@
 </file>
 
 <file path=customXml/itemProps3.xml><?xml version="1.0" encoding="utf-8"?>
-<ds:datastoreItem xmlns:ds="http://schemas.openxmlformats.org/officeDocument/2006/customXml" ds:itemID="{AC92E7FA-19A2-4675-9C77-2C92D8A268D1}">
+<ds:datastoreItem xmlns:ds="http://schemas.openxmlformats.org/officeDocument/2006/customXml" ds:itemID="{8D12BD98-169B-4BEE-86DF-4C9641DF23C4}">
   <ds:schemaRefs>
-    <ds:schemaRef ds:uri="http://schemas.microsoft.com/sharepoint/v3/contenttype/forms"/>
+    <ds:schemaRef ds:uri="http://schemas.microsoft.com/office/2006/documentManagement/types"/>
+    <ds:schemaRef ds:uri="http://purl.org/dc/dcmitype/"/>
+    <ds:schemaRef ds:uri="http://schemas.openxmlformats.org/package/2006/metadata/core-properties"/>
+    <ds:schemaRef ds:uri="http://schemas.microsoft.com/office/infopath/2007/PartnerControls"/>
+    <ds:schemaRef ds:uri="http://www.w3.org/XML/1998/namespace"/>
+    <ds:schemaRef ds:uri="http://schemas.microsoft.com/office/2006/metadata/properties"/>
+    <ds:schemaRef ds:uri="8a053bff-88be-49e4-9a87-e748e18b8b62"/>
+    <ds:schemaRef ds:uri="6c8368ec-3776-49b5-a5bb-90648cf9530f"/>
+    <ds:schemaRef ds:uri="http://purl.org/dc/terms/"/>
+    <ds:schemaRef ds:uri="http://purl.org/dc/elements/1.1/"/>
   </ds:schemaRefs>
 </ds:datastoreItem>
 </file>